--- a/_files/intro-lennard-jones.pptx
+++ b/_files/intro-lennard-jones.pptx
@@ -5,24 +5,22 @@
     <p:sldMasterId id="2147483672" r:id="rId1"/>
   </p:sldMasterIdLst>
   <p:notesMasterIdLst>
-    <p:notesMasterId r:id="rId9"/>
+    <p:notesMasterId r:id="rId7"/>
   </p:notesMasterIdLst>
   <p:handoutMasterIdLst>
-    <p:handoutMasterId r:id="rId10"/>
+    <p:handoutMasterId r:id="rId8"/>
   </p:handoutMasterIdLst>
   <p:sldIdLst>
     <p:sldId id="265" r:id="rId2"/>
-    <p:sldId id="341" r:id="rId3"/>
-    <p:sldId id="335" r:id="rId4"/>
-    <p:sldId id="342" r:id="rId5"/>
-    <p:sldId id="343" r:id="rId6"/>
-    <p:sldId id="344" r:id="rId7"/>
-    <p:sldId id="348" r:id="rId8"/>
+    <p:sldId id="266" r:id="rId3"/>
+    <p:sldId id="268" r:id="rId4"/>
+    <p:sldId id="267" r:id="rId5"/>
+    <p:sldId id="269" r:id="rId6"/>
   </p:sldIdLst>
   <p:sldSz cx="12192000" cy="6858000"/>
   <p:notesSz cx="6858000" cy="9144000"/>
   <p:custDataLst>
-    <p:tags r:id="rId11"/>
+    <p:tags r:id="rId9"/>
   </p:custDataLst>
   <p:defaultTextStyle>
     <a:defPPr>
@@ -243,7 +241,7 @@
               <a:rPr lang="en-US" smtClean="0">
                 <a:latin typeface="Lucida Grande Regular" panose="020B0600040502020204" pitchFamily="34" charset="0"/>
               </a:rPr>
-              <a:t>8/9/21</a:t>
+              <a:t>8/1/2023</a:t>
             </a:fld>
             <a:endParaRPr lang="en-US" dirty="0">
               <a:latin typeface="Lucida Grande Regular" panose="020B0600040502020204" pitchFamily="34" charset="0"/>
@@ -422,7 +420,7 @@
             <a:fld id="{5F53F6BF-7462-9046-A2B6-90C29244BD27}" type="datetimeFigureOut">
               <a:rPr lang="en-US" smtClean="0"/>
               <a:pPr/>
-              <a:t>8/9/21</a:t>
+              <a:t>8/1/2023</a:t>
             </a:fld>
             <a:endParaRPr lang="en-US" dirty="0"/>
           </a:p>
@@ -776,304 +774,6 @@
     <p:extLst>
       <p:ext uri="{BB962C8B-B14F-4D97-AF65-F5344CB8AC3E}">
         <p14:creationId xmlns:p14="http://schemas.microsoft.com/office/powerpoint/2010/main" val="1297813841"/>
-      </p:ext>
-    </p:extLst>
-  </p:cSld>
-  <p:clrMapOvr>
-    <a:masterClrMapping/>
-  </p:clrMapOvr>
-</p:notes>
-</file>
-
-<file path=ppt/notesSlides/notesSlide2.xml><?xml version="1.0" encoding="utf-8"?>
-<p:notes xmlns:a="http://schemas.openxmlformats.org/drawingml/2006/main" xmlns:r="http://schemas.openxmlformats.org/officeDocument/2006/relationships" xmlns:p="http://schemas.openxmlformats.org/presentationml/2006/main">
-  <p:cSld>
-    <p:spTree>
-      <p:nvGrpSpPr>
-        <p:cNvPr id="1" name=""/>
-        <p:cNvGrpSpPr/>
-        <p:nvPr/>
-      </p:nvGrpSpPr>
-      <p:grpSpPr>
-        <a:xfrm>
-          <a:off x="0" y="0"/>
-          <a:ext cx="0" cy="0"/>
-          <a:chOff x="0" y="0"/>
-          <a:chExt cx="0" cy="0"/>
-        </a:xfrm>
-      </p:grpSpPr>
-      <p:sp>
-        <p:nvSpPr>
-          <p:cNvPr id="2" name="Slide Image Placeholder 1"/>
-          <p:cNvSpPr>
-            <a:spLocks noGrp="1" noRot="1" noChangeAspect="1"/>
-          </p:cNvSpPr>
-          <p:nvPr>
-            <p:ph type="sldImg"/>
-          </p:nvPr>
-        </p:nvSpPr>
-        <p:spPr>
-          <a:xfrm>
-            <a:off x="381000" y="685800"/>
-            <a:ext cx="6096000" cy="3429000"/>
-          </a:xfrm>
-        </p:spPr>
-      </p:sp>
-      <p:sp>
-        <p:nvSpPr>
-          <p:cNvPr id="3" name="Notes Placeholder 2"/>
-          <p:cNvSpPr>
-            <a:spLocks noGrp="1"/>
-          </p:cNvSpPr>
-          <p:nvPr>
-            <p:ph type="body" idx="1"/>
-          </p:nvPr>
-        </p:nvSpPr>
-        <p:spPr/>
-        <p:txBody>
-          <a:bodyPr/>
-          <a:lstStyle/>
-          <a:p>
-            <a:endParaRPr lang="en-US" sz="1200" b="0" i="0" kern="1200" dirty="0">
-              <a:solidFill>
-                <a:schemeClr val="tx1"/>
-              </a:solidFill>
-              <a:effectLst/>
-              <a:latin typeface="Lucida Grande Regular" panose="020B0600040502020204" pitchFamily="34" charset="0"/>
-              <a:ea typeface="+mn-ea"/>
-              <a:cs typeface="+mn-cs"/>
-            </a:endParaRPr>
-          </a:p>
-          <a:p>
-            <a:endParaRPr lang="en-US" dirty="0"/>
-          </a:p>
-        </p:txBody>
-      </p:sp>
-      <p:sp>
-        <p:nvSpPr>
-          <p:cNvPr id="4" name="Slide Number Placeholder 3"/>
-          <p:cNvSpPr>
-            <a:spLocks noGrp="1"/>
-          </p:cNvSpPr>
-          <p:nvPr>
-            <p:ph type="sldNum" sz="quarter" idx="5"/>
-          </p:nvPr>
-        </p:nvSpPr>
-        <p:spPr/>
-        <p:txBody>
-          <a:bodyPr/>
-          <a:lstStyle/>
-          <a:p>
-            <a:fld id="{84B7DBC5-2A13-CA47-B9EE-6017A92B6B18}" type="slidenum">
-              <a:rPr lang="en-US" smtClean="0"/>
-              <a:pPr/>
-              <a:t>3</a:t>
-            </a:fld>
-            <a:endParaRPr lang="en-US" dirty="0"/>
-          </a:p>
-        </p:txBody>
-      </p:sp>
-    </p:spTree>
-    <p:extLst>
-      <p:ext uri="{BB962C8B-B14F-4D97-AF65-F5344CB8AC3E}">
-        <p14:creationId xmlns:p14="http://schemas.microsoft.com/office/powerpoint/2010/main" val="735134686"/>
-      </p:ext>
-    </p:extLst>
-  </p:cSld>
-  <p:clrMapOvr>
-    <a:masterClrMapping/>
-  </p:clrMapOvr>
-</p:notes>
-</file>
-
-<file path=ppt/notesSlides/notesSlide3.xml><?xml version="1.0" encoding="utf-8"?>
-<p:notes xmlns:a="http://schemas.openxmlformats.org/drawingml/2006/main" xmlns:r="http://schemas.openxmlformats.org/officeDocument/2006/relationships" xmlns:p="http://schemas.openxmlformats.org/presentationml/2006/main">
-  <p:cSld>
-    <p:spTree>
-      <p:nvGrpSpPr>
-        <p:cNvPr id="1" name=""/>
-        <p:cNvGrpSpPr/>
-        <p:nvPr/>
-      </p:nvGrpSpPr>
-      <p:grpSpPr>
-        <a:xfrm>
-          <a:off x="0" y="0"/>
-          <a:ext cx="0" cy="0"/>
-          <a:chOff x="0" y="0"/>
-          <a:chExt cx="0" cy="0"/>
-        </a:xfrm>
-      </p:grpSpPr>
-      <p:sp>
-        <p:nvSpPr>
-          <p:cNvPr id="2" name="Slide Image Placeholder 1"/>
-          <p:cNvSpPr>
-            <a:spLocks noGrp="1" noRot="1" noChangeAspect="1"/>
-          </p:cNvSpPr>
-          <p:nvPr>
-            <p:ph type="sldImg"/>
-          </p:nvPr>
-        </p:nvSpPr>
-        <p:spPr>
-          <a:xfrm>
-            <a:off x="381000" y="685800"/>
-            <a:ext cx="6096000" cy="3429000"/>
-          </a:xfrm>
-        </p:spPr>
-      </p:sp>
-      <p:sp>
-        <p:nvSpPr>
-          <p:cNvPr id="3" name="Notes Placeholder 2"/>
-          <p:cNvSpPr>
-            <a:spLocks noGrp="1"/>
-          </p:cNvSpPr>
-          <p:nvPr>
-            <p:ph type="body" idx="1"/>
-          </p:nvPr>
-        </p:nvSpPr>
-        <p:spPr/>
-        <p:txBody>
-          <a:bodyPr/>
-          <a:lstStyle/>
-          <a:p>
-            <a:endParaRPr lang="en-US" sz="1200" b="0" i="0" kern="1200" dirty="0">
-              <a:solidFill>
-                <a:schemeClr val="tx1"/>
-              </a:solidFill>
-              <a:effectLst/>
-              <a:latin typeface="Lucida Grande Regular" panose="020B0600040502020204" pitchFamily="34" charset="0"/>
-              <a:ea typeface="+mn-ea"/>
-              <a:cs typeface="+mn-cs"/>
-            </a:endParaRPr>
-          </a:p>
-          <a:p>
-            <a:endParaRPr lang="en-US" dirty="0"/>
-          </a:p>
-        </p:txBody>
-      </p:sp>
-      <p:sp>
-        <p:nvSpPr>
-          <p:cNvPr id="4" name="Slide Number Placeholder 3"/>
-          <p:cNvSpPr>
-            <a:spLocks noGrp="1"/>
-          </p:cNvSpPr>
-          <p:nvPr>
-            <p:ph type="sldNum" sz="quarter" idx="5"/>
-          </p:nvPr>
-        </p:nvSpPr>
-        <p:spPr/>
-        <p:txBody>
-          <a:bodyPr/>
-          <a:lstStyle/>
-          <a:p>
-            <a:fld id="{84B7DBC5-2A13-CA47-B9EE-6017A92B6B18}" type="slidenum">
-              <a:rPr lang="en-US" smtClean="0"/>
-              <a:pPr/>
-              <a:t>4</a:t>
-            </a:fld>
-            <a:endParaRPr lang="en-US" dirty="0"/>
-          </a:p>
-        </p:txBody>
-      </p:sp>
-    </p:spTree>
-    <p:extLst>
-      <p:ext uri="{BB962C8B-B14F-4D97-AF65-F5344CB8AC3E}">
-        <p14:creationId xmlns:p14="http://schemas.microsoft.com/office/powerpoint/2010/main" val="3859471984"/>
-      </p:ext>
-    </p:extLst>
-  </p:cSld>
-  <p:clrMapOvr>
-    <a:masterClrMapping/>
-  </p:clrMapOvr>
-</p:notes>
-</file>
-
-<file path=ppt/notesSlides/notesSlide4.xml><?xml version="1.0" encoding="utf-8"?>
-<p:notes xmlns:a="http://schemas.openxmlformats.org/drawingml/2006/main" xmlns:r="http://schemas.openxmlformats.org/officeDocument/2006/relationships" xmlns:p="http://schemas.openxmlformats.org/presentationml/2006/main">
-  <p:cSld>
-    <p:spTree>
-      <p:nvGrpSpPr>
-        <p:cNvPr id="1" name=""/>
-        <p:cNvGrpSpPr/>
-        <p:nvPr/>
-      </p:nvGrpSpPr>
-      <p:grpSpPr>
-        <a:xfrm>
-          <a:off x="0" y="0"/>
-          <a:ext cx="0" cy="0"/>
-          <a:chOff x="0" y="0"/>
-          <a:chExt cx="0" cy="0"/>
-        </a:xfrm>
-      </p:grpSpPr>
-      <p:sp>
-        <p:nvSpPr>
-          <p:cNvPr id="2" name="Slide Image Placeholder 1"/>
-          <p:cNvSpPr>
-            <a:spLocks noGrp="1" noRot="1" noChangeAspect="1"/>
-          </p:cNvSpPr>
-          <p:nvPr>
-            <p:ph type="sldImg"/>
-          </p:nvPr>
-        </p:nvSpPr>
-        <p:spPr/>
-      </p:sp>
-      <p:sp>
-        <p:nvSpPr>
-          <p:cNvPr id="3" name="Notes Placeholder 2"/>
-          <p:cNvSpPr>
-            <a:spLocks noGrp="1"/>
-          </p:cNvSpPr>
-          <p:nvPr>
-            <p:ph type="body" idx="1"/>
-          </p:nvPr>
-        </p:nvSpPr>
-        <p:spPr/>
-        <p:txBody>
-          <a:bodyPr/>
-          <a:lstStyle/>
-          <a:p>
-            <a:endParaRPr lang="en-US" sz="1200" b="0" i="0" kern="1200" dirty="0">
-              <a:solidFill>
-                <a:schemeClr val="tx1"/>
-              </a:solidFill>
-              <a:effectLst/>
-              <a:latin typeface="Lucida Grande Regular" panose="020B0600040502020204" pitchFamily="34" charset="0"/>
-              <a:ea typeface="+mn-ea"/>
-              <a:cs typeface="+mn-cs"/>
-            </a:endParaRPr>
-          </a:p>
-          <a:p>
-            <a:endParaRPr lang="en-US" dirty="0"/>
-          </a:p>
-        </p:txBody>
-      </p:sp>
-      <p:sp>
-        <p:nvSpPr>
-          <p:cNvPr id="4" name="Slide Number Placeholder 3"/>
-          <p:cNvSpPr>
-            <a:spLocks noGrp="1"/>
-          </p:cNvSpPr>
-          <p:nvPr>
-            <p:ph type="sldNum" sz="quarter" idx="5"/>
-          </p:nvPr>
-        </p:nvSpPr>
-        <p:spPr/>
-        <p:txBody>
-          <a:bodyPr/>
-          <a:lstStyle/>
-          <a:p>
-            <a:fld id="{84B7DBC5-2A13-CA47-B9EE-6017A92B6B18}" type="slidenum">
-              <a:rPr lang="en-US" smtClean="0"/>
-              <a:pPr/>
-              <a:t>7</a:t>
-            </a:fld>
-            <a:endParaRPr lang="en-US" dirty="0"/>
-          </a:p>
-        </p:txBody>
-      </p:sp>
-    </p:spTree>
-    <p:extLst>
-      <p:ext uri="{BB962C8B-B14F-4D97-AF65-F5344CB8AC3E}">
-        <p14:creationId xmlns:p14="http://schemas.microsoft.com/office/powerpoint/2010/main" val="3787818359"/>
       </p:ext>
     </p:extLst>
   </p:cSld>
@@ -5080,7 +4780,7 @@
                 <a:latin typeface="FreightMicro Pro Book" panose="02000603020000020004" pitchFamily="2" charset="0"/>
                 <a:cs typeface="Poppins" pitchFamily="2" charset="77"/>
               </a:rPr>
-              <a:t>Monte Carlo of Molecular Systems</a:t>
+              <a:t>The Lennard Jones Equation</a:t>
             </a:r>
           </a:p>
           <a:p>
@@ -5197,7 +4897,7 @@
           <p:cNvPr id="4" name="Title 3">
             <a:extLst>
               <a:ext uri="{FF2B5EF4-FFF2-40B4-BE49-F238E27FC236}">
-                <a16:creationId xmlns:a16="http://schemas.microsoft.com/office/drawing/2014/main" id="{DB436EE6-78E7-764A-9170-0753F8B39174}"/>
+                <a16:creationId xmlns:a16="http://schemas.microsoft.com/office/drawing/2014/main" id="{5D53EABD-E0EB-EA67-9620-08A381F4A7A2}"/>
               </a:ext>
             </a:extLst>
           </p:cNvPr>
@@ -5208,101 +4908,409 @@
             <p:ph type="title"/>
           </p:nvPr>
         </p:nvSpPr>
-        <p:spPr>
-          <a:xfrm>
-            <a:off x="647700" y="571500"/>
-            <a:ext cx="10354733" cy="1150353"/>
-          </a:xfrm>
-        </p:spPr>
+        <p:spPr/>
         <p:txBody>
           <a:bodyPr/>
           <a:lstStyle/>
           <a:p>
             <a:r>
-              <a:rPr lang="en-US" dirty="0"/>
-              <a:t>Statistical Mechanics</a:t>
+              <a:rPr lang="en-US" b="1" dirty="0">
+                <a:latin typeface="FreightMicro Pro Book" panose="02000603020000020004"/>
+              </a:rPr>
+              <a:t>Imagine two interacting atoms</a:t>
             </a:r>
           </a:p>
         </p:txBody>
       </p:sp>
       <p:sp>
         <p:nvSpPr>
-          <p:cNvPr id="5" name="Content Placeholder 4">
+          <p:cNvPr id="6" name="Oval 5">
             <a:extLst>
               <a:ext uri="{FF2B5EF4-FFF2-40B4-BE49-F238E27FC236}">
-                <a16:creationId xmlns:a16="http://schemas.microsoft.com/office/drawing/2014/main" id="{239D4F8F-70EC-6649-9818-B7DBF90A2E1C}"/>
+                <a16:creationId xmlns:a16="http://schemas.microsoft.com/office/drawing/2014/main" id="{5685B579-5FDA-7E21-C059-AE17C7EC500D}"/>
               </a:ext>
             </a:extLst>
           </p:cNvPr>
-          <p:cNvSpPr>
-            <a:spLocks noGrp="1"/>
-          </p:cNvSpPr>
-          <p:nvPr>
-            <p:ph idx="1"/>
-          </p:nvPr>
+          <p:cNvSpPr/>
+          <p:nvPr/>
         </p:nvSpPr>
         <p:spPr>
           <a:xfrm>
-            <a:off x="643469" y="2518952"/>
-            <a:ext cx="10320867" cy="2617196"/>
-          </a:xfrm>
-        </p:spPr>
+            <a:off x="328108" y="2727063"/>
+            <a:ext cx="1177963" cy="1144631"/>
+          </a:xfrm>
+          <a:prstGeom prst="ellipse">
+            <a:avLst/>
+          </a:prstGeom>
+        </p:spPr>
+        <p:style>
+          <a:lnRef idx="1">
+            <a:schemeClr val="accent1"/>
+          </a:lnRef>
+          <a:fillRef idx="3">
+            <a:schemeClr val="accent1"/>
+          </a:fillRef>
+          <a:effectRef idx="2">
+            <a:schemeClr val="accent1"/>
+          </a:effectRef>
+          <a:fontRef idx="minor">
+            <a:schemeClr val="lt1"/>
+          </a:fontRef>
+        </p:style>
         <p:txBody>
-          <a:bodyPr>
-            <a:normAutofit fontScale="85000" lnSpcReduction="20000"/>
+          <a:bodyPr rtlCol="0" anchor="ctr"/>
+          <a:lstStyle/>
+          <a:p>
+            <a:pPr algn="ctr"/>
+            <a:endParaRPr lang="en-US"/>
+          </a:p>
+        </p:txBody>
+      </p:sp>
+      <p:sp>
+        <p:nvSpPr>
+          <p:cNvPr id="7" name="Oval 6">
+            <a:extLst>
+              <a:ext uri="{FF2B5EF4-FFF2-40B4-BE49-F238E27FC236}">
+                <a16:creationId xmlns:a16="http://schemas.microsoft.com/office/drawing/2014/main" id="{CF4F4FFE-E30B-22C4-A91D-19DBA9B79B97}"/>
+              </a:ext>
+            </a:extLst>
+          </p:cNvPr>
+          <p:cNvSpPr/>
+          <p:nvPr/>
+        </p:nvSpPr>
+        <p:spPr>
+          <a:xfrm>
+            <a:off x="1393116" y="2727063"/>
+            <a:ext cx="1177963" cy="1144631"/>
+          </a:xfrm>
+          <a:prstGeom prst="ellipse">
+            <a:avLst/>
+          </a:prstGeom>
+        </p:spPr>
+        <p:style>
+          <a:lnRef idx="1">
+            <a:schemeClr val="accent1"/>
+          </a:lnRef>
+          <a:fillRef idx="3">
+            <a:schemeClr val="accent1"/>
+          </a:fillRef>
+          <a:effectRef idx="2">
+            <a:schemeClr val="accent1"/>
+          </a:effectRef>
+          <a:fontRef idx="minor">
+            <a:schemeClr val="lt1"/>
+          </a:fontRef>
+        </p:style>
+        <p:txBody>
+          <a:bodyPr rtlCol="0" anchor="ctr"/>
+          <a:lstStyle/>
+          <a:p>
+            <a:pPr algn="ctr"/>
+            <a:endParaRPr lang="en-US"/>
+          </a:p>
+        </p:txBody>
+      </p:sp>
+      <p:sp>
+        <p:nvSpPr>
+          <p:cNvPr id="8" name="Oval 7">
+            <a:extLst>
+              <a:ext uri="{FF2B5EF4-FFF2-40B4-BE49-F238E27FC236}">
+                <a16:creationId xmlns:a16="http://schemas.microsoft.com/office/drawing/2014/main" id="{6F8E86A3-7989-FE29-B19D-AD40AC13F62D}"/>
+              </a:ext>
+            </a:extLst>
+          </p:cNvPr>
+          <p:cNvSpPr/>
+          <p:nvPr/>
+        </p:nvSpPr>
+        <p:spPr>
+          <a:xfrm>
+            <a:off x="4240305" y="2637416"/>
+            <a:ext cx="1177963" cy="1144631"/>
+          </a:xfrm>
+          <a:prstGeom prst="ellipse">
+            <a:avLst/>
+          </a:prstGeom>
+        </p:spPr>
+        <p:style>
+          <a:lnRef idx="1">
+            <a:schemeClr val="accent1"/>
+          </a:lnRef>
+          <a:fillRef idx="3">
+            <a:schemeClr val="accent1"/>
+          </a:fillRef>
+          <a:effectRef idx="2">
+            <a:schemeClr val="accent1"/>
+          </a:effectRef>
+          <a:fontRef idx="minor">
+            <a:schemeClr val="lt1"/>
+          </a:fontRef>
+        </p:style>
+        <p:txBody>
+          <a:bodyPr rtlCol="0" anchor="ctr"/>
+          <a:lstStyle/>
+          <a:p>
+            <a:pPr algn="ctr"/>
+            <a:endParaRPr lang="en-US"/>
+          </a:p>
+        </p:txBody>
+      </p:sp>
+      <p:sp>
+        <p:nvSpPr>
+          <p:cNvPr id="9" name="Oval 8">
+            <a:extLst>
+              <a:ext uri="{FF2B5EF4-FFF2-40B4-BE49-F238E27FC236}">
+                <a16:creationId xmlns:a16="http://schemas.microsoft.com/office/drawing/2014/main" id="{DB2197A7-0ECC-8A67-B64F-792F25CA0E9E}"/>
+              </a:ext>
+            </a:extLst>
+          </p:cNvPr>
+          <p:cNvSpPr/>
+          <p:nvPr/>
+        </p:nvSpPr>
+        <p:spPr>
+          <a:xfrm>
+            <a:off x="5848574" y="2637416"/>
+            <a:ext cx="1177963" cy="1144631"/>
+          </a:xfrm>
+          <a:prstGeom prst="ellipse">
+            <a:avLst/>
+          </a:prstGeom>
+        </p:spPr>
+        <p:style>
+          <a:lnRef idx="1">
+            <a:schemeClr val="accent1"/>
+          </a:lnRef>
+          <a:fillRef idx="3">
+            <a:schemeClr val="accent1"/>
+          </a:fillRef>
+          <a:effectRef idx="2">
+            <a:schemeClr val="accent1"/>
+          </a:effectRef>
+          <a:fontRef idx="minor">
+            <a:schemeClr val="lt1"/>
+          </a:fontRef>
+        </p:style>
+        <p:txBody>
+          <a:bodyPr rtlCol="0" anchor="ctr"/>
+          <a:lstStyle/>
+          <a:p>
+            <a:pPr algn="ctr"/>
+            <a:endParaRPr lang="en-US"/>
+          </a:p>
+        </p:txBody>
+      </p:sp>
+      <p:sp>
+        <p:nvSpPr>
+          <p:cNvPr id="11" name="Oval 10">
+            <a:extLst>
+              <a:ext uri="{FF2B5EF4-FFF2-40B4-BE49-F238E27FC236}">
+                <a16:creationId xmlns:a16="http://schemas.microsoft.com/office/drawing/2014/main" id="{1ACBD833-9D53-BA7C-A2DD-1B7C7546C228}"/>
+              </a:ext>
+            </a:extLst>
+          </p:cNvPr>
+          <p:cNvSpPr/>
+          <p:nvPr/>
+        </p:nvSpPr>
+        <p:spPr>
+          <a:xfrm>
+            <a:off x="11366094" y="3209731"/>
+            <a:ext cx="588981" cy="572315"/>
+          </a:xfrm>
+          <a:prstGeom prst="ellipse">
+            <a:avLst/>
+          </a:prstGeom>
+        </p:spPr>
+        <p:style>
+          <a:lnRef idx="1">
+            <a:schemeClr val="accent1"/>
+          </a:lnRef>
+          <a:fillRef idx="3">
+            <a:schemeClr val="accent1"/>
+          </a:fillRef>
+          <a:effectRef idx="2">
+            <a:schemeClr val="accent1"/>
+          </a:effectRef>
+          <a:fontRef idx="minor">
+            <a:schemeClr val="lt1"/>
+          </a:fontRef>
+        </p:style>
+        <p:txBody>
+          <a:bodyPr rtlCol="0" anchor="ctr"/>
+          <a:lstStyle/>
+          <a:p>
+            <a:pPr algn="ctr"/>
+            <a:endParaRPr lang="en-US"/>
+          </a:p>
+        </p:txBody>
+      </p:sp>
+      <p:sp>
+        <p:nvSpPr>
+          <p:cNvPr id="12" name="Oval 11">
+            <a:extLst>
+              <a:ext uri="{FF2B5EF4-FFF2-40B4-BE49-F238E27FC236}">
+                <a16:creationId xmlns:a16="http://schemas.microsoft.com/office/drawing/2014/main" id="{8461FACC-1C86-7508-080C-26499A5B73AF}"/>
+              </a:ext>
+            </a:extLst>
+          </p:cNvPr>
+          <p:cNvSpPr/>
+          <p:nvPr/>
+        </p:nvSpPr>
+        <p:spPr>
+          <a:xfrm>
+            <a:off x="8549383" y="3209731"/>
+            <a:ext cx="588981" cy="572315"/>
+          </a:xfrm>
+          <a:prstGeom prst="ellipse">
+            <a:avLst/>
+          </a:prstGeom>
+        </p:spPr>
+        <p:style>
+          <a:lnRef idx="1">
+            <a:schemeClr val="accent1"/>
+          </a:lnRef>
+          <a:fillRef idx="3">
+            <a:schemeClr val="accent1"/>
+          </a:fillRef>
+          <a:effectRef idx="2">
+            <a:schemeClr val="accent1"/>
+          </a:effectRef>
+          <a:fontRef idx="minor">
+            <a:schemeClr val="lt1"/>
+          </a:fontRef>
+        </p:style>
+        <p:txBody>
+          <a:bodyPr rtlCol="0" anchor="ctr"/>
+          <a:lstStyle/>
+          <a:p>
+            <a:pPr algn="ctr"/>
+            <a:endParaRPr lang="en-US"/>
+          </a:p>
+        </p:txBody>
+      </p:sp>
+      <p:cxnSp>
+        <p:nvCxnSpPr>
+          <p:cNvPr id="14" name="Straight Connector 13">
+            <a:extLst>
+              <a:ext uri="{FF2B5EF4-FFF2-40B4-BE49-F238E27FC236}">
+                <a16:creationId xmlns:a16="http://schemas.microsoft.com/office/drawing/2014/main" id="{0B4BCB3E-D207-C69D-4277-1818E68BF5B8}"/>
+              </a:ext>
+            </a:extLst>
+          </p:cNvPr>
+          <p:cNvCxnSpPr>
+            <a:cxnSpLocks/>
+          </p:cNvCxnSpPr>
+          <p:nvPr/>
+        </p:nvCxnSpPr>
+        <p:spPr>
+          <a:xfrm>
+            <a:off x="3480099" y="1753496"/>
+            <a:ext cx="0" cy="2753958"/>
+          </a:xfrm>
+          <a:prstGeom prst="line">
+            <a:avLst/>
+          </a:prstGeom>
+        </p:spPr>
+        <p:style>
+          <a:lnRef idx="2">
+            <a:schemeClr val="accent1"/>
+          </a:lnRef>
+          <a:fillRef idx="0">
+            <a:schemeClr val="accent1"/>
+          </a:fillRef>
+          <a:effectRef idx="1">
+            <a:schemeClr val="accent1"/>
+          </a:effectRef>
+          <a:fontRef idx="minor">
+            <a:schemeClr val="tx1"/>
+          </a:fontRef>
+        </p:style>
+      </p:cxnSp>
+      <p:cxnSp>
+        <p:nvCxnSpPr>
+          <p:cNvPr id="15" name="Straight Connector 14">
+            <a:extLst>
+              <a:ext uri="{FF2B5EF4-FFF2-40B4-BE49-F238E27FC236}">
+                <a16:creationId xmlns:a16="http://schemas.microsoft.com/office/drawing/2014/main" id="{D3900435-5B98-9D33-932C-76C02011537F}"/>
+              </a:ext>
+            </a:extLst>
+          </p:cNvPr>
+          <p:cNvCxnSpPr>
+            <a:cxnSpLocks/>
+          </p:cNvCxnSpPr>
+          <p:nvPr/>
+        </p:nvCxnSpPr>
+        <p:spPr>
+          <a:xfrm>
+            <a:off x="7935557" y="1753496"/>
+            <a:ext cx="0" cy="2818504"/>
+          </a:xfrm>
+          <a:prstGeom prst="line">
+            <a:avLst/>
+          </a:prstGeom>
+        </p:spPr>
+        <p:style>
+          <a:lnRef idx="2">
+            <a:schemeClr val="accent1"/>
+          </a:lnRef>
+          <a:fillRef idx="0">
+            <a:schemeClr val="accent1"/>
+          </a:fillRef>
+          <a:effectRef idx="1">
+            <a:schemeClr val="accent1"/>
+          </a:effectRef>
+          <a:fontRef idx="minor">
+            <a:schemeClr val="tx1"/>
+          </a:fontRef>
+        </p:style>
+      </p:cxnSp>
+      <p:sp>
+        <p:nvSpPr>
+          <p:cNvPr id="19" name="TextBox 18">
+            <a:extLst>
+              <a:ext uri="{FF2B5EF4-FFF2-40B4-BE49-F238E27FC236}">
+                <a16:creationId xmlns:a16="http://schemas.microsoft.com/office/drawing/2014/main" id="{A0025B6B-8954-2F15-6B3D-14EEFB1A71EB}"/>
+              </a:ext>
+            </a:extLst>
+          </p:cNvPr>
+          <p:cNvSpPr txBox="1"/>
+          <p:nvPr/>
+        </p:nvSpPr>
+        <p:spPr>
+          <a:xfrm>
+            <a:off x="3105374" y="4742724"/>
+            <a:ext cx="6228677" cy="830997"/>
+          </a:xfrm>
+          <a:prstGeom prst="rect">
+            <a:avLst/>
+          </a:prstGeom>
+          <a:noFill/>
+        </p:spPr>
+        <p:txBody>
+          <a:bodyPr wrap="square" rtlCol="0">
+            <a:spAutoFit/>
           </a:bodyPr>
           <a:lstStyle/>
           <a:p>
-            <a:pPr marL="0" indent="0">
-              <a:buNone/>
-            </a:pPr>
-            <a:endParaRPr lang="en-US" sz="2400" dirty="0"/>
-          </a:p>
-          <a:p>
-            <a:pPr marL="0" indent="0">
-              <a:buNone/>
-            </a:pPr>
-            <a:r>
-              <a:rPr lang="en-US" sz="3300" dirty="0">
-                <a:solidFill>
-                  <a:srgbClr val="003262"/>
-                </a:solidFill>
+            <a:r>
+              <a:rPr lang="en-US" sz="2400" dirty="0">
+                <a:latin typeface="FreightMicro Pro Book" panose="02000603020000020004"/>
               </a:rPr>
-              <a:t>the description of physical phenomena in terms of a statistical treatment of the behavior of large numbers of atoms or molecules, especially with regard to the distribution of energy among them.</a:t>
-            </a:r>
-          </a:p>
-          <a:p>
-            <a:pPr marL="0" indent="0">
-              <a:buNone/>
-            </a:pPr>
-            <a:endParaRPr lang="en-US" sz="2800" dirty="0">
-              <a:solidFill>
-                <a:srgbClr val="003262"/>
-              </a:solidFill>
-            </a:endParaRPr>
-          </a:p>
-          <a:p>
-            <a:pPr marL="0" indent="0">
-              <a:buNone/>
-            </a:pPr>
-            <a:r>
-              <a:rPr lang="en-US" sz="1900" dirty="0">
-                <a:solidFill>
-                  <a:srgbClr val="003262"/>
-                </a:solidFill>
+              <a:t>Which one is the highest energy? Why?</a:t>
+            </a:r>
+          </a:p>
+          <a:p>
+            <a:r>
+              <a:rPr lang="en-US" sz="2400" dirty="0">
+                <a:latin typeface="FreightMicro Pro Book" panose="02000603020000020004"/>
               </a:rPr>
-              <a:t>--Oxford Languages</a:t>
-            </a:r>
-          </a:p>
-          <a:p>
-            <a:endParaRPr lang="en-US" dirty="0"/>
+              <a:t>Which one is the lowest energy? Why?</a:t>
+            </a:r>
           </a:p>
         </p:txBody>
       </p:sp>
     </p:spTree>
     <p:extLst>
       <p:ext uri="{BB962C8B-B14F-4D97-AF65-F5344CB8AC3E}">
-        <p14:creationId xmlns:p14="http://schemas.microsoft.com/office/powerpoint/2010/main" val="2328614315"/>
+        <p14:creationId xmlns:p14="http://schemas.microsoft.com/office/powerpoint/2010/main" val="258389653"/>
       </p:ext>
     </p:extLst>
   </p:cSld>
@@ -5331,49 +5339,10 @@
       </p:grpSpPr>
       <p:sp>
         <p:nvSpPr>
-          <p:cNvPr id="16" name="TextBox 15">
+          <p:cNvPr id="4" name="Title 3">
             <a:extLst>
               <a:ext uri="{FF2B5EF4-FFF2-40B4-BE49-F238E27FC236}">
-                <a16:creationId xmlns:a16="http://schemas.microsoft.com/office/drawing/2014/main" id="{B918A26F-6E3A-B246-8A5A-0EACBCE2B8E8}"/>
-              </a:ext>
-            </a:extLst>
-          </p:cNvPr>
-          <p:cNvSpPr txBox="1"/>
-          <p:nvPr/>
-        </p:nvSpPr>
-        <p:spPr>
-          <a:xfrm>
-            <a:off x="647700" y="1282151"/>
-            <a:ext cx="8009500" cy="646331"/>
-          </a:xfrm>
-          <a:prstGeom prst="rect">
-            <a:avLst/>
-          </a:prstGeom>
-          <a:noFill/>
-        </p:spPr>
-        <p:txBody>
-          <a:bodyPr wrap="square" rtlCol="0">
-            <a:spAutoFit/>
-          </a:bodyPr>
-          <a:lstStyle/>
-          <a:p>
-            <a:endParaRPr lang="en-US" dirty="0"/>
-          </a:p>
-          <a:p>
-            <a:pPr marL="285750" indent="-285750">
-              <a:buFont typeface="Arial" panose="020B0604020202020204" pitchFamily="34" charset="0"/>
-              <a:buChar char="•"/>
-            </a:pPr>
-            <a:endParaRPr lang="en-US" dirty="0"/>
-          </a:p>
-        </p:txBody>
-      </p:sp>
-      <p:sp>
-        <p:nvSpPr>
-          <p:cNvPr id="17" name="Title 2">
-            <a:extLst>
-              <a:ext uri="{FF2B5EF4-FFF2-40B4-BE49-F238E27FC236}">
-                <a16:creationId xmlns:a16="http://schemas.microsoft.com/office/drawing/2014/main" id="{E7FD09C7-6257-6346-AD28-208BFE74E818}"/>
+                <a16:creationId xmlns:a16="http://schemas.microsoft.com/office/drawing/2014/main" id="{1690801E-8ED5-B96C-0F9F-1D937351A0DC}"/>
               </a:ext>
             </a:extLst>
           </p:cNvPr>
@@ -5384,771 +5353,73 @@
             <p:ph type="title"/>
           </p:nvPr>
         </p:nvSpPr>
-        <p:spPr>
-          <a:xfrm>
-            <a:off x="647700" y="587715"/>
-            <a:ext cx="11315714" cy="1144631"/>
-          </a:xfrm>
-        </p:spPr>
+        <p:spPr/>
         <p:txBody>
-          <a:bodyPr>
-            <a:normAutofit/>
-          </a:bodyPr>
+          <a:bodyPr/>
           <a:lstStyle/>
           <a:p>
             <a:r>
-              <a:rPr lang="en-US" dirty="0">
-                <a:latin typeface="FreightMicro Pro Book" panose="02000603020000020004" pitchFamily="2" charset="0"/>
+              <a:rPr lang="en-US" b="1" dirty="0">
+                <a:latin typeface="FreightMicro Pro Book" panose="02000603020000020004"/>
               </a:rPr>
-              <a:t>Monte Carlo of Molecular Systems</a:t>
+              <a:t>“Potential Energy Surface”</a:t>
             </a:r>
           </a:p>
         </p:txBody>
       </p:sp>
-      <mc:AlternateContent xmlns:mc="http://schemas.openxmlformats.org/markup-compatibility/2006">
-        <mc:Choice xmlns:a14="http://schemas.microsoft.com/office/drawing/2010/main" Requires="a14">
-          <p:sp>
-            <p:nvSpPr>
-              <p:cNvPr id="18" name="TextBox 17">
-                <a:extLst>
-                  <a:ext uri="{FF2B5EF4-FFF2-40B4-BE49-F238E27FC236}">
-                    <a16:creationId xmlns:a16="http://schemas.microsoft.com/office/drawing/2014/main" id="{ECB53D8F-54DD-6147-9003-52522E9257D2}"/>
-                  </a:ext>
-                </a:extLst>
-              </p:cNvPr>
-              <p:cNvSpPr txBox="1"/>
-              <p:nvPr/>
-            </p:nvSpPr>
-            <p:spPr>
-              <a:xfrm>
-                <a:off x="2149138" y="1605316"/>
-                <a:ext cx="7750394" cy="1324593"/>
-              </a:xfrm>
-              <a:prstGeom prst="rect">
-                <a:avLst/>
-              </a:prstGeom>
-              <a:noFill/>
-            </p:spPr>
-            <p:txBody>
-              <a:bodyPr wrap="square" rtlCol="0">
-                <a:spAutoFit/>
-              </a:bodyPr>
-              <a:lstStyle/>
-              <a:p>
-                <a:r>
-                  <a:rPr lang="en-US" sz="2400" dirty="0">
-                    <a:latin typeface="FreightSans Pro Book" panose="02000606030000020004" pitchFamily="2" charset="0"/>
-                  </a:rPr>
-                  <a:t>According to </a:t>
-                </a:r>
-                <a:r>
-                  <a:rPr lang="en-US" sz="2400" b="1" u="sng" dirty="0">
-                    <a:solidFill>
-                      <a:srgbClr val="003262"/>
-                    </a:solidFill>
-                    <a:latin typeface="FreightMicro Pro Book" panose="02000603020000020004" pitchFamily="2" charset="0"/>
-                  </a:rPr>
-                  <a:t>statistical mechanics</a:t>
-                </a:r>
-                <a:endParaRPr lang="en-US" sz="2400" dirty="0">
-                  <a:solidFill>
-                    <a:srgbClr val="003262"/>
-                  </a:solidFill>
-                  <a:latin typeface="FreightMicro Pro Book" panose="02000603020000020004" pitchFamily="2" charset="0"/>
-                </a:endParaRPr>
-              </a:p>
-              <a:p>
-                <a:pPr/>
-                <a14:m>
-                  <m:oMathPara xmlns:m="http://schemas.openxmlformats.org/officeDocument/2006/math">
-                    <m:oMathParaPr>
-                      <m:jc m:val="centerGroup"/>
-                    </m:oMathParaPr>
-                    <m:oMath xmlns:m="http://schemas.openxmlformats.org/officeDocument/2006/math">
-                      <m:d>
-                        <m:dPr>
-                          <m:begChr m:val="⟨"/>
-                          <m:endChr m:val="⟩"/>
-                          <m:ctrlPr>
-                            <a:rPr lang="en-US" sz="2400" i="1" smtClean="0">
-                              <a:solidFill>
-                                <a:schemeClr val="tx1"/>
-                              </a:solidFill>
-                              <a:latin typeface="Cambria Math" panose="02040503050406030204" pitchFamily="18" charset="0"/>
-                            </a:rPr>
-                          </m:ctrlPr>
-                        </m:dPr>
-                        <m:e>
-                          <m:r>
-                            <a:rPr lang="en-US" sz="2400" b="0" i="1" smtClean="0">
-                              <a:solidFill>
-                                <a:schemeClr val="tx1"/>
-                              </a:solidFill>
-                              <a:latin typeface="Cambria Math" panose="02040503050406030204" pitchFamily="18" charset="0"/>
-                            </a:rPr>
-                            <m:t>𝑄</m:t>
-                          </m:r>
-                        </m:e>
-                      </m:d>
-                      <m:r>
-                        <a:rPr lang="en-US" sz="2400" b="0" i="1" smtClean="0">
-                          <a:solidFill>
-                            <a:schemeClr val="tx1"/>
-                          </a:solidFill>
-                          <a:latin typeface="Cambria Math" panose="02040503050406030204" pitchFamily="18" charset="0"/>
-                        </a:rPr>
-                        <m:t>= </m:t>
-                      </m:r>
-                      <m:nary>
-                        <m:naryPr>
-                          <m:ctrlPr>
-                            <a:rPr lang="en-US" sz="2400" b="0" i="1" smtClean="0">
-                              <a:solidFill>
-                                <a:schemeClr val="tx1"/>
-                              </a:solidFill>
-                              <a:latin typeface="Cambria Math" panose="02040503050406030204" pitchFamily="18" charset="0"/>
-                            </a:rPr>
-                          </m:ctrlPr>
-                        </m:naryPr>
-                        <m:sub>
-                          <m:r>
-                            <m:rPr>
-                              <m:brk m:alnAt="23"/>
-                            </m:rPr>
-                            <a:rPr lang="en-US" sz="2400" b="0" i="1" smtClean="0">
-                              <a:solidFill>
-                                <a:schemeClr val="tx1"/>
-                              </a:solidFill>
-                              <a:latin typeface="Cambria Math" panose="02040503050406030204" pitchFamily="18" charset="0"/>
-                            </a:rPr>
-                            <m:t>𝑉</m:t>
-                          </m:r>
-                        </m:sub>
-                        <m:sup/>
-                        <m:e>
-                          <m:r>
-                            <a:rPr lang="en-US" sz="2400" b="0" i="1" smtClean="0">
-                              <a:solidFill>
-                                <a:schemeClr val="tx1"/>
-                              </a:solidFill>
-                              <a:latin typeface="Cambria Math" panose="02040503050406030204" pitchFamily="18" charset="0"/>
-                            </a:rPr>
-                            <m:t>𝑄</m:t>
-                          </m:r>
-                          <m:d>
-                            <m:dPr>
-                              <m:ctrlPr>
-                                <a:rPr lang="en-US" sz="2400" b="0" i="1" smtClean="0">
-                                  <a:solidFill>
-                                    <a:schemeClr val="tx1"/>
-                                  </a:solidFill>
-                                  <a:latin typeface="Cambria Math" panose="02040503050406030204" pitchFamily="18" charset="0"/>
-                                </a:rPr>
-                              </m:ctrlPr>
-                            </m:dPr>
-                            <m:e>
-                              <m:sSup>
-                                <m:sSupPr>
-                                  <m:ctrlPr>
-                                    <a:rPr lang="en-US" sz="2400" b="0" i="1" smtClean="0">
-                                      <a:solidFill>
-                                        <a:schemeClr val="tx1"/>
-                                      </a:solidFill>
-                                      <a:latin typeface="Cambria Math" panose="02040503050406030204" pitchFamily="18" charset="0"/>
-                                    </a:rPr>
-                                  </m:ctrlPr>
-                                </m:sSupPr>
-                                <m:e>
-                                  <m:r>
-                                    <a:rPr lang="en-US" sz="2400" b="0" i="1" smtClean="0">
-                                      <a:solidFill>
-                                        <a:schemeClr val="tx1"/>
-                                      </a:solidFill>
-                                      <a:latin typeface="Cambria Math" panose="02040503050406030204" pitchFamily="18" charset="0"/>
-                                    </a:rPr>
-                                    <m:t>𝑟</m:t>
-                                  </m:r>
-                                </m:e>
-                                <m:sup>
-                                  <m:r>
-                                    <a:rPr lang="en-US" sz="2400" b="0" i="1" smtClean="0">
-                                      <a:solidFill>
-                                        <a:schemeClr val="tx1"/>
-                                      </a:solidFill>
-                                      <a:latin typeface="Cambria Math" panose="02040503050406030204" pitchFamily="18" charset="0"/>
-                                    </a:rPr>
-                                    <m:t>𝑁</m:t>
-                                  </m:r>
-                                </m:sup>
-                              </m:sSup>
-                            </m:e>
-                          </m:d>
-                          <m:r>
-                            <a:rPr lang="en-US" sz="2400" b="0" i="1" smtClean="0">
-                              <a:solidFill>
-                                <a:schemeClr val="tx1"/>
-                              </a:solidFill>
-                              <a:latin typeface="Cambria Math" panose="02040503050406030204" pitchFamily="18" charset="0"/>
-                              <a:ea typeface="Cambria Math" panose="02040503050406030204" pitchFamily="18" charset="0"/>
-                            </a:rPr>
-                            <m:t>𝜌</m:t>
-                          </m:r>
-                          <m:d>
-                            <m:dPr>
-                              <m:ctrlPr>
-                                <a:rPr lang="en-US" sz="2400" b="0" i="1" smtClean="0">
-                                  <a:solidFill>
-                                    <a:schemeClr val="tx1"/>
-                                  </a:solidFill>
-                                  <a:latin typeface="Cambria Math" panose="02040503050406030204" pitchFamily="18" charset="0"/>
-                                  <a:ea typeface="Cambria Math" panose="02040503050406030204" pitchFamily="18" charset="0"/>
-                                </a:rPr>
-                              </m:ctrlPr>
-                            </m:dPr>
-                            <m:e>
-                              <m:sSup>
-                                <m:sSupPr>
-                                  <m:ctrlPr>
-                                    <a:rPr lang="en-US" sz="2400" b="0" i="1" smtClean="0">
-                                      <a:solidFill>
-                                        <a:schemeClr val="tx1"/>
-                                      </a:solidFill>
-                                      <a:latin typeface="Cambria Math" panose="02040503050406030204" pitchFamily="18" charset="0"/>
-                                      <a:ea typeface="Cambria Math" panose="02040503050406030204" pitchFamily="18" charset="0"/>
-                                    </a:rPr>
-                                  </m:ctrlPr>
-                                </m:sSupPr>
-                                <m:e>
-                                  <m:r>
-                                    <a:rPr lang="en-US" sz="2400" b="0" i="1" smtClean="0">
-                                      <a:solidFill>
-                                        <a:schemeClr val="tx1"/>
-                                      </a:solidFill>
-                                      <a:latin typeface="Cambria Math" panose="02040503050406030204" pitchFamily="18" charset="0"/>
-                                      <a:ea typeface="Cambria Math" panose="02040503050406030204" pitchFamily="18" charset="0"/>
-                                    </a:rPr>
-                                    <m:t>𝑟</m:t>
-                                  </m:r>
-                                </m:e>
-                                <m:sup>
-                                  <m:r>
-                                    <a:rPr lang="en-US" sz="2400" b="0" i="1" smtClean="0">
-                                      <a:solidFill>
-                                        <a:schemeClr val="tx1"/>
-                                      </a:solidFill>
-                                      <a:latin typeface="Cambria Math" panose="02040503050406030204" pitchFamily="18" charset="0"/>
-                                      <a:ea typeface="Cambria Math" panose="02040503050406030204" pitchFamily="18" charset="0"/>
-                                    </a:rPr>
-                                    <m:t>𝑁</m:t>
-                                  </m:r>
-                                </m:sup>
-                              </m:sSup>
-                            </m:e>
-                          </m:d>
-                          <m:r>
-                            <a:rPr lang="en-US" sz="2400" b="0" i="1" smtClean="0">
-                              <a:solidFill>
-                                <a:schemeClr val="tx1"/>
-                              </a:solidFill>
-                              <a:latin typeface="Cambria Math" panose="02040503050406030204" pitchFamily="18" charset="0"/>
-                              <a:ea typeface="Cambria Math" panose="02040503050406030204" pitchFamily="18" charset="0"/>
-                            </a:rPr>
-                            <m:t>𝑑</m:t>
-                          </m:r>
-                          <m:sSup>
-                            <m:sSupPr>
-                              <m:ctrlPr>
-                                <a:rPr lang="en-US" sz="2400" b="0" i="1" smtClean="0">
-                                  <a:solidFill>
-                                    <a:schemeClr val="tx1"/>
-                                  </a:solidFill>
-                                  <a:latin typeface="Cambria Math" panose="02040503050406030204" pitchFamily="18" charset="0"/>
-                                  <a:ea typeface="Cambria Math" panose="02040503050406030204" pitchFamily="18" charset="0"/>
-                                </a:rPr>
-                              </m:ctrlPr>
-                            </m:sSupPr>
-                            <m:e>
-                              <m:r>
-                                <a:rPr lang="en-US" sz="2400" b="0" i="1" smtClean="0">
-                                  <a:solidFill>
-                                    <a:schemeClr val="tx1"/>
-                                  </a:solidFill>
-                                  <a:latin typeface="Cambria Math" panose="02040503050406030204" pitchFamily="18" charset="0"/>
-                                  <a:ea typeface="Cambria Math" panose="02040503050406030204" pitchFamily="18" charset="0"/>
-                                </a:rPr>
-                                <m:t>𝑟</m:t>
-                              </m:r>
-                            </m:e>
-                            <m:sup>
-                              <m:r>
-                                <a:rPr lang="en-US" sz="2400" b="0" i="1" smtClean="0">
-                                  <a:solidFill>
-                                    <a:schemeClr val="tx1"/>
-                                  </a:solidFill>
-                                  <a:latin typeface="Cambria Math" panose="02040503050406030204" pitchFamily="18" charset="0"/>
-                                  <a:ea typeface="Cambria Math" panose="02040503050406030204" pitchFamily="18" charset="0"/>
-                                </a:rPr>
-                                <m:t>𝑁</m:t>
-                              </m:r>
-                            </m:sup>
-                          </m:sSup>
-                        </m:e>
-                      </m:nary>
-                    </m:oMath>
-                  </m:oMathPara>
-                </a14:m>
-                <a:endParaRPr lang="en-US" sz="2400" dirty="0">
-                  <a:solidFill>
-                    <a:schemeClr val="tx1"/>
-                  </a:solidFill>
-                  <a:latin typeface="FreightMicro Pro Book" panose="02000603020000020004" pitchFamily="2" charset="0"/>
-                </a:endParaRPr>
-              </a:p>
-            </p:txBody>
-          </p:sp>
-        </mc:Choice>
-        <mc:Fallback>
-          <p:sp>
-            <p:nvSpPr>
-              <p:cNvPr id="18" name="TextBox 17">
-                <a:extLst>
-                  <a:ext uri="{FF2B5EF4-FFF2-40B4-BE49-F238E27FC236}">
-                    <a16:creationId xmlns:a16="http://schemas.microsoft.com/office/drawing/2014/main" id="{ECB53D8F-54DD-6147-9003-52522E9257D2}"/>
-                  </a:ext>
-                </a:extLst>
-              </p:cNvPr>
-              <p:cNvSpPr txBox="1">
-                <a:spLocks noRot="1" noChangeAspect="1" noMove="1" noResize="1" noEditPoints="1" noAdjustHandles="1" noChangeArrowheads="1" noChangeShapeType="1" noTextEdit="1"/>
-              </p:cNvSpPr>
-              <p:nvPr/>
-            </p:nvSpPr>
-            <p:spPr>
-              <a:xfrm>
-                <a:off x="2149138" y="1605316"/>
-                <a:ext cx="7750394" cy="1324593"/>
-              </a:xfrm>
-              <a:prstGeom prst="rect">
-                <a:avLst/>
-              </a:prstGeom>
-              <a:blipFill>
-                <a:blip r:embed="rId3"/>
-                <a:stretch>
-                  <a:fillRect l="-1309" t="-82857" b="-165714"/>
-                </a:stretch>
-              </a:blipFill>
-            </p:spPr>
-            <p:txBody>
-              <a:bodyPr/>
-              <a:lstStyle/>
-              <a:p>
-                <a:r>
-                  <a:rPr lang="en-US">
-                    <a:noFill/>
-                  </a:rPr>
-                  <a:t> </a:t>
-                </a:r>
-              </a:p>
-            </p:txBody>
-          </p:sp>
-        </mc:Fallback>
-      </mc:AlternateContent>
-      <mc:AlternateContent xmlns:mc="http://schemas.openxmlformats.org/markup-compatibility/2006">
-        <mc:Choice xmlns:a14="http://schemas.microsoft.com/office/drawing/2010/main" Requires="a14">
-          <p:sp>
-            <p:nvSpPr>
-              <p:cNvPr id="19" name="TextBox 18">
-                <a:extLst>
-                  <a:ext uri="{FF2B5EF4-FFF2-40B4-BE49-F238E27FC236}">
-                    <a16:creationId xmlns:a16="http://schemas.microsoft.com/office/drawing/2014/main" id="{435363F8-8CAE-2F43-8F08-2C3E3BEFF325}"/>
-                  </a:ext>
-                </a:extLst>
-              </p:cNvPr>
-              <p:cNvSpPr txBox="1"/>
-              <p:nvPr/>
-            </p:nvSpPr>
-            <p:spPr>
-              <a:xfrm>
-                <a:off x="647700" y="3052029"/>
-                <a:ext cx="11079843" cy="2568908"/>
-              </a:xfrm>
-              <a:prstGeom prst="rect">
-                <a:avLst/>
-              </a:prstGeom>
-              <a:noFill/>
-            </p:spPr>
-            <p:txBody>
-              <a:bodyPr wrap="square" rtlCol="0">
-                <a:spAutoFit/>
-              </a:bodyPr>
-              <a:lstStyle/>
-              <a:p>
-                <a14:m>
-                  <m:oMath xmlns:m="http://schemas.openxmlformats.org/officeDocument/2006/math">
-                    <m:r>
-                      <a:rPr lang="en-US" sz="2000" b="1" i="1" smtClean="0">
-                        <a:solidFill>
-                          <a:srgbClr val="C28220"/>
-                        </a:solidFill>
-                        <a:latin typeface="Cambria Math" panose="02040503050406030204" pitchFamily="18" charset="0"/>
-                      </a:rPr>
-                      <m:t>𝑸</m:t>
-                    </m:r>
-                  </m:oMath>
-                </a14:m>
-                <a:r>
-                  <a:rPr lang="en-US" sz="2000" i="1" dirty="0">
-                    <a:solidFill>
-                      <a:srgbClr val="C28220"/>
-                    </a:solidFill>
-                    <a:latin typeface="Cambria Math" panose="02040503050406030204" pitchFamily="18" charset="0"/>
-                  </a:rPr>
-                  <a:t> </a:t>
-                </a:r>
-                <a:r>
-                  <a:rPr lang="en-US" sz="2000" i="1" dirty="0">
-                    <a:solidFill>
-                      <a:schemeClr val="tx1"/>
-                    </a:solidFill>
-                    <a:latin typeface="Cambria Math" panose="02040503050406030204" pitchFamily="18" charset="0"/>
-                  </a:rPr>
-                  <a:t>		</a:t>
-                </a:r>
-                <a:r>
-                  <a:rPr lang="en-US" sz="2000" dirty="0">
-                    <a:solidFill>
-                      <a:schemeClr val="tx1"/>
-                    </a:solidFill>
-                    <a:latin typeface="FreightSans Pro Book" panose="02000606030000020004" pitchFamily="2" charset="0"/>
-                  </a:rPr>
-                  <a:t>quantity which depends on atomic coordinates (</a:t>
-                </a:r>
-                <a14:m>
-                  <m:oMath xmlns:m="http://schemas.openxmlformats.org/officeDocument/2006/math">
-                    <m:sSup>
-                      <m:sSupPr>
-                        <m:ctrlPr>
-                          <a:rPr lang="en-US" sz="2000" i="1">
-                            <a:solidFill>
-                              <a:schemeClr val="tx1"/>
-                            </a:solidFill>
-                            <a:latin typeface="Cambria Math" panose="02040503050406030204" pitchFamily="18" charset="0"/>
-                          </a:rPr>
-                        </m:ctrlPr>
-                      </m:sSupPr>
-                      <m:e>
-                        <m:r>
-                          <a:rPr lang="en-US" sz="2000" i="1">
-                            <a:solidFill>
-                              <a:schemeClr val="tx1"/>
-                            </a:solidFill>
-                            <a:latin typeface="Cambria Math" panose="02040503050406030204" pitchFamily="18" charset="0"/>
-                          </a:rPr>
-                          <m:t>𝑟</m:t>
-                        </m:r>
-                      </m:e>
-                      <m:sup>
-                        <m:r>
-                          <a:rPr lang="en-US" sz="2000" i="1">
-                            <a:solidFill>
-                              <a:schemeClr val="tx1"/>
-                            </a:solidFill>
-                            <a:latin typeface="Cambria Math" panose="02040503050406030204" pitchFamily="18" charset="0"/>
-                          </a:rPr>
-                          <m:t>𝑁</m:t>
-                        </m:r>
-                      </m:sup>
-                    </m:sSup>
-                  </m:oMath>
-                </a14:m>
-                <a:r>
-                  <a:rPr lang="en-US" sz="2000" dirty="0">
-                    <a:solidFill>
-                      <a:schemeClr val="tx1"/>
-                    </a:solidFill>
-                    <a:latin typeface="FreightSans Pro Book" panose="02000606030000020004" pitchFamily="2" charset="0"/>
-                  </a:rPr>
-                  <a:t>)</a:t>
-                </a:r>
-              </a:p>
-              <a:p>
-                <a:endParaRPr lang="en-US" sz="2000" dirty="0">
-                  <a:solidFill>
-                    <a:schemeClr val="tx1"/>
-                  </a:solidFill>
-                  <a:latin typeface="FreightSans Pro Book" panose="02000606030000020004" pitchFamily="2" charset="0"/>
-                </a:endParaRPr>
-              </a:p>
-              <a:p>
-                <a14:m>
-                  <m:oMath xmlns:m="http://schemas.openxmlformats.org/officeDocument/2006/math">
-                    <m:d>
-                      <m:dPr>
-                        <m:begChr m:val="⟨"/>
-                        <m:endChr m:val="⟩"/>
-                        <m:ctrlPr>
-                          <a:rPr lang="en-US" sz="2000" b="1" i="1" smtClean="0">
-                            <a:solidFill>
-                              <a:srgbClr val="C28220"/>
-                            </a:solidFill>
-                            <a:latin typeface="Cambria Math" panose="02040503050406030204" pitchFamily="18" charset="0"/>
-                          </a:rPr>
-                        </m:ctrlPr>
-                      </m:dPr>
-                      <m:e>
-                        <m:r>
-                          <a:rPr lang="en-US" sz="2000" b="1" i="1">
-                            <a:solidFill>
-                              <a:srgbClr val="C28220"/>
-                            </a:solidFill>
-                            <a:latin typeface="Cambria Math" panose="02040503050406030204" pitchFamily="18" charset="0"/>
-                          </a:rPr>
-                          <m:t>𝑸</m:t>
-                        </m:r>
-                      </m:e>
-                    </m:d>
-                    <m:r>
-                      <a:rPr lang="en-US" sz="2000" b="1" i="0" smtClean="0">
-                        <a:solidFill>
-                          <a:srgbClr val="C28220"/>
-                        </a:solidFill>
-                        <a:latin typeface="Cambria Math" panose="02040503050406030204" pitchFamily="18" charset="0"/>
-                      </a:rPr>
-                      <m:t> </m:t>
-                    </m:r>
-                  </m:oMath>
-                </a14:m>
-                <a:r>
-                  <a:rPr lang="en-US" sz="2000" b="1" dirty="0">
-                    <a:solidFill>
-                      <a:srgbClr val="C28220"/>
-                    </a:solidFill>
-                    <a:latin typeface="FreightSans Pro Book" panose="02000606030000020004" pitchFamily="2" charset="0"/>
-                  </a:rPr>
-                  <a:t> </a:t>
-                </a:r>
-                <a:r>
-                  <a:rPr lang="en-US" sz="2000" dirty="0">
-                    <a:solidFill>
-                      <a:srgbClr val="C28220"/>
-                    </a:solidFill>
-                    <a:latin typeface="FreightSans Pro Book" panose="02000606030000020004" pitchFamily="2" charset="0"/>
-                  </a:rPr>
-                  <a:t>         </a:t>
-                </a:r>
-                <a:r>
-                  <a:rPr lang="en-US" sz="2000" dirty="0">
-                    <a:latin typeface="FreightSans Pro Book" panose="02000606030000020004" pitchFamily="2" charset="0"/>
-                  </a:rPr>
-                  <a:t>average value of quantity Q (square brackets denote average) </a:t>
-                </a:r>
-              </a:p>
-              <a:p>
-                <a:endParaRPr lang="en-US" sz="2000" dirty="0">
-                  <a:latin typeface="FreightSans Pro Book" panose="02000606030000020004" pitchFamily="2" charset="0"/>
-                </a:endParaRPr>
-              </a:p>
-              <a:p>
-                <a14:m>
-                  <m:oMath xmlns:m="http://schemas.openxmlformats.org/officeDocument/2006/math">
-                    <m:sSup>
-                      <m:sSupPr>
-                        <m:ctrlPr>
-                          <a:rPr lang="en-US" sz="2000" b="1" i="1" smtClean="0">
-                            <a:solidFill>
-                              <a:srgbClr val="C28220"/>
-                            </a:solidFill>
-                            <a:latin typeface="Cambria Math" panose="02040503050406030204" pitchFamily="18" charset="0"/>
-                          </a:rPr>
-                        </m:ctrlPr>
-                      </m:sSupPr>
-                      <m:e>
-                        <m:r>
-                          <a:rPr lang="en-US" sz="2000" b="1" i="1">
-                            <a:solidFill>
-                              <a:srgbClr val="C28220"/>
-                            </a:solidFill>
-                            <a:latin typeface="Cambria Math" panose="02040503050406030204" pitchFamily="18" charset="0"/>
-                          </a:rPr>
-                          <m:t>𝒓</m:t>
-                        </m:r>
-                      </m:e>
-                      <m:sup>
-                        <m:r>
-                          <a:rPr lang="en-US" sz="2000" b="1" i="1">
-                            <a:solidFill>
-                              <a:srgbClr val="C28220"/>
-                            </a:solidFill>
-                            <a:latin typeface="Cambria Math" panose="02040503050406030204" pitchFamily="18" charset="0"/>
-                          </a:rPr>
-                          <m:t>𝑵</m:t>
-                        </m:r>
-                      </m:sup>
-                    </m:sSup>
-                  </m:oMath>
-                </a14:m>
-                <a:r>
-                  <a:rPr lang="en-US" sz="2000" b="1" dirty="0">
-                    <a:solidFill>
-                      <a:srgbClr val="C28220"/>
-                    </a:solidFill>
-                    <a:latin typeface="FreightSans Pro Book" panose="02000606030000020004" pitchFamily="2" charset="0"/>
-                  </a:rPr>
-                  <a:t>  </a:t>
-                </a:r>
-                <a:r>
-                  <a:rPr lang="en-US" sz="2000" dirty="0">
-                    <a:latin typeface="FreightSans Pro Book" panose="02000606030000020004" pitchFamily="2" charset="0"/>
-                  </a:rPr>
-                  <a:t>		    atomic coordinates of N atoms.</a:t>
-                </a:r>
-              </a:p>
-              <a:p>
-                <a:endParaRPr lang="en-US" sz="2000" dirty="0">
-                  <a:latin typeface="FreightSans Pro Book" panose="02000606030000020004" pitchFamily="2" charset="0"/>
-                </a:endParaRPr>
-              </a:p>
-              <a:p>
-                <a14:m>
-                  <m:oMath xmlns:m="http://schemas.openxmlformats.org/officeDocument/2006/math">
-                    <m:r>
-                      <a:rPr lang="en-US" sz="2000" b="1" i="1" smtClean="0">
-                        <a:solidFill>
-                          <a:srgbClr val="C28220"/>
-                        </a:solidFill>
-                        <a:latin typeface="Cambria Math" panose="02040503050406030204" pitchFamily="18" charset="0"/>
-                        <a:ea typeface="Cambria Math" panose="02040503050406030204" pitchFamily="18" charset="0"/>
-                      </a:rPr>
-                      <m:t>𝝆</m:t>
-                    </m:r>
-                    <m:d>
-                      <m:dPr>
-                        <m:ctrlPr>
-                          <a:rPr lang="en-US" sz="2000" b="1" i="1">
-                            <a:solidFill>
-                              <a:srgbClr val="C28220"/>
-                            </a:solidFill>
-                            <a:latin typeface="Cambria Math" panose="02040503050406030204" pitchFamily="18" charset="0"/>
-                            <a:ea typeface="Cambria Math" panose="02040503050406030204" pitchFamily="18" charset="0"/>
-                          </a:rPr>
-                        </m:ctrlPr>
-                      </m:dPr>
-                      <m:e>
-                        <m:sSup>
-                          <m:sSupPr>
-                            <m:ctrlPr>
-                              <a:rPr lang="en-US" sz="2000" b="1" i="1">
-                                <a:solidFill>
-                                  <a:srgbClr val="C28220"/>
-                                </a:solidFill>
-                                <a:latin typeface="Cambria Math" panose="02040503050406030204" pitchFamily="18" charset="0"/>
-                                <a:ea typeface="Cambria Math" panose="02040503050406030204" pitchFamily="18" charset="0"/>
-                              </a:rPr>
-                            </m:ctrlPr>
-                          </m:sSupPr>
-                          <m:e>
-                            <m:r>
-                              <a:rPr lang="en-US" sz="2000" b="1" i="1">
-                                <a:solidFill>
-                                  <a:srgbClr val="C28220"/>
-                                </a:solidFill>
-                                <a:latin typeface="Cambria Math" panose="02040503050406030204" pitchFamily="18" charset="0"/>
-                                <a:ea typeface="Cambria Math" panose="02040503050406030204" pitchFamily="18" charset="0"/>
-                              </a:rPr>
-                              <m:t>𝒓</m:t>
-                            </m:r>
-                          </m:e>
-                          <m:sup>
-                            <m:r>
-                              <a:rPr lang="en-US" sz="2000" b="1" i="1">
-                                <a:solidFill>
-                                  <a:srgbClr val="C28220"/>
-                                </a:solidFill>
-                                <a:latin typeface="Cambria Math" panose="02040503050406030204" pitchFamily="18" charset="0"/>
-                                <a:ea typeface="Cambria Math" panose="02040503050406030204" pitchFamily="18" charset="0"/>
-                              </a:rPr>
-                              <m:t>𝑵</m:t>
-                            </m:r>
-                          </m:sup>
-                        </m:sSup>
-                      </m:e>
-                    </m:d>
-                  </m:oMath>
-                </a14:m>
-                <a:r>
-                  <a:rPr lang="en-US" sz="2000" b="1" dirty="0">
-                    <a:solidFill>
-                      <a:srgbClr val="C28220"/>
-                    </a:solidFill>
-                    <a:latin typeface="FreightSans Pro Book" panose="02000606030000020004" pitchFamily="2" charset="0"/>
-                  </a:rPr>
-                  <a:t>  </a:t>
-                </a:r>
-                <a:r>
-                  <a:rPr lang="en-US" sz="2000" dirty="0">
-                    <a:latin typeface="FreightSans Pro Book" panose="02000606030000020004" pitchFamily="2" charset="0"/>
-                  </a:rPr>
-                  <a:t>	  probability density based on thermodynamic properties (beyond scope of this course)</a:t>
-                </a:r>
-              </a:p>
-              <a:p>
-                <a:endParaRPr lang="en-US" dirty="0">
-                  <a:latin typeface="FreightSans Pro Book" panose="02000606030000020004" pitchFamily="2" charset="0"/>
-                </a:endParaRPr>
-              </a:p>
-            </p:txBody>
-          </p:sp>
-        </mc:Choice>
-        <mc:Fallback>
-          <p:sp>
-            <p:nvSpPr>
-              <p:cNvPr id="19" name="TextBox 18">
-                <a:extLst>
-                  <a:ext uri="{FF2B5EF4-FFF2-40B4-BE49-F238E27FC236}">
-                    <a16:creationId xmlns:a16="http://schemas.microsoft.com/office/drawing/2014/main" id="{435363F8-8CAE-2F43-8F08-2C3E3BEFF325}"/>
-                  </a:ext>
-                </a:extLst>
-              </p:cNvPr>
-              <p:cNvSpPr txBox="1">
-                <a:spLocks noRot="1" noChangeAspect="1" noMove="1" noResize="1" noEditPoints="1" noAdjustHandles="1" noChangeArrowheads="1" noChangeShapeType="1" noTextEdit="1"/>
-              </p:cNvSpPr>
-              <p:nvPr/>
-            </p:nvSpPr>
-            <p:spPr>
-              <a:xfrm>
-                <a:off x="647700" y="3052029"/>
-                <a:ext cx="11079843" cy="2568908"/>
-              </a:xfrm>
-              <a:prstGeom prst="rect">
-                <a:avLst/>
-              </a:prstGeom>
-              <a:blipFill>
-                <a:blip r:embed="rId4"/>
-                <a:stretch>
-                  <a:fillRect l="-114" t="-1478"/>
-                </a:stretch>
-              </a:blipFill>
-            </p:spPr>
-            <p:txBody>
-              <a:bodyPr/>
-              <a:lstStyle/>
-              <a:p>
-                <a:r>
-                  <a:rPr lang="en-US">
-                    <a:noFill/>
-                  </a:rPr>
-                  <a:t> </a:t>
-                </a:r>
-              </a:p>
-            </p:txBody>
-          </p:sp>
-        </mc:Fallback>
-      </mc:AlternateContent>
+      <p:pic>
+        <p:nvPicPr>
+          <p:cNvPr id="1026" name="Picture 2" descr="Binding potential energy of the argon dimer as a function of Ar–Ar distance computed using the CCSD, CCSD(T), DC-06, DC-12, and LCCD methods with the aug-cc-pVTZ basis set.">
+            <a:extLst>
+              <a:ext uri="{FF2B5EF4-FFF2-40B4-BE49-F238E27FC236}">
+                <a16:creationId xmlns:a16="http://schemas.microsoft.com/office/drawing/2014/main" id="{3E46069A-92AF-C770-1385-A06DD4FB0BA6}"/>
+              </a:ext>
+            </a:extLst>
+          </p:cNvPr>
+          <p:cNvPicPr>
+            <a:picLocks noChangeAspect="1" noChangeArrowheads="1"/>
+          </p:cNvPicPr>
+          <p:nvPr/>
+        </p:nvPicPr>
+        <p:blipFill>
+          <a:blip r:embed="rId2">
+            <a:extLst>
+              <a:ext uri="{28A0092B-C50C-407E-A947-70E740481C1C}">
+                <a14:useLocalDpi xmlns:a14="http://schemas.microsoft.com/office/drawing/2010/main" val="0"/>
+              </a:ext>
+            </a:extLst>
+          </a:blip>
+          <a:srcRect/>
+          <a:stretch>
+            <a:fillRect/>
+          </a:stretch>
+        </p:blipFill>
+        <p:spPr bwMode="auto">
+          <a:xfrm>
+            <a:off x="1761790" y="1603938"/>
+            <a:ext cx="5311363" cy="3915234"/>
+          </a:xfrm>
+          <a:prstGeom prst="rect">
+            <a:avLst/>
+          </a:prstGeom>
+          <a:noFill/>
+          <a:extLst>
+            <a:ext uri="{909E8E84-426E-40DD-AFC4-6F175D3DCCD1}">
+              <a14:hiddenFill xmlns:a14="http://schemas.microsoft.com/office/drawing/2010/main">
+                <a:solidFill>
+                  <a:srgbClr val="FFFFFF"/>
+                </a:solidFill>
+              </a14:hiddenFill>
+            </a:ext>
+          </a:extLst>
+        </p:spPr>
+      </p:pic>
       <p:sp>
         <p:nvSpPr>
-          <p:cNvPr id="20" name="TextBox 19">
+          <p:cNvPr id="6" name="TextBox 5">
             <a:extLst>
               <a:ext uri="{FF2B5EF4-FFF2-40B4-BE49-F238E27FC236}">
-                <a16:creationId xmlns:a16="http://schemas.microsoft.com/office/drawing/2014/main" id="{E9F93E63-929D-5C43-A545-1EFCDD4B9586}"/>
+                <a16:creationId xmlns:a16="http://schemas.microsoft.com/office/drawing/2014/main" id="{CC62A137-EBC8-D2D1-EB74-2C483EC1B4EB}"/>
               </a:ext>
             </a:extLst>
           </p:cNvPr>
@@ -6157,8 +5428,8 @@
         </p:nvSpPr>
         <p:spPr>
           <a:xfrm>
-            <a:off x="7245091" y="1567953"/>
-            <a:ext cx="3326808" cy="646331"/>
+            <a:off x="7265895" y="3004765"/>
+            <a:ext cx="4582757" cy="1200329"/>
           </a:xfrm>
           <a:prstGeom prst="rect">
             <a:avLst/>
@@ -6171,15 +5442,74 @@
           </a:bodyPr>
           <a:lstStyle/>
           <a:p>
-            <a:pPr algn="ctr"/>
             <a:r>
               <a:rPr lang="en-US" dirty="0">
+                <a:latin typeface="Lucida Grande Regular" panose="020B0600040502020204"/>
+              </a:rPr>
+              <a:t>Binding potential energy of the argon dimer as a function of </a:t>
+            </a:r>
+            <a:r>
+              <a:rPr lang="en-US" dirty="0" err="1">
+                <a:latin typeface="Lucida Grande Regular" panose="020B0600040502020204"/>
+              </a:rPr>
+              <a:t>Ar</a:t>
+            </a:r>
+            <a:r>
+              <a:rPr lang="en-US" dirty="0">
+                <a:latin typeface="Lucida Grande Regular" panose="020B0600040502020204"/>
+              </a:rPr>
+              <a:t>–</a:t>
+            </a:r>
+            <a:r>
+              <a:rPr lang="en-US" dirty="0" err="1">
+                <a:latin typeface="Lucida Grande Regular" panose="020B0600040502020204"/>
+              </a:rPr>
+              <a:t>Ar</a:t>
+            </a:r>
+            <a:r>
+              <a:rPr lang="en-US" dirty="0">
+                <a:latin typeface="Lucida Grande Regular" panose="020B0600040502020204"/>
+              </a:rPr>
+              <a:t> distance computed using different quantum chemistry methods.</a:t>
+            </a:r>
+          </a:p>
+        </p:txBody>
+      </p:sp>
+      <p:sp>
+        <p:nvSpPr>
+          <p:cNvPr id="7" name="TextBox 6">
+            <a:extLst>
+              <a:ext uri="{FF2B5EF4-FFF2-40B4-BE49-F238E27FC236}">
+                <a16:creationId xmlns:a16="http://schemas.microsoft.com/office/drawing/2014/main" id="{9E45D828-3655-B920-C726-7B67F7F7290A}"/>
+              </a:ext>
+            </a:extLst>
+          </p:cNvPr>
+          <p:cNvSpPr txBox="1"/>
+          <p:nvPr/>
+        </p:nvSpPr>
+        <p:spPr>
+          <a:xfrm>
+            <a:off x="2401420" y="6119336"/>
+            <a:ext cx="5311363" cy="738664"/>
+          </a:xfrm>
+          <a:prstGeom prst="rect">
+            <a:avLst/>
+          </a:prstGeom>
+          <a:noFill/>
+        </p:spPr>
+        <p:txBody>
+          <a:bodyPr wrap="square" rtlCol="0">
+            <a:spAutoFit/>
+          </a:bodyPr>
+          <a:lstStyle/>
+          <a:p>
+            <a:r>
+              <a:rPr lang="en-US" sz="1050" dirty="0">
                 <a:solidFill>
-                  <a:srgbClr val="C28220"/>
+                  <a:schemeClr val="bg1"/>
                 </a:solidFill>
-                <a:latin typeface="FreightMicro Pro Book" panose="02000603020000020004" pitchFamily="2" charset="0"/>
               </a:rPr>
-              <a:t>We can use MC to evaluate this integral!</a:t>
+              <a:t>Density cumulant functional theory: The DC-12 method, an improved description of the one-particle density matrix - Scientific Figure on ResearchGate. Available from: https://www.researchgate.net/figure/Binding-potential-energy-of-the-argon-dimer-as-a-function-of-Ar-Ar-distance-computed_fig3_234140936 [accessed 1 Aug, 2023]</a:t>
             </a:r>
           </a:p>
         </p:txBody>
@@ -6187,7 +5517,7 @@
     </p:spTree>
     <p:extLst>
       <p:ext uri="{BB962C8B-B14F-4D97-AF65-F5344CB8AC3E}">
-        <p14:creationId xmlns:p14="http://schemas.microsoft.com/office/powerpoint/2010/main" val="1628498593"/>
+        <p14:creationId xmlns:p14="http://schemas.microsoft.com/office/powerpoint/2010/main" val="2663509223"/>
       </p:ext>
     </p:extLst>
   </p:cSld>
@@ -6216,49 +5546,10 @@
       </p:grpSpPr>
       <p:sp>
         <p:nvSpPr>
-          <p:cNvPr id="16" name="TextBox 15">
+          <p:cNvPr id="4" name="Title 3">
             <a:extLst>
               <a:ext uri="{FF2B5EF4-FFF2-40B4-BE49-F238E27FC236}">
-                <a16:creationId xmlns:a16="http://schemas.microsoft.com/office/drawing/2014/main" id="{B918A26F-6E3A-B246-8A5A-0EACBCE2B8E8}"/>
-              </a:ext>
-            </a:extLst>
-          </p:cNvPr>
-          <p:cNvSpPr txBox="1"/>
-          <p:nvPr/>
-        </p:nvSpPr>
-        <p:spPr>
-          <a:xfrm>
-            <a:off x="647700" y="1282151"/>
-            <a:ext cx="8009500" cy="646331"/>
-          </a:xfrm>
-          <a:prstGeom prst="rect">
-            <a:avLst/>
-          </a:prstGeom>
-          <a:noFill/>
-        </p:spPr>
-        <p:txBody>
-          <a:bodyPr wrap="square" rtlCol="0">
-            <a:spAutoFit/>
-          </a:bodyPr>
-          <a:lstStyle/>
-          <a:p>
-            <a:endParaRPr lang="en-US" dirty="0"/>
-          </a:p>
-          <a:p>
-            <a:pPr marL="285750" indent="-285750">
-              <a:buFont typeface="Arial" panose="020B0604020202020204" pitchFamily="34" charset="0"/>
-              <a:buChar char="•"/>
-            </a:pPr>
-            <a:endParaRPr lang="en-US" dirty="0"/>
-          </a:p>
-        </p:txBody>
-      </p:sp>
-      <p:sp>
-        <p:nvSpPr>
-          <p:cNvPr id="17" name="Title 2">
-            <a:extLst>
-              <a:ext uri="{FF2B5EF4-FFF2-40B4-BE49-F238E27FC236}">
-                <a16:creationId xmlns:a16="http://schemas.microsoft.com/office/drawing/2014/main" id="{E7FD09C7-6257-6346-AD28-208BFE74E818}"/>
+                <a16:creationId xmlns:a16="http://schemas.microsoft.com/office/drawing/2014/main" id="{21D5D3A5-03FD-4698-2879-3C7888553861}"/>
               </a:ext>
             </a:extLst>
           </p:cNvPr>
@@ -6269,12 +5560,7 @@
             <p:ph type="title"/>
           </p:nvPr>
         </p:nvSpPr>
-        <p:spPr>
-          <a:xfrm>
-            <a:off x="647700" y="587715"/>
-            <a:ext cx="11315714" cy="1144631"/>
-          </a:xfrm>
-        </p:spPr>
+        <p:spPr/>
         <p:txBody>
           <a:bodyPr>
             <a:normAutofit/>
@@ -6282,10 +5568,10 @@
           <a:lstStyle/>
           <a:p>
             <a:r>
-              <a:rPr lang="en-US" dirty="0">
-                <a:latin typeface="FreightMicro Pro Book" panose="02000603020000020004" pitchFamily="2" charset="0"/>
+              <a:rPr lang="en-US" b="1" dirty="0">
+                <a:latin typeface="FreightMicro Pro Book" panose="02000603020000020004"/>
               </a:rPr>
-              <a:t>Monte Carlo of Molecular Systems</a:t>
+              <a:t>The Lennard Jones Equation </a:t>
             </a:r>
           </a:p>
         </p:txBody>
@@ -6294,256 +5580,114 @@
         <mc:Choice xmlns:a14="http://schemas.microsoft.com/office/drawing/2010/main" Requires="a14">
           <p:sp>
             <p:nvSpPr>
-              <p:cNvPr id="18" name="TextBox 17">
+              <p:cNvPr id="5" name="Content Placeholder 4">
                 <a:extLst>
                   <a:ext uri="{FF2B5EF4-FFF2-40B4-BE49-F238E27FC236}">
-                    <a16:creationId xmlns:a16="http://schemas.microsoft.com/office/drawing/2014/main" id="{ECB53D8F-54DD-6147-9003-52522E9257D2}"/>
+                    <a16:creationId xmlns:a16="http://schemas.microsoft.com/office/drawing/2014/main" id="{6D9041EE-5DE4-5CFD-3496-0ED01989DCDE}"/>
                   </a:ext>
                 </a:extLst>
               </p:cNvPr>
-              <p:cNvSpPr txBox="1"/>
-              <p:nvPr/>
+              <p:cNvSpPr>
+                <a:spLocks noGrp="1"/>
+              </p:cNvSpPr>
+              <p:nvPr>
+                <p:ph idx="1"/>
+              </p:nvPr>
             </p:nvSpPr>
             <p:spPr>
               <a:xfrm>
-                <a:off x="2149138" y="1605316"/>
-                <a:ext cx="7750394" cy="1324593"/>
+                <a:off x="838200" y="1825625"/>
+                <a:ext cx="10515600" cy="2853951"/>
               </a:xfrm>
-              <a:prstGeom prst="rect">
-                <a:avLst/>
-              </a:prstGeom>
-              <a:noFill/>
             </p:spPr>
             <p:txBody>
-              <a:bodyPr wrap="square" rtlCol="0">
-                <a:spAutoFit/>
-              </a:bodyPr>
+              <a:bodyPr/>
               <a:lstStyle/>
               <a:p>
                 <a:r>
-                  <a:rPr lang="en-US" sz="2400" dirty="0">
-                    <a:latin typeface="FreightSans Pro Book" panose="02000606030000020004" pitchFamily="2" charset="0"/>
+                  <a:rPr lang="en-US" dirty="0">
+                    <a:solidFill>
+                      <a:schemeClr val="tx1"/>
+                    </a:solidFill>
                   </a:rPr>
-                  <a:t>According to </a:t>
+                  <a:t>The Lennard Jones equation is an </a:t>
                 </a:r>
                 <a:r>
-                  <a:rPr lang="en-US" sz="2400" b="1" u="sng" dirty="0">
+                  <a:rPr lang="en-US" b="1" dirty="0">
                     <a:solidFill>
-                      <a:srgbClr val="003262"/>
+                      <a:schemeClr val="tx1"/>
                     </a:solidFill>
-                    <a:latin typeface="FreightMicro Pro Book" panose="02000603020000020004" pitchFamily="2" charset="0"/>
                   </a:rPr>
-                  <a:t>statistical mechanics</a:t>
+                  <a:t>empirical equation </a:t>
                 </a:r>
-                <a:endParaRPr lang="en-US" sz="2400" dirty="0">
-                  <a:solidFill>
-                    <a:srgbClr val="003262"/>
-                  </a:solidFill>
-                  <a:latin typeface="FreightMicro Pro Book" panose="02000603020000020004" pitchFamily="2" charset="0"/>
-                </a:endParaRPr>
+                <a:r>
+                  <a:rPr lang="en-US" dirty="0">
+                    <a:solidFill>
+                      <a:schemeClr val="tx1"/>
+                    </a:solidFill>
+                  </a:rPr>
+                  <a:t>that models the potential energy interaction of two nonbonded atoms.</a:t>
+                </a:r>
               </a:p>
               <a:p>
-                <a:pPr/>
+                <a:pPr lvl="1"/>
+                <a:r>
+                  <a:rPr lang="en-US" dirty="0">
+                    <a:solidFill>
+                      <a:schemeClr val="tx1"/>
+                    </a:solidFill>
+                  </a:rPr>
+                  <a:t>Empirical equation means that it is based on experimental observations (so not on QM calculations, like the previous slide, though the graphs look similar)</a:t>
+                </a:r>
+              </a:p>
+              <a:p>
+                <a:pPr lvl="1"/>
+                <a:r>
+                  <a:rPr lang="en-US" dirty="0">
+                    <a:solidFill>
+                      <a:schemeClr val="tx1"/>
+                    </a:solidFill>
+                  </a:rPr>
+                  <a:t>First formulated in 1924 by John Lennard-Jones – most common functional form used for modeling nonbonded interactions.</a:t>
+                </a:r>
+              </a:p>
+              <a:p>
+                <a:pPr marL="457200" lvl="1" indent="0">
+                  <a:buNone/>
+                </a:pPr>
                 <a14:m>
                   <m:oMathPara xmlns:m="http://schemas.openxmlformats.org/officeDocument/2006/math">
                     <m:oMathParaPr>
                       <m:jc m:val="centerGroup"/>
                     </m:oMathParaPr>
                     <m:oMath xmlns:m="http://schemas.openxmlformats.org/officeDocument/2006/math">
-                      <m:d>
-                        <m:dPr>
-                          <m:begChr m:val="⟨"/>
-                          <m:endChr m:val="⟩"/>
-                          <m:ctrlPr>
-                            <a:rPr lang="en-US" sz="2400" i="1" smtClean="0">
-                              <a:solidFill>
-                                <a:schemeClr val="tx1"/>
-                              </a:solidFill>
-                              <a:latin typeface="Cambria Math" panose="02040503050406030204" pitchFamily="18" charset="0"/>
-                            </a:rPr>
-                          </m:ctrlPr>
-                        </m:dPr>
-                        <m:e>
-                          <m:r>
-                            <a:rPr lang="en-US" sz="2400" b="0" i="1" smtClean="0">
-                              <a:solidFill>
-                                <a:schemeClr val="tx1"/>
-                              </a:solidFill>
-                              <a:latin typeface="Cambria Math" panose="02040503050406030204" pitchFamily="18" charset="0"/>
-                            </a:rPr>
-                            <m:t>𝑄</m:t>
-                          </m:r>
-                        </m:e>
-                      </m:d>
                       <m:r>
-                        <a:rPr lang="en-US" sz="2400" b="0" i="1" smtClean="0">
+                        <a:rPr lang="en-US" sz="2000" b="0" i="1" smtClean="0">
                           <a:solidFill>
                             <a:schemeClr val="tx1"/>
                           </a:solidFill>
                           <a:latin typeface="Cambria Math" panose="02040503050406030204" pitchFamily="18" charset="0"/>
+                          <a:ea typeface="Cambria Math" panose="02040503050406030204" pitchFamily="18" charset="0"/>
                         </a:rPr>
-                        <m:t>= </m:t>
+                        <m:t>𝑄</m:t>
                       </m:r>
-                      <m:nary>
-                        <m:naryPr>
+                      <m:d>
+                        <m:dPr>
                           <m:ctrlPr>
-                            <a:rPr lang="en-US" sz="2400" b="0" i="1" smtClean="0">
-                              <a:solidFill>
-                                <a:schemeClr val="tx1"/>
-                              </a:solidFill>
-                              <a:latin typeface="Cambria Math" panose="02040503050406030204" pitchFamily="18" charset="0"/>
-                            </a:rPr>
-                          </m:ctrlPr>
-                        </m:naryPr>
-                        <m:sub>
-                          <m:r>
-                            <m:rPr>
-                              <m:brk m:alnAt="23"/>
-                            </m:rPr>
-                            <a:rPr lang="en-US" sz="2400" b="0" i="1" smtClean="0">
-                              <a:solidFill>
-                                <a:schemeClr val="tx1"/>
-                              </a:solidFill>
-                              <a:latin typeface="Cambria Math" panose="02040503050406030204" pitchFamily="18" charset="0"/>
-                            </a:rPr>
-                            <m:t>𝑉</m:t>
-                          </m:r>
-                        </m:sub>
-                        <m:sup/>
-                        <m:e>
-                          <m:r>
-                            <a:rPr lang="en-US" sz="2400" b="0" i="1" smtClean="0">
-                              <a:solidFill>
-                                <a:schemeClr val="tx1"/>
-                              </a:solidFill>
-                              <a:latin typeface="Cambria Math" panose="02040503050406030204" pitchFamily="18" charset="0"/>
-                            </a:rPr>
-                            <m:t>𝑄</m:t>
-                          </m:r>
-                          <m:d>
-                            <m:dPr>
-                              <m:ctrlPr>
-                                <a:rPr lang="en-US" sz="2400" b="0" i="1" smtClean="0">
-                                  <a:solidFill>
-                                    <a:schemeClr val="tx1"/>
-                                  </a:solidFill>
-                                  <a:latin typeface="Cambria Math" panose="02040503050406030204" pitchFamily="18" charset="0"/>
-                                </a:rPr>
-                              </m:ctrlPr>
-                            </m:dPr>
-                            <m:e>
-                              <m:sSup>
-                                <m:sSupPr>
-                                  <m:ctrlPr>
-                                    <a:rPr lang="en-US" sz="2400" b="0" i="1" smtClean="0">
-                                      <a:solidFill>
-                                        <a:schemeClr val="tx1"/>
-                                      </a:solidFill>
-                                      <a:latin typeface="Cambria Math" panose="02040503050406030204" pitchFamily="18" charset="0"/>
-                                    </a:rPr>
-                                  </m:ctrlPr>
-                                </m:sSupPr>
-                                <m:e>
-                                  <m:r>
-                                    <a:rPr lang="en-US" sz="2400" b="0" i="1" smtClean="0">
-                                      <a:solidFill>
-                                        <a:schemeClr val="tx1"/>
-                                      </a:solidFill>
-                                      <a:latin typeface="Cambria Math" panose="02040503050406030204" pitchFamily="18" charset="0"/>
-                                    </a:rPr>
-                                    <m:t>𝑟</m:t>
-                                  </m:r>
-                                </m:e>
-                                <m:sup>
-                                  <m:r>
-                                    <a:rPr lang="en-US" sz="2400" b="0" i="1" smtClean="0">
-                                      <a:solidFill>
-                                        <a:schemeClr val="tx1"/>
-                                      </a:solidFill>
-                                      <a:latin typeface="Cambria Math" panose="02040503050406030204" pitchFamily="18" charset="0"/>
-                                    </a:rPr>
-                                    <m:t>𝑁</m:t>
-                                  </m:r>
-                                </m:sup>
-                              </m:sSup>
-                            </m:e>
-                          </m:d>
-                          <m:r>
-                            <a:rPr lang="en-US" sz="2400" b="0" i="1" smtClean="0">
+                            <a:rPr lang="en-US" sz="2000" i="1">
                               <a:solidFill>
                                 <a:schemeClr val="tx1"/>
                               </a:solidFill>
                               <a:latin typeface="Cambria Math" panose="02040503050406030204" pitchFamily="18" charset="0"/>
                               <a:ea typeface="Cambria Math" panose="02040503050406030204" pitchFamily="18" charset="0"/>
                             </a:rPr>
-                            <m:t>𝜌</m:t>
-                          </m:r>
-                          <m:d>
-                            <m:dPr>
-                              <m:ctrlPr>
-                                <a:rPr lang="en-US" sz="2400" b="0" i="1" smtClean="0">
-                                  <a:solidFill>
-                                    <a:schemeClr val="tx1"/>
-                                  </a:solidFill>
-                                  <a:latin typeface="Cambria Math" panose="02040503050406030204" pitchFamily="18" charset="0"/>
-                                  <a:ea typeface="Cambria Math" panose="02040503050406030204" pitchFamily="18" charset="0"/>
-                                </a:rPr>
-                              </m:ctrlPr>
-                            </m:dPr>
-                            <m:e>
-                              <m:sSup>
-                                <m:sSupPr>
-                                  <m:ctrlPr>
-                                    <a:rPr lang="en-US" sz="2400" b="0" i="1" smtClean="0">
-                                      <a:solidFill>
-                                        <a:schemeClr val="tx1"/>
-                                      </a:solidFill>
-                                      <a:latin typeface="Cambria Math" panose="02040503050406030204" pitchFamily="18" charset="0"/>
-                                      <a:ea typeface="Cambria Math" panose="02040503050406030204" pitchFamily="18" charset="0"/>
-                                    </a:rPr>
-                                  </m:ctrlPr>
-                                </m:sSupPr>
-                                <m:e>
-                                  <m:r>
-                                    <a:rPr lang="en-US" sz="2400" b="0" i="1" smtClean="0">
-                                      <a:solidFill>
-                                        <a:schemeClr val="tx1"/>
-                                      </a:solidFill>
-                                      <a:latin typeface="Cambria Math" panose="02040503050406030204" pitchFamily="18" charset="0"/>
-                                      <a:ea typeface="Cambria Math" panose="02040503050406030204" pitchFamily="18" charset="0"/>
-                                    </a:rPr>
-                                    <m:t>𝑟</m:t>
-                                  </m:r>
-                                </m:e>
-                                <m:sup>
-                                  <m:r>
-                                    <a:rPr lang="en-US" sz="2400" b="0" i="1" smtClean="0">
-                                      <a:solidFill>
-                                        <a:schemeClr val="tx1"/>
-                                      </a:solidFill>
-                                      <a:latin typeface="Cambria Math" panose="02040503050406030204" pitchFamily="18" charset="0"/>
-                                      <a:ea typeface="Cambria Math" panose="02040503050406030204" pitchFamily="18" charset="0"/>
-                                    </a:rPr>
-                                    <m:t>𝑁</m:t>
-                                  </m:r>
-                                </m:sup>
-                              </m:sSup>
-                            </m:e>
-                          </m:d>
-                          <m:r>
-                            <a:rPr lang="en-US" sz="2400" b="0" i="1" smtClean="0">
-                              <a:solidFill>
-                                <a:schemeClr val="tx1"/>
-                              </a:solidFill>
-                              <a:latin typeface="Cambria Math" panose="02040503050406030204" pitchFamily="18" charset="0"/>
-                              <a:ea typeface="Cambria Math" panose="02040503050406030204" pitchFamily="18" charset="0"/>
-                            </a:rPr>
-                            <m:t>𝑑</m:t>
-                          </m:r>
+                          </m:ctrlPr>
+                        </m:dPr>
+                        <m:e>
                           <m:sSup>
                             <m:sSupPr>
                               <m:ctrlPr>
-                                <a:rPr lang="en-US" sz="2400" b="0" i="1" smtClean="0">
+                                <a:rPr lang="en-US" sz="2000" i="1">
                                   <a:solidFill>
                                     <a:schemeClr val="tx1"/>
                                   </a:solidFill>
@@ -6554,7 +5698,7 @@
                             </m:sSupPr>
                             <m:e>
                               <m:r>
-                                <a:rPr lang="en-US" sz="2400" b="0" i="1" smtClean="0">
+                                <a:rPr lang="en-US" sz="2000" i="1">
                                   <a:solidFill>
                                     <a:schemeClr val="tx1"/>
                                   </a:solidFill>
@@ -6566,7 +5710,7 @@
                             </m:e>
                             <m:sup>
                               <m:r>
-                                <a:rPr lang="en-US" sz="2400" b="0" i="1" smtClean="0">
+                                <a:rPr lang="en-US" sz="2000" i="1">
                                   <a:solidFill>
                                     <a:schemeClr val="tx1"/>
                                   </a:solidFill>
@@ -6578,16 +5722,280 @@
                             </m:sup>
                           </m:sSup>
                         </m:e>
-                      </m:nary>
+                      </m:d>
+                      <m:r>
+                        <a:rPr lang="en-US" sz="2000" b="0" i="1" smtClean="0">
+                          <a:solidFill>
+                            <a:schemeClr val="tx1"/>
+                          </a:solidFill>
+                          <a:latin typeface="Cambria Math" panose="02040503050406030204" pitchFamily="18" charset="0"/>
+                          <a:ea typeface="Cambria Math" panose="02040503050406030204" pitchFamily="18" charset="0"/>
+                        </a:rPr>
+                        <m:t>=</m:t>
+                      </m:r>
+                      <m:r>
+                        <a:rPr lang="en-US" sz="2000" b="0" i="1" smtClean="0">
+                          <a:solidFill>
+                            <a:schemeClr val="tx1"/>
+                          </a:solidFill>
+                          <a:latin typeface="Cambria Math" panose="02040503050406030204" pitchFamily="18" charset="0"/>
+                        </a:rPr>
+                        <m:t> </m:t>
+                      </m:r>
+                      <m:r>
+                        <a:rPr lang="en-US" sz="2000" b="0" i="1" smtClean="0">
+                          <a:solidFill>
+                            <a:schemeClr val="tx1"/>
+                          </a:solidFill>
+                          <a:latin typeface="Cambria Math" panose="02040503050406030204" pitchFamily="18" charset="0"/>
+                        </a:rPr>
+                        <m:t>𝑈</m:t>
+                      </m:r>
+                      <m:d>
+                        <m:dPr>
+                          <m:ctrlPr>
+                            <a:rPr lang="en-US" sz="2000" b="0" i="1" smtClean="0">
+                              <a:solidFill>
+                                <a:schemeClr val="tx1"/>
+                              </a:solidFill>
+                              <a:latin typeface="Cambria Math" panose="02040503050406030204" pitchFamily="18" charset="0"/>
+                            </a:rPr>
+                          </m:ctrlPr>
+                        </m:dPr>
+                        <m:e>
+                          <m:r>
+                            <a:rPr lang="en-US" sz="2000" b="0" i="1" smtClean="0">
+                              <a:solidFill>
+                                <a:schemeClr val="tx1"/>
+                              </a:solidFill>
+                              <a:latin typeface="Cambria Math" panose="02040503050406030204" pitchFamily="18" charset="0"/>
+                            </a:rPr>
+                            <m:t>𝑟</m:t>
+                          </m:r>
+                        </m:e>
+                      </m:d>
+                      <m:r>
+                        <a:rPr lang="en-US" sz="2000" b="0" i="1" smtClean="0">
+                          <a:solidFill>
+                            <a:schemeClr val="tx1"/>
+                          </a:solidFill>
+                          <a:latin typeface="Cambria Math" panose="02040503050406030204" pitchFamily="18" charset="0"/>
+                        </a:rPr>
+                        <m:t>=4</m:t>
+                      </m:r>
+                      <m:r>
+                        <a:rPr lang="en-US" sz="2000" b="0" i="1" smtClean="0">
+                          <a:solidFill>
+                            <a:schemeClr val="tx1"/>
+                          </a:solidFill>
+                          <a:latin typeface="Cambria Math" panose="02040503050406030204" pitchFamily="18" charset="0"/>
+                          <a:ea typeface="Cambria Math" panose="02040503050406030204" pitchFamily="18" charset="0"/>
+                        </a:rPr>
+                        <m:t>𝜀</m:t>
+                      </m:r>
+                      <m:r>
+                        <a:rPr lang="en-US" sz="2000" b="0" i="1" smtClean="0">
+                          <a:solidFill>
+                            <a:schemeClr val="tx1"/>
+                          </a:solidFill>
+                          <a:latin typeface="Cambria Math" panose="02040503050406030204" pitchFamily="18" charset="0"/>
+                          <a:ea typeface="Cambria Math" panose="02040503050406030204" pitchFamily="18" charset="0"/>
+                        </a:rPr>
+                        <m:t>[ </m:t>
+                      </m:r>
+                      <m:sSup>
+                        <m:sSupPr>
+                          <m:ctrlPr>
+                            <a:rPr lang="en-US" sz="2000" b="0" i="1" smtClean="0">
+                              <a:solidFill>
+                                <a:schemeClr val="tx1"/>
+                              </a:solidFill>
+                              <a:latin typeface="Cambria Math" panose="02040503050406030204" pitchFamily="18" charset="0"/>
+                              <a:ea typeface="Cambria Math" panose="02040503050406030204" pitchFamily="18" charset="0"/>
+                            </a:rPr>
+                          </m:ctrlPr>
+                        </m:sSupPr>
+                        <m:e>
+                          <m:d>
+                            <m:dPr>
+                              <m:ctrlPr>
+                                <a:rPr lang="en-US" sz="2000" b="0" i="1" smtClean="0">
+                                  <a:solidFill>
+                                    <a:schemeClr val="tx1"/>
+                                  </a:solidFill>
+                                  <a:latin typeface="Cambria Math" panose="02040503050406030204" pitchFamily="18" charset="0"/>
+                                  <a:ea typeface="Cambria Math" panose="02040503050406030204" pitchFamily="18" charset="0"/>
+                                </a:rPr>
+                              </m:ctrlPr>
+                            </m:dPr>
+                            <m:e>
+                              <m:f>
+                                <m:fPr>
+                                  <m:ctrlPr>
+                                    <a:rPr lang="en-US" sz="2000" b="0" i="1" smtClean="0">
+                                      <a:solidFill>
+                                        <a:schemeClr val="tx1"/>
+                                      </a:solidFill>
+                                      <a:latin typeface="Cambria Math" panose="02040503050406030204" pitchFamily="18" charset="0"/>
+                                      <a:ea typeface="Cambria Math" panose="02040503050406030204" pitchFamily="18" charset="0"/>
+                                    </a:rPr>
+                                  </m:ctrlPr>
+                                </m:fPr>
+                                <m:num>
+                                  <m:r>
+                                    <a:rPr lang="en-US" sz="2000" b="0" i="1" smtClean="0">
+                                      <a:solidFill>
+                                        <a:schemeClr val="tx1"/>
+                                      </a:solidFill>
+                                      <a:latin typeface="Cambria Math" panose="02040503050406030204" pitchFamily="18" charset="0"/>
+                                      <a:ea typeface="Cambria Math" panose="02040503050406030204" pitchFamily="18" charset="0"/>
+                                    </a:rPr>
+                                    <m:t>𝜎</m:t>
+                                  </m:r>
+                                </m:num>
+                                <m:den>
+                                  <m:r>
+                                    <a:rPr lang="en-US" sz="2000" b="0" i="1" smtClean="0">
+                                      <a:solidFill>
+                                        <a:schemeClr val="tx1"/>
+                                      </a:solidFill>
+                                      <a:latin typeface="Cambria Math" panose="02040503050406030204" pitchFamily="18" charset="0"/>
+                                      <a:ea typeface="Cambria Math" panose="02040503050406030204" pitchFamily="18" charset="0"/>
+                                    </a:rPr>
+                                    <m:t>𝑟</m:t>
+                                  </m:r>
+                                </m:den>
+                              </m:f>
+                            </m:e>
+                          </m:d>
+                        </m:e>
+                        <m:sup>
+                          <m:r>
+                            <a:rPr lang="en-US" sz="2000" b="0" i="1" smtClean="0">
+                              <a:solidFill>
+                                <a:schemeClr val="tx1"/>
+                              </a:solidFill>
+                              <a:latin typeface="Cambria Math" panose="02040503050406030204" pitchFamily="18" charset="0"/>
+                              <a:ea typeface="Cambria Math" panose="02040503050406030204" pitchFamily="18" charset="0"/>
+                            </a:rPr>
+                            <m:t>12</m:t>
+                          </m:r>
+                        </m:sup>
+                      </m:sSup>
+                      <m:r>
+                        <a:rPr lang="en-US" sz="2000" b="0" i="1" smtClean="0">
+                          <a:solidFill>
+                            <a:schemeClr val="tx1"/>
+                          </a:solidFill>
+                          <a:latin typeface="Cambria Math" panose="02040503050406030204" pitchFamily="18" charset="0"/>
+                          <a:ea typeface="Cambria Math" panose="02040503050406030204" pitchFamily="18" charset="0"/>
+                        </a:rPr>
+                        <m:t>−</m:t>
+                      </m:r>
+                      <m:sSup>
+                        <m:sSupPr>
+                          <m:ctrlPr>
+                            <a:rPr lang="en-US" sz="2000" b="0" i="1" smtClean="0">
+                              <a:solidFill>
+                                <a:schemeClr val="tx1"/>
+                              </a:solidFill>
+                              <a:latin typeface="Cambria Math" panose="02040503050406030204" pitchFamily="18" charset="0"/>
+                              <a:ea typeface="Cambria Math" panose="02040503050406030204" pitchFamily="18" charset="0"/>
+                            </a:rPr>
+                          </m:ctrlPr>
+                        </m:sSupPr>
+                        <m:e>
+                          <m:d>
+                            <m:dPr>
+                              <m:ctrlPr>
+                                <a:rPr lang="en-US" sz="2000" b="0" i="1" smtClean="0">
+                                  <a:solidFill>
+                                    <a:schemeClr val="tx1"/>
+                                  </a:solidFill>
+                                  <a:latin typeface="Cambria Math" panose="02040503050406030204" pitchFamily="18" charset="0"/>
+                                  <a:ea typeface="Cambria Math" panose="02040503050406030204" pitchFamily="18" charset="0"/>
+                                </a:rPr>
+                              </m:ctrlPr>
+                            </m:dPr>
+                            <m:e>
+                              <m:f>
+                                <m:fPr>
+                                  <m:ctrlPr>
+                                    <a:rPr lang="en-US" sz="2000" b="0" i="1" smtClean="0">
+                                      <a:solidFill>
+                                        <a:schemeClr val="tx1"/>
+                                      </a:solidFill>
+                                      <a:latin typeface="Cambria Math" panose="02040503050406030204" pitchFamily="18" charset="0"/>
+                                      <a:ea typeface="Cambria Math" panose="02040503050406030204" pitchFamily="18" charset="0"/>
+                                    </a:rPr>
+                                  </m:ctrlPr>
+                                </m:fPr>
+                                <m:num>
+                                  <m:r>
+                                    <a:rPr lang="en-US" sz="2000" b="0" i="1" smtClean="0">
+                                      <a:solidFill>
+                                        <a:schemeClr val="tx1"/>
+                                      </a:solidFill>
+                                      <a:latin typeface="Cambria Math" panose="02040503050406030204" pitchFamily="18" charset="0"/>
+                                      <a:ea typeface="Cambria Math" panose="02040503050406030204" pitchFamily="18" charset="0"/>
+                                    </a:rPr>
+                                    <m:t>𝜎</m:t>
+                                  </m:r>
+                                </m:num>
+                                <m:den>
+                                  <m:r>
+                                    <a:rPr lang="en-US" sz="2000" b="0" i="1" smtClean="0">
+                                      <a:solidFill>
+                                        <a:schemeClr val="tx1"/>
+                                      </a:solidFill>
+                                      <a:latin typeface="Cambria Math" panose="02040503050406030204" pitchFamily="18" charset="0"/>
+                                      <a:ea typeface="Cambria Math" panose="02040503050406030204" pitchFamily="18" charset="0"/>
+                                    </a:rPr>
+                                    <m:t>𝑟</m:t>
+                                  </m:r>
+                                </m:den>
+                              </m:f>
+                            </m:e>
+                          </m:d>
+                        </m:e>
+                        <m:sup>
+                          <m:r>
+                            <a:rPr lang="en-US" sz="2000" b="0" i="1" smtClean="0">
+                              <a:solidFill>
+                                <a:schemeClr val="tx1"/>
+                              </a:solidFill>
+                              <a:latin typeface="Cambria Math" panose="02040503050406030204" pitchFamily="18" charset="0"/>
+                              <a:ea typeface="Cambria Math" panose="02040503050406030204" pitchFamily="18" charset="0"/>
+                            </a:rPr>
+                            <m:t>6</m:t>
+                          </m:r>
+                        </m:sup>
+                      </m:sSup>
+                      <m:r>
+                        <a:rPr lang="en-US" sz="2000" b="0" i="1" smtClean="0">
+                          <a:solidFill>
+                            <a:schemeClr val="tx1"/>
+                          </a:solidFill>
+                          <a:latin typeface="Cambria Math" panose="02040503050406030204" pitchFamily="18" charset="0"/>
+                          <a:ea typeface="Cambria Math" panose="02040503050406030204" pitchFamily="18" charset="0"/>
+                        </a:rPr>
+                        <m:t>]</m:t>
+                      </m:r>
                     </m:oMath>
                   </m:oMathPara>
                 </a14:m>
-                <a:endParaRPr lang="en-US" sz="2400" dirty="0">
+                <a:endParaRPr lang="en-US" sz="2000" dirty="0">
                   <a:solidFill>
                     <a:schemeClr val="tx1"/>
                   </a:solidFill>
                   <a:latin typeface="FreightMicro Pro Book" panose="02000603020000020004" pitchFamily="2" charset="0"/>
                 </a:endParaRPr>
+              </a:p>
+              <a:p>
+                <a:pPr marL="457200" lvl="1" indent="0">
+                  <a:buNone/>
+                </a:pPr>
+                <a:endParaRPr lang="en-US" dirty="0"/>
               </a:p>
             </p:txBody>
           </p:sp>
@@ -6595,30 +6003,29 @@
         <mc:Fallback>
           <p:sp>
             <p:nvSpPr>
-              <p:cNvPr id="18" name="TextBox 17">
+              <p:cNvPr id="5" name="Content Placeholder 4">
                 <a:extLst>
                   <a:ext uri="{FF2B5EF4-FFF2-40B4-BE49-F238E27FC236}">
-                    <a16:creationId xmlns:a16="http://schemas.microsoft.com/office/drawing/2014/main" id="{ECB53D8F-54DD-6147-9003-52522E9257D2}"/>
+                    <a16:creationId xmlns:a16="http://schemas.microsoft.com/office/drawing/2014/main" id="{6D9041EE-5DE4-5CFD-3496-0ED01989DCDE}"/>
                   </a:ext>
                 </a:extLst>
               </p:cNvPr>
-              <p:cNvSpPr txBox="1">
-                <a:spLocks noRot="1" noChangeAspect="1" noMove="1" noResize="1" noEditPoints="1" noAdjustHandles="1" noChangeArrowheads="1" noChangeShapeType="1" noTextEdit="1"/>
+              <p:cNvSpPr>
+                <a:spLocks noGrp="1" noRot="1" noChangeAspect="1" noMove="1" noResize="1" noEditPoints="1" noAdjustHandles="1" noChangeArrowheads="1" noChangeShapeType="1" noTextEdit="1"/>
               </p:cNvSpPr>
-              <p:nvPr/>
+              <p:nvPr>
+                <p:ph idx="1"/>
+              </p:nvPr>
             </p:nvSpPr>
             <p:spPr>
               <a:xfrm>
-                <a:off x="2149138" y="1605316"/>
-                <a:ext cx="7750394" cy="1324593"/>
+                <a:off x="838200" y="1825625"/>
+                <a:ext cx="10515600" cy="2853951"/>
               </a:xfrm>
-              <a:prstGeom prst="rect">
-                <a:avLst/>
-              </a:prstGeom>
               <a:blipFill>
-                <a:blip r:embed="rId3"/>
+                <a:blip r:embed="rId2"/>
                 <a:stretch>
-                  <a:fillRect l="-1309" t="-82857" b="-165714"/>
+                  <a:fillRect l="-696" t="-1066"/>
                 </a:stretch>
               </a:blipFill>
             </p:spPr>
@@ -6637,141 +6044,10 @@
           </p:sp>
         </mc:Fallback>
       </mc:AlternateContent>
-      <p:sp>
-        <p:nvSpPr>
-          <p:cNvPr id="20" name="TextBox 19">
-            <a:extLst>
-              <a:ext uri="{FF2B5EF4-FFF2-40B4-BE49-F238E27FC236}">
-                <a16:creationId xmlns:a16="http://schemas.microsoft.com/office/drawing/2014/main" id="{E9F93E63-929D-5C43-A545-1EFCDD4B9586}"/>
-              </a:ext>
-            </a:extLst>
-          </p:cNvPr>
-          <p:cNvSpPr txBox="1"/>
-          <p:nvPr/>
-        </p:nvSpPr>
-        <p:spPr>
-          <a:xfrm>
-            <a:off x="7245091" y="1567953"/>
-            <a:ext cx="3326808" cy="646331"/>
-          </a:xfrm>
-          <a:prstGeom prst="rect">
-            <a:avLst/>
-          </a:prstGeom>
-          <a:noFill/>
-        </p:spPr>
-        <p:txBody>
-          <a:bodyPr wrap="square" rtlCol="0">
-            <a:spAutoFit/>
-          </a:bodyPr>
-          <a:lstStyle/>
-          <a:p>
-            <a:pPr algn="ctr"/>
-            <a:r>
-              <a:rPr lang="en-US" dirty="0">
-                <a:solidFill>
-                  <a:srgbClr val="C28220"/>
-                </a:solidFill>
-                <a:latin typeface="FreightMicro Pro Book" panose="02000603020000020004" pitchFamily="2" charset="0"/>
-              </a:rPr>
-              <a:t>We can use MC to evaluate this integral!</a:t>
-            </a:r>
-          </a:p>
-        </p:txBody>
-      </p:sp>
-      <p:sp>
-        <p:nvSpPr>
-          <p:cNvPr id="8" name="TextBox 7">
-            <a:extLst>
-              <a:ext uri="{FF2B5EF4-FFF2-40B4-BE49-F238E27FC236}">
-                <a16:creationId xmlns:a16="http://schemas.microsoft.com/office/drawing/2014/main" id="{C1356E3C-1386-5A43-89AB-FAC2044546DD}"/>
-              </a:ext>
-            </a:extLst>
-          </p:cNvPr>
-          <p:cNvSpPr txBox="1"/>
-          <p:nvPr/>
-        </p:nvSpPr>
-        <p:spPr>
-          <a:xfrm>
-            <a:off x="647699" y="3046475"/>
-            <a:ext cx="10512387" cy="2677656"/>
-          </a:xfrm>
-          <a:prstGeom prst="rect">
-            <a:avLst/>
-          </a:prstGeom>
-          <a:noFill/>
-        </p:spPr>
-        <p:txBody>
-          <a:bodyPr wrap="square" rtlCol="0">
-            <a:spAutoFit/>
-          </a:bodyPr>
-          <a:lstStyle/>
-          <a:p>
-            <a:r>
-              <a:rPr lang="en-US" dirty="0">
-                <a:latin typeface="FreightSans Pro Book" panose="02000606030000020004" pitchFamily="2" charset="0"/>
-              </a:rPr>
-              <a:t>This integral gets complicated very quickly. Consider a system of 10 atoms in 3 dimensions.</a:t>
-            </a:r>
-          </a:p>
-          <a:p>
-            <a:endParaRPr lang="en-US" dirty="0">
-              <a:latin typeface="FreightSans Pro Book" panose="02000606030000020004" pitchFamily="2" charset="0"/>
-            </a:endParaRPr>
-          </a:p>
-          <a:p>
-            <a:pPr algn="ctr"/>
-            <a:r>
-              <a:rPr lang="en-US" dirty="0">
-                <a:latin typeface="FreightSans Pro Book" panose="02000606030000020004" pitchFamily="2" charset="0"/>
-              </a:rPr>
-              <a:t>3 dimensions x 10 atoms = 30 dimensional integral!</a:t>
-            </a:r>
-          </a:p>
-          <a:p>
-            <a:pPr algn="ctr"/>
-            <a:endParaRPr lang="en-US" dirty="0">
-              <a:latin typeface="FreightSans Pro Book" panose="02000606030000020004" pitchFamily="2" charset="0"/>
-            </a:endParaRPr>
-          </a:p>
-          <a:p>
-            <a:r>
-              <a:rPr lang="en-US" dirty="0">
-                <a:latin typeface="FreightSans Pro Book" panose="02000606030000020004" pitchFamily="2" charset="0"/>
-              </a:rPr>
-              <a:t>This integral would be very difficult to evaluate analytically, but we can use Monte Carlo Integration to estimate the value.</a:t>
-            </a:r>
-          </a:p>
-          <a:p>
-            <a:endParaRPr lang="en-US" dirty="0">
-              <a:latin typeface="FreightSans Pro Book" panose="02000606030000020004" pitchFamily="2" charset="0"/>
-            </a:endParaRPr>
-          </a:p>
-          <a:p>
-            <a:r>
-              <a:rPr lang="en-US" dirty="0">
-                <a:latin typeface="FreightSans Pro Book" panose="02000606030000020004" pitchFamily="2" charset="0"/>
-              </a:rPr>
-              <a:t>Today we will build a model for the energy of a molecular system (U). This energy is a function of molecular coordinates</a:t>
-            </a:r>
-            <a:r>
-              <a:rPr lang="en-US">
-                <a:latin typeface="FreightSans Pro Book" panose="02000606030000020004" pitchFamily="2" charset="0"/>
-              </a:rPr>
-              <a:t>, and </a:t>
-            </a:r>
-            <a:r>
-              <a:rPr lang="en-US" dirty="0">
-                <a:latin typeface="FreightSans Pro Book" panose="02000606030000020004" pitchFamily="2" charset="0"/>
-              </a:rPr>
-              <a:t>can represent Q. </a:t>
-            </a:r>
-          </a:p>
-        </p:txBody>
-      </p:sp>
     </p:spTree>
     <p:extLst>
       <p:ext uri="{BB962C8B-B14F-4D97-AF65-F5344CB8AC3E}">
-        <p14:creationId xmlns:p14="http://schemas.microsoft.com/office/powerpoint/2010/main" val="3221534543"/>
+        <p14:creationId xmlns:p14="http://schemas.microsoft.com/office/powerpoint/2010/main" val="1033598188"/>
       </p:ext>
     </p:extLst>
   </p:cSld>
@@ -6798,94 +6074,63 @@
           <a:chExt cx="0" cy="0"/>
         </a:xfrm>
       </p:grpSpPr>
-      <p:sp>
-        <p:nvSpPr>
-          <p:cNvPr id="5" name="TextBox 4">
+      <p:pic>
+        <p:nvPicPr>
+          <p:cNvPr id="6" name="Picture 5">
             <a:extLst>
               <a:ext uri="{FF2B5EF4-FFF2-40B4-BE49-F238E27FC236}">
-                <a16:creationId xmlns:a16="http://schemas.microsoft.com/office/drawing/2014/main" id="{C2705328-7A1A-A74C-BAE8-3F8B293ECAEA}"/>
+                <a16:creationId xmlns:a16="http://schemas.microsoft.com/office/drawing/2014/main" id="{3B1B3B50-BE05-D176-5B35-E2447A7F3110}"/>
               </a:ext>
             </a:extLst>
           </p:cNvPr>
-          <p:cNvSpPr txBox="1"/>
+          <p:cNvPicPr>
+            <a:picLocks noChangeAspect="1"/>
+          </p:cNvPicPr>
           <p:nvPr/>
-        </p:nvSpPr>
-        <p:spPr>
-          <a:xfrm>
-            <a:off x="735107" y="1133869"/>
-            <a:ext cx="8009500" cy="646331"/>
+        </p:nvPicPr>
+        <p:blipFill>
+          <a:blip r:embed="rId2"/>
+          <a:srcRect/>
+          <a:stretch/>
+        </p:blipFill>
+        <p:spPr>
+          <a:xfrm>
+            <a:off x="3091276" y="1258646"/>
+            <a:ext cx="5299442" cy="5299442"/>
           </a:xfrm>
           <a:prstGeom prst="rect">
             <a:avLst/>
           </a:prstGeom>
-          <a:noFill/>
-        </p:spPr>
-        <p:txBody>
-          <a:bodyPr wrap="square" rtlCol="0">
-            <a:spAutoFit/>
-          </a:bodyPr>
-          <a:lstStyle/>
-          <a:p>
-            <a:endParaRPr lang="en-US" dirty="0"/>
-          </a:p>
-          <a:p>
-            <a:pPr marL="285750" indent="-285750">
-              <a:buFont typeface="Arial" panose="020B0604020202020204" pitchFamily="34" charset="0"/>
-              <a:buChar char="•"/>
-            </a:pPr>
-            <a:endParaRPr lang="en-US" dirty="0"/>
-          </a:p>
-        </p:txBody>
-      </p:sp>
+        </p:spPr>
+      </p:pic>
       <p:sp>
         <p:nvSpPr>
-          <p:cNvPr id="6" name="Title 2">
+          <p:cNvPr id="4" name="Title 3">
             <a:extLst>
               <a:ext uri="{FF2B5EF4-FFF2-40B4-BE49-F238E27FC236}">
-                <a16:creationId xmlns:a16="http://schemas.microsoft.com/office/drawing/2014/main" id="{B9BCABE0-E147-1446-B222-950451AAAE26}"/>
+                <a16:creationId xmlns:a16="http://schemas.microsoft.com/office/drawing/2014/main" id="{21D5D3A5-03FD-4698-2879-3C7888553861}"/>
               </a:ext>
             </a:extLst>
           </p:cNvPr>
-          <p:cNvSpPr txBox="1">
-            <a:spLocks/>
+          <p:cNvSpPr>
+            <a:spLocks noGrp="1"/>
           </p:cNvSpPr>
-          <p:nvPr/>
+          <p:nvPr>
+            <p:ph type="title"/>
+          </p:nvPr>
         </p:nvSpPr>
-        <p:spPr>
-          <a:xfrm>
-            <a:off x="625475" y="609271"/>
-            <a:ext cx="8228763" cy="1144631"/>
-          </a:xfrm>
-          <a:prstGeom prst="rect">
-            <a:avLst/>
-          </a:prstGeom>
-        </p:spPr>
+        <p:spPr/>
         <p:txBody>
-          <a:bodyPr vert="horz" lIns="91440" tIns="45720" rIns="91440" bIns="45720" rtlCol="0" anchor="b">
-            <a:normAutofit fontScale="85000" lnSpcReduction="10000"/>
+          <a:bodyPr>
+            <a:normAutofit/>
           </a:bodyPr>
-          <a:lstStyle>
-            <a:lvl1pPr algn="ctr" defTabSz="457200" rtl="0" eaLnBrk="1" latinLnBrk="0" hangingPunct="1">
-              <a:spcBef>
-                <a:spcPct val="0"/>
-              </a:spcBef>
-              <a:buNone/>
-              <a:defRPr sz="6000" b="0" i="0" kern="1200">
-                <a:solidFill>
-                  <a:srgbClr val="C28220"/>
-                </a:solidFill>
-                <a:latin typeface="Lucida Grande Regular" panose="020B0600040502020204" pitchFamily="34" charset="0"/>
-                <a:ea typeface="+mj-ea"/>
-                <a:cs typeface="Lucida Grande Regular" panose="020B0600040502020204" pitchFamily="34" charset="0"/>
-              </a:defRPr>
-            </a:lvl1pPr>
-          </a:lstStyle>
-          <a:p>
-            <a:r>
-              <a:rPr lang="en-US" dirty="0">
-                <a:latin typeface="FreightMicro Pro Book" panose="02000603020000020004" pitchFamily="2" charset="0"/>
+          <a:lstStyle/>
+          <a:p>
+            <a:r>
+              <a:rPr lang="en-US" b="1" dirty="0">
+                <a:latin typeface="FreightMicro Pro Book" panose="02000603020000020004"/>
               </a:rPr>
-              <a:t>The Lennard Jones Potential</a:t>
+              <a:t>The Lennard Jones Equation </a:t>
             </a:r>
           </a:p>
         </p:txBody>
@@ -6894,44 +6139,33 @@
         <mc:Choice xmlns:a14="http://schemas.microsoft.com/office/drawing/2010/main" Requires="a14">
           <p:sp>
             <p:nvSpPr>
-              <p:cNvPr id="7" name="TextBox 6">
+              <p:cNvPr id="5" name="Content Placeholder 4">
                 <a:extLst>
                   <a:ext uri="{FF2B5EF4-FFF2-40B4-BE49-F238E27FC236}">
-                    <a16:creationId xmlns:a16="http://schemas.microsoft.com/office/drawing/2014/main" id="{E10C0955-D55B-5341-8556-958E59CEA13C}"/>
+                    <a16:creationId xmlns:a16="http://schemas.microsoft.com/office/drawing/2014/main" id="{6D9041EE-5DE4-5CFD-3496-0ED01989DCDE}"/>
                   </a:ext>
                 </a:extLst>
               </p:cNvPr>
-              <p:cNvSpPr txBox="1"/>
-              <p:nvPr/>
+              <p:cNvSpPr>
+                <a:spLocks noGrp="1"/>
+              </p:cNvSpPr>
+              <p:nvPr>
+                <p:ph idx="1"/>
+              </p:nvPr>
             </p:nvSpPr>
             <p:spPr>
               <a:xfrm>
-                <a:off x="735108" y="1780200"/>
-                <a:ext cx="10524132" cy="3747564"/>
+                <a:off x="3393141" y="4950721"/>
+                <a:ext cx="5105400" cy="831514"/>
               </a:xfrm>
-              <a:prstGeom prst="rect">
-                <a:avLst/>
-              </a:prstGeom>
-              <a:noFill/>
             </p:spPr>
             <p:txBody>
-              <a:bodyPr wrap="square" rtlCol="0">
-                <a:spAutoFit/>
-              </a:bodyPr>
+              <a:bodyPr/>
               <a:lstStyle/>
               <a:p>
-                <a:r>
-                  <a:rPr lang="en-US" sz="2400" dirty="0">
-                    <a:latin typeface="FreightSans Pro Book" panose="02000606030000020004" pitchFamily="2" charset="0"/>
-                  </a:rPr>
-                  <a:t>The Lennard Jones Potential is an equation that is often used to model the interaction energy of nonbonded atoms:</a:t>
-                </a:r>
-                <a:endParaRPr lang="en-US" sz="2400" dirty="0">
-                  <a:latin typeface="FreightMicro Pro Book" panose="02000603020000020004" pitchFamily="2" charset="0"/>
-                </a:endParaRPr>
-              </a:p>
-              <a:p>
-                <a:pPr/>
+                <a:pPr marL="457200" lvl="1" indent="0">
+                  <a:buNone/>
+                </a:pPr>
                 <a14:m>
                   <m:oMathPara xmlns:m="http://schemas.openxmlformats.org/officeDocument/2006/math">
                     <m:oMathParaPr>
@@ -6939,7 +6173,10 @@
                     </m:oMathParaPr>
                     <m:oMath xmlns:m="http://schemas.openxmlformats.org/officeDocument/2006/math">
                       <m:r>
-                        <a:rPr lang="en-US" sz="2400" b="0" i="1" smtClean="0">
+                        <a:rPr lang="en-US" sz="2000" b="0" i="1" smtClean="0">
+                          <a:solidFill>
+                            <a:schemeClr val="tx1"/>
+                          </a:solidFill>
                           <a:latin typeface="Cambria Math" panose="02040503050406030204" pitchFamily="18" charset="0"/>
                           <a:ea typeface="Cambria Math" panose="02040503050406030204" pitchFamily="18" charset="0"/>
                         </a:rPr>
@@ -6948,7 +6185,10 @@
                       <m:d>
                         <m:dPr>
                           <m:ctrlPr>
-                            <a:rPr lang="en-US" sz="2400" i="1">
+                            <a:rPr lang="en-US" sz="2000" i="1">
+                              <a:solidFill>
+                                <a:schemeClr val="tx1"/>
+                              </a:solidFill>
                               <a:latin typeface="Cambria Math" panose="02040503050406030204" pitchFamily="18" charset="0"/>
                               <a:ea typeface="Cambria Math" panose="02040503050406030204" pitchFamily="18" charset="0"/>
                             </a:rPr>
@@ -6958,7 +6198,10 @@
                           <m:sSup>
                             <m:sSupPr>
                               <m:ctrlPr>
-                                <a:rPr lang="en-US" sz="2400" i="1">
+                                <a:rPr lang="en-US" sz="2000" i="1">
+                                  <a:solidFill>
+                                    <a:schemeClr val="tx1"/>
+                                  </a:solidFill>
                                   <a:latin typeface="Cambria Math" panose="02040503050406030204" pitchFamily="18" charset="0"/>
                                   <a:ea typeface="Cambria Math" panose="02040503050406030204" pitchFamily="18" charset="0"/>
                                 </a:rPr>
@@ -6966,7 +6209,10 @@
                             </m:sSupPr>
                             <m:e>
                               <m:r>
-                                <a:rPr lang="en-US" sz="2400" i="1">
+                                <a:rPr lang="en-US" sz="2000" i="1">
+                                  <a:solidFill>
+                                    <a:schemeClr val="tx1"/>
+                                  </a:solidFill>
                                   <a:latin typeface="Cambria Math" panose="02040503050406030204" pitchFamily="18" charset="0"/>
                                   <a:ea typeface="Cambria Math" panose="02040503050406030204" pitchFamily="18" charset="0"/>
                                 </a:rPr>
@@ -6975,7 +6221,10 @@
                             </m:e>
                             <m:sup>
                               <m:r>
-                                <a:rPr lang="en-US" sz="2400" i="1">
+                                <a:rPr lang="en-US" sz="2000" i="1">
+                                  <a:solidFill>
+                                    <a:schemeClr val="tx1"/>
+                                  </a:solidFill>
                                   <a:latin typeface="Cambria Math" panose="02040503050406030204" pitchFamily="18" charset="0"/>
                                   <a:ea typeface="Cambria Math" panose="02040503050406030204" pitchFamily="18" charset="0"/>
                                 </a:rPr>
@@ -6986,14 +6235,17 @@
                         </m:e>
                       </m:d>
                       <m:r>
-                        <a:rPr lang="en-US" sz="2400" b="0" i="1" smtClean="0">
+                        <a:rPr lang="en-US" sz="2000" b="0" i="1" smtClean="0">
+                          <a:solidFill>
+                            <a:schemeClr val="tx1"/>
+                          </a:solidFill>
                           <a:latin typeface="Cambria Math" panose="02040503050406030204" pitchFamily="18" charset="0"/>
                           <a:ea typeface="Cambria Math" panose="02040503050406030204" pitchFamily="18" charset="0"/>
                         </a:rPr>
                         <m:t>=</m:t>
                       </m:r>
                       <m:r>
-                        <a:rPr lang="en-US" sz="2400" b="0" i="1" smtClean="0">
+                        <a:rPr lang="en-US" sz="2000" b="0" i="1" smtClean="0">
                           <a:solidFill>
                             <a:schemeClr val="tx1"/>
                           </a:solidFill>
@@ -7002,7 +6254,7 @@
                         <m:t> </m:t>
                       </m:r>
                       <m:r>
-                        <a:rPr lang="en-US" sz="2400" b="0" i="1" smtClean="0">
+                        <a:rPr lang="en-US" sz="2000" b="0" i="1" smtClean="0">
                           <a:solidFill>
                             <a:schemeClr val="tx1"/>
                           </a:solidFill>
@@ -7013,7 +6265,7 @@
                       <m:d>
                         <m:dPr>
                           <m:ctrlPr>
-                            <a:rPr lang="en-US" sz="2400" b="0" i="1" smtClean="0">
+                            <a:rPr lang="en-US" sz="2000" b="0" i="1" smtClean="0">
                               <a:solidFill>
                                 <a:schemeClr val="tx1"/>
                               </a:solidFill>
@@ -7023,7 +6275,7 @@
                         </m:dPr>
                         <m:e>
                           <m:r>
-                            <a:rPr lang="en-US" sz="2400" b="0" i="1" smtClean="0">
+                            <a:rPr lang="en-US" sz="2000" b="0" i="1" smtClean="0">
                               <a:solidFill>
                                 <a:schemeClr val="tx1"/>
                               </a:solidFill>
@@ -7034,7 +6286,7 @@
                         </m:e>
                       </m:d>
                       <m:r>
-                        <a:rPr lang="en-US" sz="2400" b="0" i="1" smtClean="0">
+                        <a:rPr lang="en-US" sz="2000" b="0" i="1" smtClean="0">
                           <a:solidFill>
                             <a:schemeClr val="tx1"/>
                           </a:solidFill>
@@ -7043,7 +6295,7 @@
                         <m:t>=4</m:t>
                       </m:r>
                       <m:r>
-                        <a:rPr lang="en-US" sz="2400" b="0" i="1" smtClean="0">
+                        <a:rPr lang="en-US" sz="2000" b="0" i="1" smtClean="0">
                           <a:solidFill>
                             <a:schemeClr val="tx1"/>
                           </a:solidFill>
@@ -7053,7 +6305,7 @@
                         <m:t>𝜀</m:t>
                       </m:r>
                       <m:r>
-                        <a:rPr lang="en-US" sz="2400" b="0" i="1" smtClean="0">
+                        <a:rPr lang="en-US" sz="2000" b="0" i="1" smtClean="0">
                           <a:solidFill>
                             <a:schemeClr val="tx1"/>
                           </a:solidFill>
@@ -7065,7 +6317,7 @@
                       <m:sSup>
                         <m:sSupPr>
                           <m:ctrlPr>
-                            <a:rPr lang="en-US" sz="2400" b="0" i="1" smtClean="0">
+                            <a:rPr lang="en-US" sz="2000" b="0" i="1" smtClean="0">
                               <a:solidFill>
                                 <a:schemeClr val="tx1"/>
                               </a:solidFill>
@@ -7078,7 +6330,7 @@
                           <m:d>
                             <m:dPr>
                               <m:ctrlPr>
-                                <a:rPr lang="en-US" sz="2400" b="0" i="1" smtClean="0">
+                                <a:rPr lang="en-US" sz="2000" b="0" i="1" smtClean="0">
                                   <a:solidFill>
                                     <a:schemeClr val="tx1"/>
                                   </a:solidFill>
@@ -7091,7 +6343,7 @@
                               <m:f>
                                 <m:fPr>
                                   <m:ctrlPr>
-                                    <a:rPr lang="en-US" sz="2400" b="0" i="1" smtClean="0">
+                                    <a:rPr lang="en-US" sz="2000" b="0" i="1" smtClean="0">
                                       <a:solidFill>
                                         <a:schemeClr val="tx1"/>
                                       </a:solidFill>
@@ -7102,7 +6354,7 @@
                                 </m:fPr>
                                 <m:num>
                                   <m:r>
-                                    <a:rPr lang="en-US" sz="2400" b="0" i="1" smtClean="0">
+                                    <a:rPr lang="en-US" sz="2000" b="0" i="1" smtClean="0">
                                       <a:solidFill>
                                         <a:schemeClr val="tx1"/>
                                       </a:solidFill>
@@ -7114,7 +6366,7 @@
                                 </m:num>
                                 <m:den>
                                   <m:r>
-                                    <a:rPr lang="en-US" sz="2400" b="0" i="1" smtClean="0">
+                                    <a:rPr lang="en-US" sz="2000" b="0" i="1" smtClean="0">
                                       <a:solidFill>
                                         <a:schemeClr val="tx1"/>
                                       </a:solidFill>
@@ -7130,7 +6382,7 @@
                         </m:e>
                         <m:sup>
                           <m:r>
-                            <a:rPr lang="en-US" sz="2400" b="0" i="1" smtClean="0">
+                            <a:rPr lang="en-US" sz="2000" b="0" i="1" smtClean="0">
                               <a:solidFill>
                                 <a:schemeClr val="tx1"/>
                               </a:solidFill>
@@ -7142,7 +6394,7 @@
                         </m:sup>
                       </m:sSup>
                       <m:r>
-                        <a:rPr lang="en-US" sz="2400" b="0" i="1" smtClean="0">
+                        <a:rPr lang="en-US" sz="2000" b="0" i="1" smtClean="0">
                           <a:solidFill>
                             <a:schemeClr val="tx1"/>
                           </a:solidFill>
@@ -7154,7 +6406,7 @@
                       <m:sSup>
                         <m:sSupPr>
                           <m:ctrlPr>
-                            <a:rPr lang="en-US" sz="2400" b="0" i="1" smtClean="0">
+                            <a:rPr lang="en-US" sz="2000" b="0" i="1" smtClean="0">
                               <a:solidFill>
                                 <a:schemeClr val="tx1"/>
                               </a:solidFill>
@@ -7167,7 +6419,7 @@
                           <m:d>
                             <m:dPr>
                               <m:ctrlPr>
-                                <a:rPr lang="en-US" sz="2400" b="0" i="1" smtClean="0">
+                                <a:rPr lang="en-US" sz="2000" b="0" i="1" smtClean="0">
                                   <a:solidFill>
                                     <a:schemeClr val="tx1"/>
                                   </a:solidFill>
@@ -7180,7 +6432,7 @@
                               <m:f>
                                 <m:fPr>
                                   <m:ctrlPr>
-                                    <a:rPr lang="en-US" sz="2400" b="0" i="1" smtClean="0">
+                                    <a:rPr lang="en-US" sz="2000" b="0" i="1" smtClean="0">
                                       <a:solidFill>
                                         <a:schemeClr val="tx1"/>
                                       </a:solidFill>
@@ -7191,7 +6443,7 @@
                                 </m:fPr>
                                 <m:num>
                                   <m:r>
-                                    <a:rPr lang="en-US" sz="2400" b="0" i="1" smtClean="0">
+                                    <a:rPr lang="en-US" sz="2000" b="0" i="1" smtClean="0">
                                       <a:solidFill>
                                         <a:schemeClr val="tx1"/>
                                       </a:solidFill>
@@ -7203,7 +6455,7 @@
                                 </m:num>
                                 <m:den>
                                   <m:r>
-                                    <a:rPr lang="en-US" sz="2400" b="0" i="1" smtClean="0">
+                                    <a:rPr lang="en-US" sz="2000" b="0" i="1" smtClean="0">
                                       <a:solidFill>
                                         <a:schemeClr val="tx1"/>
                                       </a:solidFill>
@@ -7219,7 +6471,7 @@
                         </m:e>
                         <m:sup>
                           <m:r>
-                            <a:rPr lang="en-US" sz="2400" b="0" i="1" smtClean="0">
+                            <a:rPr lang="en-US" sz="2000" b="0" i="1" smtClean="0">
                               <a:solidFill>
                                 <a:schemeClr val="tx1"/>
                               </a:solidFill>
@@ -7231,7 +6483,7 @@
                         </m:sup>
                       </m:sSup>
                       <m:r>
-                        <a:rPr lang="en-US" sz="2400" b="0" i="1" smtClean="0">
+                        <a:rPr lang="en-US" sz="2000" b="0" i="1" smtClean="0">
                           <a:solidFill>
                             <a:schemeClr val="tx1"/>
                           </a:solidFill>
@@ -7243,7 +6495,7 @@
                     </m:oMath>
                   </m:oMathPara>
                 </a14:m>
-                <a:endParaRPr lang="en-US" sz="2400" dirty="0">
+                <a:endParaRPr lang="en-US" sz="2000" dirty="0">
                   <a:solidFill>
                     <a:schemeClr val="tx1"/>
                   </a:solidFill>
@@ -7251,107 +6503,10 @@
                 </a:endParaRPr>
               </a:p>
               <a:p>
-                <a:endParaRPr lang="en-US" sz="2400" i="1" dirty="0">
-                  <a:latin typeface="Cambria Math" panose="02040503050406030204" pitchFamily="18" charset="0"/>
-                </a:endParaRPr>
-              </a:p>
-              <a:p>
-                <a:r>
-                  <a:rPr lang="en-US" sz="2400" dirty="0">
-                    <a:latin typeface="FreightSans Pro Book" panose="02000606030000020004" pitchFamily="2" charset="0"/>
-                  </a:rPr>
-                  <a:t>This interaction is </a:t>
-                </a:r>
-                <a:r>
-                  <a:rPr lang="en-US" sz="2400" dirty="0">
-                    <a:solidFill>
-                      <a:srgbClr val="C28220"/>
-                    </a:solidFill>
-                    <a:latin typeface="FreightMicro Pro Book" panose="02000603020000020004" pitchFamily="2" charset="0"/>
-                  </a:rPr>
-                  <a:t>pairwise</a:t>
-                </a:r>
-                <a:r>
-                  <a:rPr lang="en-US" sz="2400" dirty="0">
-                    <a:latin typeface="FreightSans Pro Book" panose="02000606030000020004" pitchFamily="2" charset="0"/>
-                  </a:rPr>
-                  <a:t>, meaning it occurs between two particles.</a:t>
-                </a:r>
-              </a:p>
-              <a:p>
-                <a:endParaRPr lang="en-US" sz="2400" i="1" dirty="0">
-                  <a:latin typeface="Cambria Math" panose="02040503050406030204" pitchFamily="18" charset="0"/>
-                </a:endParaRPr>
-              </a:p>
-              <a:p>
-                <a14:m>
-                  <m:oMath xmlns:m="http://schemas.openxmlformats.org/officeDocument/2006/math">
-                    <m:r>
-                      <a:rPr lang="en-US" sz="2400" i="1">
-                        <a:latin typeface="Cambria Math" panose="02040503050406030204" pitchFamily="18" charset="0"/>
-                      </a:rPr>
-                      <m:t>𝑟</m:t>
-                    </m:r>
-                  </m:oMath>
-                </a14:m>
-                <a:r>
-                  <a:rPr lang="en-US" sz="2400" i="1" dirty="0">
-                    <a:latin typeface="Cambria Math" panose="02040503050406030204" pitchFamily="18" charset="0"/>
-                    <a:ea typeface="Cambria Math" panose="02040503050406030204" pitchFamily="18" charset="0"/>
-                  </a:rPr>
-                  <a:t> – </a:t>
-                </a:r>
-                <a:r>
-                  <a:rPr lang="en-US" sz="2400" dirty="0">
-                    <a:latin typeface="Cambria Math" panose="02040503050406030204" pitchFamily="18" charset="0"/>
-                    <a:ea typeface="Cambria Math" panose="02040503050406030204" pitchFamily="18" charset="0"/>
-                  </a:rPr>
-                  <a:t>distance between two particles</a:t>
-                </a:r>
-              </a:p>
-              <a:p>
-                <a14:m>
-                  <m:oMath xmlns:m="http://schemas.openxmlformats.org/officeDocument/2006/math">
-                    <m:r>
-                      <a:rPr lang="en-US" sz="2400" i="1">
-                        <a:latin typeface="Cambria Math" panose="02040503050406030204" pitchFamily="18" charset="0"/>
-                        <a:ea typeface="Cambria Math" panose="02040503050406030204" pitchFamily="18" charset="0"/>
-                      </a:rPr>
-                      <m:t>𝜀</m:t>
-                    </m:r>
-                  </m:oMath>
-                </a14:m>
-                <a:r>
-                  <a:rPr lang="en-US" sz="2400" dirty="0">
-                    <a:solidFill>
-                      <a:schemeClr val="tx1"/>
-                    </a:solidFill>
-                    <a:latin typeface="FreightMicro Pro Book" panose="02000603020000020004" pitchFamily="2" charset="0"/>
-                  </a:rPr>
-                  <a:t> – strength of particle interaction</a:t>
-                </a:r>
-              </a:p>
-              <a:p>
-                <a14:m>
-                  <m:oMath xmlns:m="http://schemas.openxmlformats.org/officeDocument/2006/math">
-                    <m:r>
-                      <a:rPr lang="en-US" sz="2400" i="1">
-                        <a:latin typeface="Cambria Math" panose="02040503050406030204" pitchFamily="18" charset="0"/>
-                        <a:ea typeface="Cambria Math" panose="02040503050406030204" pitchFamily="18" charset="0"/>
-                      </a:rPr>
-                      <m:t>𝜎</m:t>
-                    </m:r>
-                  </m:oMath>
-                </a14:m>
-                <a:r>
-                  <a:rPr lang="en-US" sz="2400" dirty="0">
-                    <a:solidFill>
-                      <a:schemeClr val="tx1"/>
-                    </a:solidFill>
-                    <a:latin typeface="FreightMicro Pro Book" panose="02000603020000020004" pitchFamily="2" charset="0"/>
-                  </a:rPr>
-                  <a:t> – particle size</a:t>
-                </a:r>
+                <a:pPr marL="457200" lvl="1" indent="0">
+                  <a:buNone/>
+                </a:pPr>
+                <a:endParaRPr lang="en-US" dirty="0"/>
               </a:p>
             </p:txBody>
           </p:sp>
@@ -7359,869 +6514,29 @@
         <mc:Fallback>
           <p:sp>
             <p:nvSpPr>
-              <p:cNvPr id="7" name="TextBox 6">
+              <p:cNvPr id="5" name="Content Placeholder 4">
                 <a:extLst>
                   <a:ext uri="{FF2B5EF4-FFF2-40B4-BE49-F238E27FC236}">
-                    <a16:creationId xmlns:a16="http://schemas.microsoft.com/office/drawing/2014/main" id="{E10C0955-D55B-5341-8556-958E59CEA13C}"/>
-                  </a:ext>
-                </a:extLst>
-              </p:cNvPr>
-              <p:cNvSpPr txBox="1">
-                <a:spLocks noRot="1" noChangeAspect="1" noMove="1" noResize="1" noEditPoints="1" noAdjustHandles="1" noChangeArrowheads="1" noChangeShapeType="1" noTextEdit="1"/>
-              </p:cNvSpPr>
-              <p:nvPr/>
-            </p:nvSpPr>
-            <p:spPr>
-              <a:xfrm>
-                <a:off x="735108" y="1780200"/>
-                <a:ext cx="10524132" cy="3747564"/>
-              </a:xfrm>
-              <a:prstGeom prst="rect">
-                <a:avLst/>
-              </a:prstGeom>
-              <a:blipFill>
-                <a:blip r:embed="rId2"/>
-                <a:stretch>
-                  <a:fillRect l="-965" t="-1351" b="-3041"/>
-                </a:stretch>
-              </a:blipFill>
-            </p:spPr>
-            <p:txBody>
-              <a:bodyPr/>
-              <a:lstStyle/>
-              <a:p>
-                <a:r>
-                  <a:rPr lang="en-US">
-                    <a:noFill/>
-                  </a:rPr>
-                  <a:t> </a:t>
-                </a:r>
-              </a:p>
-            </p:txBody>
-          </p:sp>
-        </mc:Fallback>
-      </mc:AlternateContent>
-      <mc:AlternateContent xmlns:mc="http://schemas.openxmlformats.org/markup-compatibility/2006">
-        <mc:Choice xmlns:a14="http://schemas.microsoft.com/office/drawing/2010/main" Requires="a14">
-          <p:sp>
-            <p:nvSpPr>
-              <p:cNvPr id="8" name="Rectangle 7">
-                <a:extLst>
-                  <a:ext uri="{FF2B5EF4-FFF2-40B4-BE49-F238E27FC236}">
-                    <a16:creationId xmlns:a16="http://schemas.microsoft.com/office/drawing/2014/main" id="{E45FE251-C74A-5D45-9D5D-92B48623B726}"/>
-                  </a:ext>
-                </a:extLst>
-              </p:cNvPr>
-              <p:cNvSpPr/>
-              <p:nvPr/>
-            </p:nvSpPr>
-            <p:spPr>
-              <a:xfrm>
-                <a:off x="5997174" y="4442266"/>
-                <a:ext cx="2519285" cy="1200329"/>
-              </a:xfrm>
-              <a:prstGeom prst="rect">
-                <a:avLst/>
-              </a:prstGeom>
-            </p:spPr>
-            <p:txBody>
-              <a:bodyPr wrap="square">
-                <a:spAutoFit/>
-              </a:bodyPr>
-              <a:lstStyle/>
-              <a:p>
-                <a:pPr algn="ctr"/>
-                <a14:m>
-                  <m:oMath xmlns:m="http://schemas.openxmlformats.org/officeDocument/2006/math">
-                    <m:r>
-                      <a:rPr lang="en-US" i="1">
-                        <a:latin typeface="Cambria Math" panose="02040503050406030204" pitchFamily="18" charset="0"/>
-                        <a:ea typeface="Cambria Math" panose="02040503050406030204" pitchFamily="18" charset="0"/>
-                      </a:rPr>
-                      <m:t>𝜀</m:t>
-                    </m:r>
-                  </m:oMath>
-                </a14:m>
-                <a:r>
-                  <a:rPr lang="en-US" dirty="0">
-                    <a:latin typeface="FreightMicro Pro Book" panose="02000603020000020004" pitchFamily="2" charset="0"/>
-                  </a:rPr>
-                  <a:t>  and </a:t>
-                </a:r>
-                <a14:m>
-                  <m:oMath xmlns:m="http://schemas.openxmlformats.org/officeDocument/2006/math">
-                    <m:r>
-                      <a:rPr lang="en-US" i="1">
-                        <a:latin typeface="Cambria Math" panose="02040503050406030204" pitchFamily="18" charset="0"/>
-                        <a:ea typeface="Cambria Math" panose="02040503050406030204" pitchFamily="18" charset="0"/>
-                      </a:rPr>
-                      <m:t>𝜎</m:t>
-                    </m:r>
-                  </m:oMath>
-                </a14:m>
-                <a:r>
-                  <a:rPr lang="en-US" dirty="0">
-                    <a:latin typeface="FreightMicro Pro Book" panose="02000603020000020004" pitchFamily="2" charset="0"/>
-                  </a:rPr>
-                  <a:t> – are parameters which are dependent on particle identity</a:t>
-                </a:r>
-              </a:p>
-            </p:txBody>
-          </p:sp>
-        </mc:Choice>
-        <mc:Fallback>
-          <p:sp>
-            <p:nvSpPr>
-              <p:cNvPr id="8" name="Rectangle 7">
-                <a:extLst>
-                  <a:ext uri="{FF2B5EF4-FFF2-40B4-BE49-F238E27FC236}">
-                    <a16:creationId xmlns:a16="http://schemas.microsoft.com/office/drawing/2014/main" id="{E45FE251-C74A-5D45-9D5D-92B48623B726}"/>
+                    <a16:creationId xmlns:a16="http://schemas.microsoft.com/office/drawing/2014/main" id="{6D9041EE-5DE4-5CFD-3496-0ED01989DCDE}"/>
                   </a:ext>
                 </a:extLst>
               </p:cNvPr>
               <p:cNvSpPr>
-                <a:spLocks noRot="1" noChangeAspect="1" noMove="1" noResize="1" noEditPoints="1" noAdjustHandles="1" noChangeArrowheads="1" noChangeShapeType="1" noTextEdit="1"/>
+                <a:spLocks noGrp="1" noRot="1" noChangeAspect="1" noMove="1" noResize="1" noEditPoints="1" noAdjustHandles="1" noChangeArrowheads="1" noChangeShapeType="1" noTextEdit="1"/>
               </p:cNvSpPr>
-              <p:nvPr/>
+              <p:nvPr>
+                <p:ph idx="1"/>
+              </p:nvPr>
             </p:nvSpPr>
             <p:spPr>
               <a:xfrm>
-                <a:off x="5997174" y="4442266"/>
-                <a:ext cx="2519285" cy="1200329"/>
+                <a:off x="3393141" y="4950721"/>
+                <a:ext cx="5105400" cy="831514"/>
               </a:xfrm>
-              <a:prstGeom prst="rect">
-                <a:avLst/>
-              </a:prstGeom>
               <a:blipFill>
                 <a:blip r:embed="rId3"/>
                 <a:stretch>
-                  <a:fillRect t="-2083" r="-1005" b="-7292"/>
-                </a:stretch>
-              </a:blipFill>
-            </p:spPr>
-            <p:txBody>
-              <a:bodyPr/>
-              <a:lstStyle/>
-              <a:p>
-                <a:r>
-                  <a:rPr lang="en-US">
-                    <a:noFill/>
-                  </a:rPr>
-                  <a:t> </a:t>
-                </a:r>
-              </a:p>
-            </p:txBody>
-          </p:sp>
-        </mc:Fallback>
-      </mc:AlternateContent>
-      <p:sp>
-        <p:nvSpPr>
-          <p:cNvPr id="9" name="TextBox 8">
-            <a:extLst>
-              <a:ext uri="{FF2B5EF4-FFF2-40B4-BE49-F238E27FC236}">
-                <a16:creationId xmlns:a16="http://schemas.microsoft.com/office/drawing/2014/main" id="{64B9AED2-E757-5D44-BBD8-6525C98197D6}"/>
-              </a:ext>
-            </a:extLst>
-          </p:cNvPr>
-          <p:cNvSpPr txBox="1"/>
-          <p:nvPr/>
-        </p:nvSpPr>
-        <p:spPr>
-          <a:xfrm>
-            <a:off x="2384760" y="6088566"/>
-            <a:ext cx="6142387" cy="646331"/>
-          </a:xfrm>
-          <a:prstGeom prst="rect">
-            <a:avLst/>
-          </a:prstGeom>
-          <a:noFill/>
-        </p:spPr>
-        <p:txBody>
-          <a:bodyPr wrap="none" rtlCol="0">
-            <a:spAutoFit/>
-          </a:bodyPr>
-          <a:lstStyle/>
-          <a:p>
-            <a:r>
-              <a:rPr lang="en-US" dirty="0">
-                <a:solidFill>
-                  <a:schemeClr val="bg1"/>
-                </a:solidFill>
-              </a:rPr>
-              <a:t>First proposed in 1924. You can read the paper:</a:t>
-            </a:r>
-          </a:p>
-          <a:p>
-            <a:r>
-              <a:rPr lang="en-US" dirty="0">
-                <a:solidFill>
-                  <a:schemeClr val="bg1"/>
-                </a:solidFill>
-              </a:rPr>
-              <a:t>https://</a:t>
-            </a:r>
-            <a:r>
-              <a:rPr lang="en-US" dirty="0" err="1">
-                <a:solidFill>
-                  <a:schemeClr val="bg1"/>
-                </a:solidFill>
-              </a:rPr>
-              <a:t>royalsocietypublishing.org</a:t>
-            </a:r>
-            <a:r>
-              <a:rPr lang="en-US" dirty="0">
-                <a:solidFill>
-                  <a:schemeClr val="bg1"/>
-                </a:solidFill>
-              </a:rPr>
-              <a:t>/</a:t>
-            </a:r>
-            <a:r>
-              <a:rPr lang="en-US" dirty="0" err="1">
-                <a:solidFill>
-                  <a:schemeClr val="bg1"/>
-                </a:solidFill>
-              </a:rPr>
-              <a:t>doi</a:t>
-            </a:r>
-            <a:r>
-              <a:rPr lang="en-US" dirty="0">
-                <a:solidFill>
-                  <a:schemeClr val="bg1"/>
-                </a:solidFill>
-              </a:rPr>
-              <a:t>/10.1098/rspa.1924.0081</a:t>
-            </a:r>
-          </a:p>
-        </p:txBody>
-      </p:sp>
-    </p:spTree>
-    <p:extLst>
-      <p:ext uri="{BB962C8B-B14F-4D97-AF65-F5344CB8AC3E}">
-        <p14:creationId xmlns:p14="http://schemas.microsoft.com/office/powerpoint/2010/main" val="1374241526"/>
-      </p:ext>
-    </p:extLst>
-  </p:cSld>
-  <p:clrMapOvr>
-    <a:masterClrMapping/>
-  </p:clrMapOvr>
-</p:sld>
-</file>
-
-<file path=ppt/slides/slide6.xml><?xml version="1.0" encoding="utf-8"?>
-<p:sld xmlns:a="http://schemas.openxmlformats.org/drawingml/2006/main" xmlns:r="http://schemas.openxmlformats.org/officeDocument/2006/relationships" xmlns:p="http://schemas.openxmlformats.org/presentationml/2006/main">
-  <p:cSld>
-    <p:spTree>
-      <p:nvGrpSpPr>
-        <p:cNvPr id="1" name=""/>
-        <p:cNvGrpSpPr/>
-        <p:nvPr/>
-      </p:nvGrpSpPr>
-      <p:grpSpPr>
-        <a:xfrm>
-          <a:off x="0" y="0"/>
-          <a:ext cx="0" cy="0"/>
-          <a:chOff x="0" y="0"/>
-          <a:chExt cx="0" cy="0"/>
-        </a:xfrm>
-      </p:grpSpPr>
-      <p:pic>
-        <p:nvPicPr>
-          <p:cNvPr id="4" name="Picture 3">
-            <a:extLst>
-              <a:ext uri="{FF2B5EF4-FFF2-40B4-BE49-F238E27FC236}">
-                <a16:creationId xmlns:a16="http://schemas.microsoft.com/office/drawing/2014/main" id="{45496678-9DB0-FC41-8CE1-E87E153E9A09}"/>
-              </a:ext>
-            </a:extLst>
-          </p:cNvPr>
-          <p:cNvPicPr>
-            <a:picLocks noChangeAspect="1"/>
-          </p:cNvPicPr>
-          <p:nvPr/>
-        </p:nvPicPr>
-        <p:blipFill>
-          <a:blip r:embed="rId2"/>
-          <a:srcRect/>
-          <a:stretch/>
-        </p:blipFill>
-        <p:spPr>
-          <a:xfrm>
-            <a:off x="5510979" y="1966392"/>
-            <a:ext cx="3857878" cy="3857878"/>
-          </a:xfrm>
-          <a:prstGeom prst="rect">
-            <a:avLst/>
-          </a:prstGeom>
-        </p:spPr>
-      </p:pic>
-      <p:sp>
-        <p:nvSpPr>
-          <p:cNvPr id="6" name="TextBox 5">
-            <a:extLst>
-              <a:ext uri="{FF2B5EF4-FFF2-40B4-BE49-F238E27FC236}">
-                <a16:creationId xmlns:a16="http://schemas.microsoft.com/office/drawing/2014/main" id="{2E35BFB6-59AE-D94B-8319-81870F3747FF}"/>
-              </a:ext>
-            </a:extLst>
-          </p:cNvPr>
-          <p:cNvSpPr txBox="1"/>
-          <p:nvPr/>
-        </p:nvSpPr>
-        <p:spPr>
-          <a:xfrm>
-            <a:off x="735107" y="1133869"/>
-            <a:ext cx="8009500" cy="646331"/>
-          </a:xfrm>
-          <a:prstGeom prst="rect">
-            <a:avLst/>
-          </a:prstGeom>
-          <a:noFill/>
-        </p:spPr>
-        <p:txBody>
-          <a:bodyPr wrap="square" rtlCol="0">
-            <a:spAutoFit/>
-          </a:bodyPr>
-          <a:lstStyle/>
-          <a:p>
-            <a:endParaRPr lang="en-US" dirty="0"/>
-          </a:p>
-          <a:p>
-            <a:pPr marL="285750" indent="-285750">
-              <a:buFont typeface="Arial" panose="020B0604020202020204" pitchFamily="34" charset="0"/>
-              <a:buChar char="•"/>
-            </a:pPr>
-            <a:endParaRPr lang="en-US" dirty="0"/>
-          </a:p>
-        </p:txBody>
-      </p:sp>
-      <p:sp>
-        <p:nvSpPr>
-          <p:cNvPr id="7" name="Title 2">
-            <a:extLst>
-              <a:ext uri="{FF2B5EF4-FFF2-40B4-BE49-F238E27FC236}">
-                <a16:creationId xmlns:a16="http://schemas.microsoft.com/office/drawing/2014/main" id="{9C5A7A2B-698E-5844-85AA-C27DDACA30E8}"/>
-              </a:ext>
-            </a:extLst>
-          </p:cNvPr>
-          <p:cNvSpPr txBox="1">
-            <a:spLocks/>
-          </p:cNvSpPr>
-          <p:nvPr/>
-        </p:nvSpPr>
-        <p:spPr>
-          <a:xfrm>
-            <a:off x="625475" y="571500"/>
-            <a:ext cx="8228763" cy="1144631"/>
-          </a:xfrm>
-          <a:prstGeom prst="rect">
-            <a:avLst/>
-          </a:prstGeom>
-        </p:spPr>
-        <p:txBody>
-          <a:bodyPr vert="horz" lIns="91440" tIns="45720" rIns="91440" bIns="45720" rtlCol="0" anchor="b">
-            <a:normAutofit fontScale="85000" lnSpcReduction="10000"/>
-          </a:bodyPr>
-          <a:lstStyle>
-            <a:lvl1pPr algn="ctr" defTabSz="457200" rtl="0" eaLnBrk="1" latinLnBrk="0" hangingPunct="1">
-              <a:spcBef>
-                <a:spcPct val="0"/>
-              </a:spcBef>
-              <a:buNone/>
-              <a:defRPr sz="6000" b="0" i="0" kern="1200">
-                <a:solidFill>
-                  <a:srgbClr val="C28220"/>
-                </a:solidFill>
-                <a:latin typeface="Lucida Grande Regular" panose="020B0600040502020204" pitchFamily="34" charset="0"/>
-                <a:ea typeface="+mj-ea"/>
-                <a:cs typeface="Lucida Grande Regular" panose="020B0600040502020204" pitchFamily="34" charset="0"/>
-              </a:defRPr>
-            </a:lvl1pPr>
-          </a:lstStyle>
-          <a:p>
-            <a:r>
-              <a:rPr lang="en-US" dirty="0">
-                <a:latin typeface="FreightMicro Pro Book" panose="02000603020000020004" pitchFamily="2" charset="0"/>
-              </a:rPr>
-              <a:t>The Lennard Jones Potential</a:t>
-            </a:r>
-          </a:p>
-        </p:txBody>
-      </p:sp>
-      <mc:AlternateContent xmlns:mc="http://schemas.openxmlformats.org/markup-compatibility/2006">
-        <mc:Choice xmlns:a14="http://schemas.microsoft.com/office/drawing/2010/main" Requires="a14">
-          <p:sp>
-            <p:nvSpPr>
-              <p:cNvPr id="8" name="Rectangle 7">
-                <a:extLst>
-                  <a:ext uri="{FF2B5EF4-FFF2-40B4-BE49-F238E27FC236}">
-                    <a16:creationId xmlns:a16="http://schemas.microsoft.com/office/drawing/2014/main" id="{9CAFC2A9-9C4C-0E42-9340-245197AB310E}"/>
-                  </a:ext>
-                </a:extLst>
-              </p:cNvPr>
-              <p:cNvSpPr/>
-              <p:nvPr/>
-            </p:nvSpPr>
-            <p:spPr>
-              <a:xfrm>
-                <a:off x="9213280" y="2747591"/>
-                <a:ext cx="2800242" cy="923330"/>
-              </a:xfrm>
-              <a:prstGeom prst="rect">
-                <a:avLst/>
-              </a:prstGeom>
-            </p:spPr>
-            <p:txBody>
-              <a:bodyPr wrap="square">
-                <a:spAutoFit/>
-              </a:bodyPr>
-              <a:lstStyle/>
-              <a:p>
-                <a:pPr algn="ctr"/>
-                <a14:m>
-                  <m:oMath xmlns:m="http://schemas.openxmlformats.org/officeDocument/2006/math">
-                    <m:r>
-                      <a:rPr lang="en-US" i="1">
-                        <a:latin typeface="Cambria Math" panose="02040503050406030204" pitchFamily="18" charset="0"/>
-                        <a:ea typeface="Cambria Math" panose="02040503050406030204" pitchFamily="18" charset="0"/>
-                      </a:rPr>
-                      <m:t>𝜀</m:t>
-                    </m:r>
-                  </m:oMath>
-                </a14:m>
-                <a:r>
-                  <a:rPr lang="en-US" dirty="0">
-                    <a:latin typeface="FreightMicro Pro Book" panose="02000603020000020004" pitchFamily="2" charset="0"/>
-                  </a:rPr>
-                  <a:t>  and </a:t>
-                </a:r>
-                <a14:m>
-                  <m:oMath xmlns:m="http://schemas.openxmlformats.org/officeDocument/2006/math">
-                    <m:r>
-                      <a:rPr lang="en-US" i="1">
-                        <a:latin typeface="Cambria Math" panose="02040503050406030204" pitchFamily="18" charset="0"/>
-                        <a:ea typeface="Cambria Math" panose="02040503050406030204" pitchFamily="18" charset="0"/>
-                      </a:rPr>
-                      <m:t>𝜎</m:t>
-                    </m:r>
-                  </m:oMath>
-                </a14:m>
-                <a:r>
-                  <a:rPr lang="en-US" dirty="0">
-                    <a:latin typeface="FreightMicro Pro Book" panose="02000603020000020004" pitchFamily="2" charset="0"/>
-                  </a:rPr>
-                  <a:t> – are parameters which are dependent on particle identity</a:t>
-                </a:r>
-              </a:p>
-            </p:txBody>
-          </p:sp>
-        </mc:Choice>
-        <mc:Fallback>
-          <p:sp>
-            <p:nvSpPr>
-              <p:cNvPr id="8" name="Rectangle 7">
-                <a:extLst>
-                  <a:ext uri="{FF2B5EF4-FFF2-40B4-BE49-F238E27FC236}">
-                    <a16:creationId xmlns:a16="http://schemas.microsoft.com/office/drawing/2014/main" id="{9CAFC2A9-9C4C-0E42-9340-245197AB310E}"/>
-                  </a:ext>
-                </a:extLst>
-              </p:cNvPr>
-              <p:cNvSpPr>
-                <a:spLocks noRot="1" noChangeAspect="1" noMove="1" noResize="1" noEditPoints="1" noAdjustHandles="1" noChangeArrowheads="1" noChangeShapeType="1" noTextEdit="1"/>
-              </p:cNvSpPr>
-              <p:nvPr/>
-            </p:nvSpPr>
-            <p:spPr>
-              <a:xfrm>
-                <a:off x="9213280" y="2747591"/>
-                <a:ext cx="2800242" cy="923330"/>
-              </a:xfrm>
-              <a:prstGeom prst="rect">
-                <a:avLst/>
-              </a:prstGeom>
-              <a:blipFill>
-                <a:blip r:embed="rId3"/>
-                <a:stretch>
-                  <a:fillRect t="-2740" r="-1802" b="-10959"/>
-                </a:stretch>
-              </a:blipFill>
-            </p:spPr>
-            <p:txBody>
-              <a:bodyPr/>
-              <a:lstStyle/>
-              <a:p>
-                <a:r>
-                  <a:rPr lang="en-US">
-                    <a:noFill/>
-                  </a:rPr>
-                  <a:t> </a:t>
-                </a:r>
-              </a:p>
-            </p:txBody>
-          </p:sp>
-        </mc:Fallback>
-      </mc:AlternateContent>
-      <p:pic>
-        <p:nvPicPr>
-          <p:cNvPr id="9" name="Picture 8">
-            <a:extLst>
-              <a:ext uri="{FF2B5EF4-FFF2-40B4-BE49-F238E27FC236}">
-                <a16:creationId xmlns:a16="http://schemas.microsoft.com/office/drawing/2014/main" id="{C0CBB020-EF87-3645-8594-DA49640A70F5}"/>
-              </a:ext>
-            </a:extLst>
-          </p:cNvPr>
-          <p:cNvPicPr>
-            <a:picLocks noChangeAspect="1"/>
-          </p:cNvPicPr>
-          <p:nvPr/>
-        </p:nvPicPr>
-        <p:blipFill>
-          <a:blip r:embed="rId4"/>
-          <a:srcRect/>
-          <a:stretch/>
-        </p:blipFill>
-        <p:spPr>
-          <a:xfrm>
-            <a:off x="1578599" y="2066531"/>
-            <a:ext cx="3657600" cy="3657600"/>
-          </a:xfrm>
-          <a:prstGeom prst="rect">
-            <a:avLst/>
-          </a:prstGeom>
-        </p:spPr>
-      </p:pic>
-      <mc:AlternateContent xmlns:mc="http://schemas.openxmlformats.org/markup-compatibility/2006">
-        <mc:Choice xmlns:a14="http://schemas.microsoft.com/office/drawing/2010/main" Requires="a14">
-          <p:sp>
-            <p:nvSpPr>
-              <p:cNvPr id="10" name="TextBox 9">
-                <a:extLst>
-                  <a:ext uri="{FF2B5EF4-FFF2-40B4-BE49-F238E27FC236}">
-                    <a16:creationId xmlns:a16="http://schemas.microsoft.com/office/drawing/2014/main" id="{4686D3F6-A5AD-6049-A230-BBD02ECECF07}"/>
-                  </a:ext>
-                </a:extLst>
-              </p:cNvPr>
-              <p:cNvSpPr txBox="1"/>
-              <p:nvPr/>
-            </p:nvSpPr>
-            <p:spPr>
-              <a:xfrm>
-                <a:off x="994212" y="1670075"/>
-                <a:ext cx="7750394" cy="792909"/>
-              </a:xfrm>
-              <a:prstGeom prst="rect">
-                <a:avLst/>
-              </a:prstGeom>
-              <a:noFill/>
-            </p:spPr>
-            <p:txBody>
-              <a:bodyPr wrap="square" rtlCol="0">
-                <a:spAutoFit/>
-              </a:bodyPr>
-              <a:lstStyle/>
-              <a:p>
-                <a:pPr/>
-                <a14:m>
-                  <m:oMathPara xmlns:m="http://schemas.openxmlformats.org/officeDocument/2006/math">
-                    <m:oMathParaPr>
-                      <m:jc m:val="centerGroup"/>
-                    </m:oMathParaPr>
-                    <m:oMath xmlns:m="http://schemas.openxmlformats.org/officeDocument/2006/math">
-                      <m:r>
-                        <a:rPr lang="en-US" sz="2400" b="0" i="1" smtClean="0">
-                          <a:solidFill>
-                            <a:schemeClr val="tx1"/>
-                          </a:solidFill>
-                          <a:latin typeface="Cambria Math" panose="02040503050406030204" pitchFamily="18" charset="0"/>
-                        </a:rPr>
-                        <m:t>𝑄</m:t>
-                      </m:r>
-                      <m:r>
-                        <a:rPr lang="en-US" sz="2400" b="0" i="1" smtClean="0">
-                          <a:solidFill>
-                            <a:schemeClr val="tx1"/>
-                          </a:solidFill>
-                          <a:latin typeface="Cambria Math" panose="02040503050406030204" pitchFamily="18" charset="0"/>
-                        </a:rPr>
-                        <m:t>= </m:t>
-                      </m:r>
-                      <m:r>
-                        <a:rPr lang="en-US" sz="2400" b="0" i="1" smtClean="0">
-                          <a:solidFill>
-                            <a:schemeClr val="tx1"/>
-                          </a:solidFill>
-                          <a:latin typeface="Cambria Math" panose="02040503050406030204" pitchFamily="18" charset="0"/>
-                        </a:rPr>
-                        <m:t>𝑈</m:t>
-                      </m:r>
-                      <m:d>
-                        <m:dPr>
-                          <m:ctrlPr>
-                            <a:rPr lang="en-US" sz="2400" b="0" i="1" smtClean="0">
-                              <a:solidFill>
-                                <a:schemeClr val="tx1"/>
-                              </a:solidFill>
-                              <a:latin typeface="Cambria Math" panose="02040503050406030204" pitchFamily="18" charset="0"/>
-                            </a:rPr>
-                          </m:ctrlPr>
-                        </m:dPr>
-                        <m:e>
-                          <m:r>
-                            <a:rPr lang="en-US" sz="2400" b="0" i="1" smtClean="0">
-                              <a:solidFill>
-                                <a:schemeClr val="tx1"/>
-                              </a:solidFill>
-                              <a:latin typeface="Cambria Math" panose="02040503050406030204" pitchFamily="18" charset="0"/>
-                            </a:rPr>
-                            <m:t>𝑟</m:t>
-                          </m:r>
-                        </m:e>
-                      </m:d>
-                      <m:r>
-                        <a:rPr lang="en-US" sz="2400" b="0" i="1" smtClean="0">
-                          <a:solidFill>
-                            <a:schemeClr val="tx1"/>
-                          </a:solidFill>
-                          <a:latin typeface="Cambria Math" panose="02040503050406030204" pitchFamily="18" charset="0"/>
-                        </a:rPr>
-                        <m:t>=4</m:t>
-                      </m:r>
-                      <m:r>
-                        <a:rPr lang="en-US" sz="2400" b="0" i="1" smtClean="0">
-                          <a:solidFill>
-                            <a:schemeClr val="tx1"/>
-                          </a:solidFill>
-                          <a:latin typeface="Cambria Math" panose="02040503050406030204" pitchFamily="18" charset="0"/>
-                          <a:ea typeface="Cambria Math" panose="02040503050406030204" pitchFamily="18" charset="0"/>
-                        </a:rPr>
-                        <m:t>𝜀</m:t>
-                      </m:r>
-                      <m:r>
-                        <a:rPr lang="en-US" sz="2400" b="0" i="1" smtClean="0">
-                          <a:solidFill>
-                            <a:schemeClr val="tx1"/>
-                          </a:solidFill>
-                          <a:latin typeface="Cambria Math" panose="02040503050406030204" pitchFamily="18" charset="0"/>
-                          <a:ea typeface="Cambria Math" panose="02040503050406030204" pitchFamily="18" charset="0"/>
-                        </a:rPr>
-                        <m:t>[ </m:t>
-                      </m:r>
-                      <m:sSup>
-                        <m:sSupPr>
-                          <m:ctrlPr>
-                            <a:rPr lang="en-US" sz="2400" b="0" i="1" smtClean="0">
-                              <a:solidFill>
-                                <a:schemeClr val="tx1"/>
-                              </a:solidFill>
-                              <a:latin typeface="Cambria Math" panose="02040503050406030204" pitchFamily="18" charset="0"/>
-                              <a:ea typeface="Cambria Math" panose="02040503050406030204" pitchFamily="18" charset="0"/>
-                            </a:rPr>
-                          </m:ctrlPr>
-                        </m:sSupPr>
-                        <m:e>
-                          <m:d>
-                            <m:dPr>
-                              <m:ctrlPr>
-                                <a:rPr lang="en-US" sz="2400" b="0" i="1" smtClean="0">
-                                  <a:solidFill>
-                                    <a:schemeClr val="tx1"/>
-                                  </a:solidFill>
-                                  <a:latin typeface="Cambria Math" panose="02040503050406030204" pitchFamily="18" charset="0"/>
-                                  <a:ea typeface="Cambria Math" panose="02040503050406030204" pitchFamily="18" charset="0"/>
-                                </a:rPr>
-                              </m:ctrlPr>
-                            </m:dPr>
-                            <m:e>
-                              <m:f>
-                                <m:fPr>
-                                  <m:ctrlPr>
-                                    <a:rPr lang="en-US" sz="2400" b="0" i="1" smtClean="0">
-                                      <a:solidFill>
-                                        <a:schemeClr val="tx1"/>
-                                      </a:solidFill>
-                                      <a:latin typeface="Cambria Math" panose="02040503050406030204" pitchFamily="18" charset="0"/>
-                                      <a:ea typeface="Cambria Math" panose="02040503050406030204" pitchFamily="18" charset="0"/>
-                                    </a:rPr>
-                                  </m:ctrlPr>
-                                </m:fPr>
-                                <m:num>
-                                  <m:r>
-                                    <a:rPr lang="en-US" sz="2400" b="0" i="1" smtClean="0">
-                                      <a:solidFill>
-                                        <a:schemeClr val="tx1"/>
-                                      </a:solidFill>
-                                      <a:latin typeface="Cambria Math" panose="02040503050406030204" pitchFamily="18" charset="0"/>
-                                      <a:ea typeface="Cambria Math" panose="02040503050406030204" pitchFamily="18" charset="0"/>
-                                    </a:rPr>
-                                    <m:t>𝜎</m:t>
-                                  </m:r>
-                                </m:num>
-                                <m:den>
-                                  <m:r>
-                                    <a:rPr lang="en-US" sz="2400" b="0" i="1" smtClean="0">
-                                      <a:solidFill>
-                                        <a:schemeClr val="tx1"/>
-                                      </a:solidFill>
-                                      <a:latin typeface="Cambria Math" panose="02040503050406030204" pitchFamily="18" charset="0"/>
-                                      <a:ea typeface="Cambria Math" panose="02040503050406030204" pitchFamily="18" charset="0"/>
-                                    </a:rPr>
-                                    <m:t>𝑟</m:t>
-                                  </m:r>
-                                </m:den>
-                              </m:f>
-                            </m:e>
-                          </m:d>
-                        </m:e>
-                        <m:sup>
-                          <m:r>
-                            <a:rPr lang="en-US" sz="2400" b="0" i="1" smtClean="0">
-                              <a:solidFill>
-                                <a:schemeClr val="tx1"/>
-                              </a:solidFill>
-                              <a:latin typeface="Cambria Math" panose="02040503050406030204" pitchFamily="18" charset="0"/>
-                              <a:ea typeface="Cambria Math" panose="02040503050406030204" pitchFamily="18" charset="0"/>
-                            </a:rPr>
-                            <m:t>12</m:t>
-                          </m:r>
-                        </m:sup>
-                      </m:sSup>
-                      <m:r>
-                        <a:rPr lang="en-US" sz="2400" b="0" i="1" smtClean="0">
-                          <a:solidFill>
-                            <a:schemeClr val="tx1"/>
-                          </a:solidFill>
-                          <a:latin typeface="Cambria Math" panose="02040503050406030204" pitchFamily="18" charset="0"/>
-                          <a:ea typeface="Cambria Math" panose="02040503050406030204" pitchFamily="18" charset="0"/>
-                        </a:rPr>
-                        <m:t>−</m:t>
-                      </m:r>
-                      <m:sSup>
-                        <m:sSupPr>
-                          <m:ctrlPr>
-                            <a:rPr lang="en-US" sz="2400" b="0" i="1" smtClean="0">
-                              <a:solidFill>
-                                <a:schemeClr val="tx1"/>
-                              </a:solidFill>
-                              <a:latin typeface="Cambria Math" panose="02040503050406030204" pitchFamily="18" charset="0"/>
-                              <a:ea typeface="Cambria Math" panose="02040503050406030204" pitchFamily="18" charset="0"/>
-                            </a:rPr>
-                          </m:ctrlPr>
-                        </m:sSupPr>
-                        <m:e>
-                          <m:d>
-                            <m:dPr>
-                              <m:ctrlPr>
-                                <a:rPr lang="en-US" sz="2400" b="0" i="1" smtClean="0">
-                                  <a:solidFill>
-                                    <a:schemeClr val="tx1"/>
-                                  </a:solidFill>
-                                  <a:latin typeface="Cambria Math" panose="02040503050406030204" pitchFamily="18" charset="0"/>
-                                  <a:ea typeface="Cambria Math" panose="02040503050406030204" pitchFamily="18" charset="0"/>
-                                </a:rPr>
-                              </m:ctrlPr>
-                            </m:dPr>
-                            <m:e>
-                              <m:f>
-                                <m:fPr>
-                                  <m:ctrlPr>
-                                    <a:rPr lang="en-US" sz="2400" b="0" i="1" smtClean="0">
-                                      <a:solidFill>
-                                        <a:schemeClr val="tx1"/>
-                                      </a:solidFill>
-                                      <a:latin typeface="Cambria Math" panose="02040503050406030204" pitchFamily="18" charset="0"/>
-                                      <a:ea typeface="Cambria Math" panose="02040503050406030204" pitchFamily="18" charset="0"/>
-                                    </a:rPr>
-                                  </m:ctrlPr>
-                                </m:fPr>
-                                <m:num>
-                                  <m:r>
-                                    <a:rPr lang="en-US" sz="2400" b="0" i="1" smtClean="0">
-                                      <a:solidFill>
-                                        <a:schemeClr val="tx1"/>
-                                      </a:solidFill>
-                                      <a:latin typeface="Cambria Math" panose="02040503050406030204" pitchFamily="18" charset="0"/>
-                                      <a:ea typeface="Cambria Math" panose="02040503050406030204" pitchFamily="18" charset="0"/>
-                                    </a:rPr>
-                                    <m:t>𝜎</m:t>
-                                  </m:r>
-                                </m:num>
-                                <m:den>
-                                  <m:r>
-                                    <a:rPr lang="en-US" sz="2400" b="0" i="1" smtClean="0">
-                                      <a:solidFill>
-                                        <a:schemeClr val="tx1"/>
-                                      </a:solidFill>
-                                      <a:latin typeface="Cambria Math" panose="02040503050406030204" pitchFamily="18" charset="0"/>
-                                      <a:ea typeface="Cambria Math" panose="02040503050406030204" pitchFamily="18" charset="0"/>
-                                    </a:rPr>
-                                    <m:t>𝑟</m:t>
-                                  </m:r>
-                                </m:den>
-                              </m:f>
-                            </m:e>
-                          </m:d>
-                        </m:e>
-                        <m:sup>
-                          <m:r>
-                            <a:rPr lang="en-US" sz="2400" b="0" i="1" smtClean="0">
-                              <a:solidFill>
-                                <a:schemeClr val="tx1"/>
-                              </a:solidFill>
-                              <a:latin typeface="Cambria Math" panose="02040503050406030204" pitchFamily="18" charset="0"/>
-                              <a:ea typeface="Cambria Math" panose="02040503050406030204" pitchFamily="18" charset="0"/>
-                            </a:rPr>
-                            <m:t>6</m:t>
-                          </m:r>
-                        </m:sup>
-                      </m:sSup>
-                      <m:r>
-                        <a:rPr lang="en-US" sz="2400" b="0" i="1" smtClean="0">
-                          <a:solidFill>
-                            <a:schemeClr val="tx1"/>
-                          </a:solidFill>
-                          <a:latin typeface="Cambria Math" panose="02040503050406030204" pitchFamily="18" charset="0"/>
-                          <a:ea typeface="Cambria Math" panose="02040503050406030204" pitchFamily="18" charset="0"/>
-                        </a:rPr>
-                        <m:t>]</m:t>
-                      </m:r>
-                    </m:oMath>
-                  </m:oMathPara>
-                </a14:m>
-                <a:endParaRPr lang="en-US" sz="2400" dirty="0">
-                  <a:solidFill>
-                    <a:schemeClr val="tx1"/>
-                  </a:solidFill>
-                  <a:latin typeface="FreightMicro Pro Book" panose="02000603020000020004" pitchFamily="2" charset="0"/>
-                </a:endParaRPr>
-              </a:p>
-            </p:txBody>
-          </p:sp>
-        </mc:Choice>
-        <mc:Fallback>
-          <p:sp>
-            <p:nvSpPr>
-              <p:cNvPr id="10" name="TextBox 9">
-                <a:extLst>
-                  <a:ext uri="{FF2B5EF4-FFF2-40B4-BE49-F238E27FC236}">
-                    <a16:creationId xmlns:a16="http://schemas.microsoft.com/office/drawing/2014/main" id="{4686D3F6-A5AD-6049-A230-BBD02ECECF07}"/>
-                  </a:ext>
-                </a:extLst>
-              </p:cNvPr>
-              <p:cNvSpPr txBox="1">
-                <a:spLocks noRot="1" noChangeAspect="1" noMove="1" noResize="1" noEditPoints="1" noAdjustHandles="1" noChangeArrowheads="1" noChangeShapeType="1" noTextEdit="1"/>
-              </p:cNvSpPr>
-              <p:nvPr/>
-            </p:nvSpPr>
-            <p:spPr>
-              <a:xfrm>
-                <a:off x="994212" y="1670075"/>
-                <a:ext cx="7750394" cy="792909"/>
-              </a:xfrm>
-              <a:prstGeom prst="rect">
-                <a:avLst/>
-              </a:prstGeom>
-              <a:blipFill>
-                <a:blip r:embed="rId5"/>
-                <a:stretch>
-                  <a:fillRect b="-3175"/>
+                  <a:fillRect/>
                 </a:stretch>
               </a:blipFill>
             </p:spPr>
@@ -8243,1112 +6558,7 @@
     </p:spTree>
     <p:extLst>
       <p:ext uri="{BB962C8B-B14F-4D97-AF65-F5344CB8AC3E}">
-        <p14:creationId xmlns:p14="http://schemas.microsoft.com/office/powerpoint/2010/main" val="703556786"/>
-      </p:ext>
-    </p:extLst>
-  </p:cSld>
-  <p:clrMapOvr>
-    <a:masterClrMapping/>
-  </p:clrMapOvr>
-</p:sld>
-</file>
-
-<file path=ppt/slides/slide7.xml><?xml version="1.0" encoding="utf-8"?>
-<p:sld xmlns:a="http://schemas.openxmlformats.org/drawingml/2006/main" xmlns:r="http://schemas.openxmlformats.org/officeDocument/2006/relationships" xmlns:p="http://schemas.openxmlformats.org/presentationml/2006/main">
-  <p:cSld>
-    <p:spTree>
-      <p:nvGrpSpPr>
-        <p:cNvPr id="1" name=""/>
-        <p:cNvGrpSpPr/>
-        <p:nvPr/>
-      </p:nvGrpSpPr>
-      <p:grpSpPr>
-        <a:xfrm>
-          <a:off x="0" y="0"/>
-          <a:ext cx="0" cy="0"/>
-          <a:chOff x="0" y="0"/>
-          <a:chExt cx="0" cy="0"/>
-        </a:xfrm>
-      </p:grpSpPr>
-      <p:sp>
-        <p:nvSpPr>
-          <p:cNvPr id="4" name="TextBox 3"/>
-          <p:cNvSpPr txBox="1"/>
-          <p:nvPr/>
-        </p:nvSpPr>
-        <p:spPr>
-          <a:xfrm>
-            <a:off x="2259107" y="1133870"/>
-            <a:ext cx="8009500" cy="646331"/>
-          </a:xfrm>
-          <a:prstGeom prst="rect">
-            <a:avLst/>
-          </a:prstGeom>
-          <a:noFill/>
-        </p:spPr>
-        <p:txBody>
-          <a:bodyPr wrap="square" rtlCol="0">
-            <a:spAutoFit/>
-          </a:bodyPr>
-          <a:lstStyle/>
-          <a:p>
-            <a:endParaRPr lang="en-US" dirty="0"/>
-          </a:p>
-          <a:p>
-            <a:pPr marL="285750" indent="-285750">
-              <a:buFont typeface="Arial" panose="020B0604020202020204" pitchFamily="34" charset="0"/>
-              <a:buChar char="•"/>
-            </a:pPr>
-            <a:endParaRPr lang="en-US" dirty="0"/>
-          </a:p>
-        </p:txBody>
-      </p:sp>
-      <p:sp>
-        <p:nvSpPr>
-          <p:cNvPr id="3" name="Title 2"/>
-          <p:cNvSpPr>
-            <a:spLocks noGrp="1"/>
-          </p:cNvSpPr>
-          <p:nvPr>
-            <p:ph type="title"/>
-          </p:nvPr>
-        </p:nvSpPr>
-        <p:spPr/>
-        <p:txBody>
-          <a:bodyPr>
-            <a:normAutofit/>
-          </a:bodyPr>
-          <a:lstStyle/>
-          <a:p>
-            <a:r>
-              <a:rPr lang="en-US" dirty="0">
-                <a:latin typeface="FreightMicro Pro Book" panose="02000603020000020004" pitchFamily="2" charset="0"/>
-              </a:rPr>
-              <a:t>Reduced Units</a:t>
-            </a:r>
-          </a:p>
-        </p:txBody>
-      </p:sp>
-      <mc:AlternateContent xmlns:mc="http://schemas.openxmlformats.org/markup-compatibility/2006">
-        <mc:Choice xmlns:a14="http://schemas.microsoft.com/office/drawing/2010/main" Requires="a14">
-          <p:sp>
-            <p:nvSpPr>
-              <p:cNvPr id="5" name="TextBox 4">
-                <a:extLst>
-                  <a:ext uri="{FF2B5EF4-FFF2-40B4-BE49-F238E27FC236}">
-                    <a16:creationId xmlns:a16="http://schemas.microsoft.com/office/drawing/2014/main" id="{098DA7D0-1C23-AA4B-8A1A-FC3F1C1D6417}"/>
-                  </a:ext>
-                </a:extLst>
-              </p:cNvPr>
-              <p:cNvSpPr txBox="1"/>
-              <p:nvPr/>
-            </p:nvSpPr>
-            <p:spPr>
-              <a:xfrm>
-                <a:off x="1981172" y="1418053"/>
-                <a:ext cx="8081186" cy="5072542"/>
-              </a:xfrm>
-              <a:prstGeom prst="rect">
-                <a:avLst/>
-              </a:prstGeom>
-              <a:noFill/>
-            </p:spPr>
-            <p:txBody>
-              <a:bodyPr wrap="square" rtlCol="0">
-                <a:spAutoFit/>
-              </a:bodyPr>
-              <a:lstStyle/>
-              <a:p>
-                <a:r>
-                  <a:rPr lang="en-US" dirty="0">
-                    <a:latin typeface="FreightSans Pro Book" panose="02000606030000020004" pitchFamily="2" charset="0"/>
-                  </a:rPr>
-                  <a:t>For Argon, </a:t>
-                </a:r>
-                <a:endParaRPr lang="en-US" i="1" dirty="0">
-                  <a:latin typeface="FreightSans Pro Book" panose="02000606030000020004" pitchFamily="2" charset="0"/>
-                  <a:ea typeface="Cambria Math" panose="02040503050406030204" pitchFamily="18" charset="0"/>
-                </a:endParaRPr>
-              </a:p>
-              <a:p>
-                <a:pPr algn="ctr"/>
-                <a14:m>
-                  <m:oMath xmlns:m="http://schemas.openxmlformats.org/officeDocument/2006/math">
-                    <m:r>
-                      <a:rPr lang="en-US" i="1">
-                        <a:latin typeface="Cambria Math" panose="02040503050406030204" pitchFamily="18" charset="0"/>
-                        <a:ea typeface="Cambria Math" panose="02040503050406030204" pitchFamily="18" charset="0"/>
-                      </a:rPr>
-                      <m:t>𝜀</m:t>
-                    </m:r>
-                    <m:r>
-                      <a:rPr lang="en-US" i="1">
-                        <a:latin typeface="Cambria Math" panose="02040503050406030204" pitchFamily="18" charset="0"/>
-                        <a:ea typeface="Cambria Math" panose="02040503050406030204" pitchFamily="18" charset="0"/>
-                      </a:rPr>
-                      <m:t>=120 </m:t>
-                    </m:r>
-                    <m:r>
-                      <a:rPr lang="en-US" i="1">
-                        <a:latin typeface="Cambria Math" panose="02040503050406030204" pitchFamily="18" charset="0"/>
-                        <a:ea typeface="Cambria Math" panose="02040503050406030204" pitchFamily="18" charset="0"/>
-                      </a:rPr>
-                      <m:t>𝐾</m:t>
-                    </m:r>
-                    <m:r>
-                      <a:rPr lang="en-US" i="1">
-                        <a:latin typeface="Cambria Math" panose="02040503050406030204" pitchFamily="18" charset="0"/>
-                        <a:ea typeface="Cambria Math" panose="02040503050406030204" pitchFamily="18" charset="0"/>
-                      </a:rPr>
-                      <m:t> </m:t>
-                    </m:r>
-                    <m:d>
-                      <m:dPr>
-                        <m:ctrlPr>
-                          <a:rPr lang="en-US" i="1">
-                            <a:latin typeface="Cambria Math" panose="02040503050406030204" pitchFamily="18" charset="0"/>
-                            <a:ea typeface="Cambria Math" panose="02040503050406030204" pitchFamily="18" charset="0"/>
-                          </a:rPr>
-                        </m:ctrlPr>
-                      </m:dPr>
-                      <m:e>
-                        <m:sSub>
-                          <m:sSubPr>
-                            <m:ctrlPr>
-                              <a:rPr lang="en-US" i="1">
-                                <a:latin typeface="Cambria Math" panose="02040503050406030204" pitchFamily="18" charset="0"/>
-                                <a:ea typeface="Cambria Math" panose="02040503050406030204" pitchFamily="18" charset="0"/>
-                              </a:rPr>
-                            </m:ctrlPr>
-                          </m:sSubPr>
-                          <m:e>
-                            <m:r>
-                              <a:rPr lang="en-US" i="1">
-                                <a:latin typeface="Cambria Math" panose="02040503050406030204" pitchFamily="18" charset="0"/>
-                                <a:ea typeface="Cambria Math" panose="02040503050406030204" pitchFamily="18" charset="0"/>
-                              </a:rPr>
-                              <m:t>𝑘</m:t>
-                            </m:r>
-                          </m:e>
-                          <m:sub>
-                            <m:r>
-                              <a:rPr lang="en-US" i="1">
-                                <a:latin typeface="Cambria Math" panose="02040503050406030204" pitchFamily="18" charset="0"/>
-                                <a:ea typeface="Cambria Math" panose="02040503050406030204" pitchFamily="18" charset="0"/>
-                              </a:rPr>
-                              <m:t>𝐵</m:t>
-                            </m:r>
-                          </m:sub>
-                        </m:sSub>
-                      </m:e>
-                    </m:d>
-                    <m:r>
-                      <a:rPr lang="en-US" i="1">
-                        <a:latin typeface="Cambria Math" panose="02040503050406030204" pitchFamily="18" charset="0"/>
-                        <a:ea typeface="Cambria Math" panose="02040503050406030204" pitchFamily="18" charset="0"/>
-                      </a:rPr>
-                      <m:t>=1.68 </m:t>
-                    </m:r>
-                    <m:r>
-                      <a:rPr lang="en-US" i="1">
-                        <a:latin typeface="Cambria Math" panose="02040503050406030204" pitchFamily="18" charset="0"/>
-                        <a:ea typeface="Cambria Math" panose="02040503050406030204" pitchFamily="18" charset="0"/>
-                      </a:rPr>
-                      <m:t>𝑥</m:t>
-                    </m:r>
-                    <m:r>
-                      <a:rPr lang="en-US" i="1">
-                        <a:latin typeface="Cambria Math" panose="02040503050406030204" pitchFamily="18" charset="0"/>
-                        <a:ea typeface="Cambria Math" panose="02040503050406030204" pitchFamily="18" charset="0"/>
-                      </a:rPr>
-                      <m:t> </m:t>
-                    </m:r>
-                    <m:sSup>
-                      <m:sSupPr>
-                        <m:ctrlPr>
-                          <a:rPr lang="en-US" i="1">
-                            <a:latin typeface="Cambria Math" panose="02040503050406030204" pitchFamily="18" charset="0"/>
-                            <a:ea typeface="Cambria Math" panose="02040503050406030204" pitchFamily="18" charset="0"/>
-                          </a:rPr>
-                        </m:ctrlPr>
-                      </m:sSupPr>
-                      <m:e>
-                        <m:r>
-                          <a:rPr lang="en-US" i="1">
-                            <a:latin typeface="Cambria Math" panose="02040503050406030204" pitchFamily="18" charset="0"/>
-                            <a:ea typeface="Cambria Math" panose="02040503050406030204" pitchFamily="18" charset="0"/>
-                          </a:rPr>
-                          <m:t>10</m:t>
-                        </m:r>
-                      </m:e>
-                      <m:sup>
-                        <m:r>
-                          <a:rPr lang="en-US" i="1">
-                            <a:latin typeface="Cambria Math" panose="02040503050406030204" pitchFamily="18" charset="0"/>
-                            <a:ea typeface="Cambria Math" panose="02040503050406030204" pitchFamily="18" charset="0"/>
-                          </a:rPr>
-                          <m:t>−21</m:t>
-                        </m:r>
-                      </m:sup>
-                    </m:sSup>
-                    <m:r>
-                      <a:rPr lang="en-US" i="1">
-                        <a:latin typeface="Cambria Math" panose="02040503050406030204" pitchFamily="18" charset="0"/>
-                        <a:ea typeface="Cambria Math" panose="02040503050406030204" pitchFamily="18" charset="0"/>
-                      </a:rPr>
-                      <m:t> </m:t>
-                    </m:r>
-                    <m:r>
-                      <a:rPr lang="en-US" i="1">
-                        <a:latin typeface="Cambria Math" panose="02040503050406030204" pitchFamily="18" charset="0"/>
-                        <a:ea typeface="Cambria Math" panose="02040503050406030204" pitchFamily="18" charset="0"/>
-                      </a:rPr>
-                      <m:t>𝐽</m:t>
-                    </m:r>
-                  </m:oMath>
-                </a14:m>
-                <a:r>
-                  <a:rPr lang="en-US" dirty="0">
-                    <a:latin typeface="FreightSans Pro Book" panose="02000606030000020004" pitchFamily="2" charset="0"/>
-                  </a:rPr>
-                  <a:t>  and </a:t>
-                </a:r>
-                <a14:m>
-                  <m:oMath xmlns:m="http://schemas.openxmlformats.org/officeDocument/2006/math">
-                    <m:r>
-                      <a:rPr lang="en-US" i="1">
-                        <a:latin typeface="Cambria Math" panose="02040503050406030204" pitchFamily="18" charset="0"/>
-                        <a:ea typeface="Cambria Math" panose="02040503050406030204" pitchFamily="18" charset="0"/>
-                      </a:rPr>
-                      <m:t>𝜎</m:t>
-                    </m:r>
-                    <m:r>
-                      <a:rPr lang="en-US" i="1">
-                        <a:latin typeface="Cambria Math" panose="02040503050406030204" pitchFamily="18" charset="0"/>
-                        <a:ea typeface="Cambria Math" panose="02040503050406030204" pitchFamily="18" charset="0"/>
-                      </a:rPr>
-                      <m:t>=3.4 </m:t>
-                    </m:r>
-                    <m:r>
-                      <a:rPr lang="en-US" i="1">
-                        <a:latin typeface="Cambria Math" panose="02040503050406030204" pitchFamily="18" charset="0"/>
-                        <a:ea typeface="Cambria Math" panose="02040503050406030204" pitchFamily="18" charset="0"/>
-                      </a:rPr>
-                      <m:t>𝑥</m:t>
-                    </m:r>
-                    <m:r>
-                      <a:rPr lang="en-US" i="1">
-                        <a:latin typeface="Cambria Math" panose="02040503050406030204" pitchFamily="18" charset="0"/>
-                        <a:ea typeface="Cambria Math" panose="02040503050406030204" pitchFamily="18" charset="0"/>
-                      </a:rPr>
-                      <m:t> </m:t>
-                    </m:r>
-                    <m:sSup>
-                      <m:sSupPr>
-                        <m:ctrlPr>
-                          <a:rPr lang="en-US" i="1">
-                            <a:latin typeface="Cambria Math" panose="02040503050406030204" pitchFamily="18" charset="0"/>
-                            <a:ea typeface="Cambria Math" panose="02040503050406030204" pitchFamily="18" charset="0"/>
-                          </a:rPr>
-                        </m:ctrlPr>
-                      </m:sSupPr>
-                      <m:e>
-                        <m:r>
-                          <a:rPr lang="en-US" i="1">
-                            <a:latin typeface="Cambria Math" panose="02040503050406030204" pitchFamily="18" charset="0"/>
-                            <a:ea typeface="Cambria Math" panose="02040503050406030204" pitchFamily="18" charset="0"/>
-                          </a:rPr>
-                          <m:t>10</m:t>
-                        </m:r>
-                      </m:e>
-                      <m:sup>
-                        <m:r>
-                          <a:rPr lang="en-US" i="1">
-                            <a:latin typeface="Cambria Math" panose="02040503050406030204" pitchFamily="18" charset="0"/>
-                            <a:ea typeface="Cambria Math" panose="02040503050406030204" pitchFamily="18" charset="0"/>
-                          </a:rPr>
-                          <m:t>−10</m:t>
-                        </m:r>
-                      </m:sup>
-                    </m:sSup>
-                    <m:r>
-                      <a:rPr lang="en-US" i="1">
-                        <a:latin typeface="Cambria Math" panose="02040503050406030204" pitchFamily="18" charset="0"/>
-                        <a:ea typeface="Cambria Math" panose="02040503050406030204" pitchFamily="18" charset="0"/>
-                      </a:rPr>
-                      <m:t> </m:t>
-                    </m:r>
-                    <m:r>
-                      <a:rPr lang="en-US" i="1">
-                        <a:latin typeface="Cambria Math" panose="02040503050406030204" pitchFamily="18" charset="0"/>
-                        <a:ea typeface="Cambria Math" panose="02040503050406030204" pitchFamily="18" charset="0"/>
-                      </a:rPr>
-                      <m:t>𝑚𝑒𝑡𝑒𝑟𝑠</m:t>
-                    </m:r>
-                  </m:oMath>
-                </a14:m>
-                <a:endParaRPr lang="en-US" dirty="0">
-                  <a:latin typeface="FreightSans Pro Book" panose="02000606030000020004" pitchFamily="2" charset="0"/>
-                  <a:ea typeface="Cambria Math" panose="02040503050406030204" pitchFamily="18" charset="0"/>
-                </a:endParaRPr>
-              </a:p>
-              <a:p>
-                <a:pPr algn="ctr"/>
-                <a:endParaRPr lang="en-US" dirty="0">
-                  <a:latin typeface="FreightSans Pro Book" panose="02000606030000020004" pitchFamily="2" charset="0"/>
-                </a:endParaRPr>
-              </a:p>
-              <a:p>
-                <a:pPr algn="ctr"/>
-                <a:r>
-                  <a:rPr lang="en-US" dirty="0">
-                    <a:latin typeface="FreightSans Pro Book" panose="02000606030000020004" pitchFamily="2" charset="0"/>
-                  </a:rPr>
-                  <a:t>These are really inconvenient numbers!</a:t>
-                </a:r>
-              </a:p>
-              <a:p>
-                <a:pPr algn="ctr"/>
-                <a:endParaRPr lang="en-US" dirty="0">
-                  <a:latin typeface="FreightSans Pro Book" panose="02000606030000020004" pitchFamily="2" charset="0"/>
-                </a:endParaRPr>
-              </a:p>
-              <a:p>
-                <a:pPr algn="ctr"/>
-                <a:r>
-                  <a:rPr lang="en-US" dirty="0">
-                    <a:latin typeface="FreightSans Pro Book" panose="02000606030000020004" pitchFamily="2" charset="0"/>
-                  </a:rPr>
-                  <a:t>We will normalize our energy by </a:t>
-                </a:r>
-                <a14:m>
-                  <m:oMath xmlns:m="http://schemas.openxmlformats.org/officeDocument/2006/math">
-                    <m:r>
-                      <a:rPr lang="en-US" i="1">
-                        <a:latin typeface="Cambria Math" panose="02040503050406030204" pitchFamily="18" charset="0"/>
-                        <a:ea typeface="Cambria Math" panose="02040503050406030204" pitchFamily="18" charset="0"/>
-                      </a:rPr>
-                      <m:t>𝜀</m:t>
-                    </m:r>
-                  </m:oMath>
-                </a14:m>
-                <a:r>
-                  <a:rPr lang="en-US" dirty="0">
-                    <a:latin typeface="FreightSans Pro Book" panose="02000606030000020004" pitchFamily="2" charset="0"/>
-                  </a:rPr>
-                  <a:t> and our distances by </a:t>
-                </a:r>
-                <a14:m>
-                  <m:oMath xmlns:m="http://schemas.openxmlformats.org/officeDocument/2006/math">
-                    <m:r>
-                      <a:rPr lang="en-US" i="1">
-                        <a:latin typeface="Cambria Math" panose="02040503050406030204" pitchFamily="18" charset="0"/>
-                        <a:ea typeface="Cambria Math" panose="02040503050406030204" pitchFamily="18" charset="0"/>
-                      </a:rPr>
-                      <m:t>𝜎</m:t>
-                    </m:r>
-                  </m:oMath>
-                </a14:m>
-                <a:r>
-                  <a:rPr lang="en-US" dirty="0">
-                    <a:latin typeface="FreightSans Pro Book" panose="02000606030000020004" pitchFamily="2" charset="0"/>
-                  </a:rPr>
-                  <a:t>. </a:t>
-                </a:r>
-              </a:p>
-              <a:p>
-                <a:pPr algn="ctr"/>
-                <a:endParaRPr lang="en-US" dirty="0"/>
-              </a:p>
-              <a:p>
-                <a:pPr algn="ctr"/>
-                <a14:m>
-                  <m:oMathPara xmlns:m="http://schemas.openxmlformats.org/officeDocument/2006/math">
-                    <m:oMathParaPr>
-                      <m:jc m:val="center"/>
-                    </m:oMathParaPr>
-                    <m:oMath xmlns:m="http://schemas.openxmlformats.org/officeDocument/2006/math">
-                      <m:sSup>
-                        <m:sSupPr>
-                          <m:ctrlPr>
-                            <a:rPr lang="en-US" i="1">
-                              <a:latin typeface="Cambria Math" panose="02040503050406030204" pitchFamily="18" charset="0"/>
-                            </a:rPr>
-                          </m:ctrlPr>
-                        </m:sSupPr>
-                        <m:e>
-                          <m:r>
-                            <a:rPr lang="en-US" i="1">
-                              <a:latin typeface="Cambria Math" panose="02040503050406030204" pitchFamily="18" charset="0"/>
-                            </a:rPr>
-                            <m:t>𝑈</m:t>
-                          </m:r>
-                        </m:e>
-                        <m:sup>
-                          <m:r>
-                            <a:rPr lang="en-US" i="1">
-                              <a:latin typeface="Cambria Math" panose="02040503050406030204" pitchFamily="18" charset="0"/>
-                            </a:rPr>
-                            <m:t>∗</m:t>
-                          </m:r>
-                        </m:sup>
-                      </m:sSup>
-                      <m:d>
-                        <m:dPr>
-                          <m:ctrlPr>
-                            <a:rPr lang="en-US" i="1">
-                              <a:latin typeface="Cambria Math" panose="02040503050406030204" pitchFamily="18" charset="0"/>
-                            </a:rPr>
-                          </m:ctrlPr>
-                        </m:dPr>
-                        <m:e>
-                          <m:r>
-                            <a:rPr lang="en-US" i="1">
-                              <a:latin typeface="Cambria Math" panose="02040503050406030204" pitchFamily="18" charset="0"/>
-                            </a:rPr>
-                            <m:t>𝑟</m:t>
-                          </m:r>
-                        </m:e>
-                      </m:d>
-                      <m:r>
-                        <a:rPr lang="en-US" i="1">
-                          <a:latin typeface="Cambria Math" panose="02040503050406030204" pitchFamily="18" charset="0"/>
-                        </a:rPr>
-                        <m:t>=</m:t>
-                      </m:r>
-                      <m:f>
-                        <m:fPr>
-                          <m:ctrlPr>
-                            <a:rPr lang="en-US" i="1">
-                              <a:latin typeface="Cambria Math" panose="02040503050406030204" pitchFamily="18" charset="0"/>
-                            </a:rPr>
-                          </m:ctrlPr>
-                        </m:fPr>
-                        <m:num>
-                          <m:r>
-                            <a:rPr lang="en-US" i="1">
-                              <a:latin typeface="Cambria Math" panose="02040503050406030204" pitchFamily="18" charset="0"/>
-                            </a:rPr>
-                            <m:t>𝑈</m:t>
-                          </m:r>
-                          <m:d>
-                            <m:dPr>
-                              <m:ctrlPr>
-                                <a:rPr lang="en-US" i="1">
-                                  <a:latin typeface="Cambria Math" panose="02040503050406030204" pitchFamily="18" charset="0"/>
-                                </a:rPr>
-                              </m:ctrlPr>
-                            </m:dPr>
-                            <m:e>
-                              <m:r>
-                                <a:rPr lang="en-US" i="1">
-                                  <a:latin typeface="Cambria Math" panose="02040503050406030204" pitchFamily="18" charset="0"/>
-                                </a:rPr>
-                                <m:t>𝑟</m:t>
-                              </m:r>
-                            </m:e>
-                          </m:d>
-                        </m:num>
-                        <m:den>
-                          <m:r>
-                            <a:rPr lang="en-US" i="1">
-                              <a:latin typeface="Cambria Math" panose="02040503050406030204" pitchFamily="18" charset="0"/>
-                              <a:ea typeface="Cambria Math" panose="02040503050406030204" pitchFamily="18" charset="0"/>
-                            </a:rPr>
-                            <m:t>𝜀</m:t>
-                          </m:r>
-                        </m:den>
-                      </m:f>
-                    </m:oMath>
-                  </m:oMathPara>
-                </a14:m>
-                <a:endParaRPr lang="en-US" dirty="0">
-                  <a:ea typeface="Cambria Math" panose="02040503050406030204" pitchFamily="18" charset="0"/>
-                </a:endParaRPr>
-              </a:p>
-              <a:p>
-                <a:pPr algn="ctr"/>
-                <a:br>
-                  <a:rPr lang="en-US" dirty="0">
-                    <a:ea typeface="Cambria Math" panose="02040503050406030204" pitchFamily="18" charset="0"/>
-                  </a:rPr>
-                </a:br>
-                <a14:m>
-                  <m:oMathPara xmlns:m="http://schemas.openxmlformats.org/officeDocument/2006/math">
-                    <m:oMathParaPr>
-                      <m:jc m:val="center"/>
-                    </m:oMathParaPr>
-                    <m:oMath xmlns:m="http://schemas.openxmlformats.org/officeDocument/2006/math">
-                      <m:sSup>
-                        <m:sSupPr>
-                          <m:ctrlPr>
-                            <a:rPr lang="en-US" i="1">
-                              <a:latin typeface="Cambria Math" panose="02040503050406030204" pitchFamily="18" charset="0"/>
-                              <a:ea typeface="Cambria Math" panose="02040503050406030204" pitchFamily="18" charset="0"/>
-                            </a:rPr>
-                          </m:ctrlPr>
-                        </m:sSupPr>
-                        <m:e>
-                          <m:r>
-                            <a:rPr lang="en-US" i="1">
-                              <a:latin typeface="Cambria Math" panose="02040503050406030204" pitchFamily="18" charset="0"/>
-                              <a:ea typeface="Cambria Math" panose="02040503050406030204" pitchFamily="18" charset="0"/>
-                            </a:rPr>
-                            <m:t>𝑟</m:t>
-                          </m:r>
-                        </m:e>
-                        <m:sup>
-                          <m:r>
-                            <a:rPr lang="en-US" i="1">
-                              <a:latin typeface="Cambria Math" panose="02040503050406030204" pitchFamily="18" charset="0"/>
-                              <a:ea typeface="Cambria Math" panose="02040503050406030204" pitchFamily="18" charset="0"/>
-                            </a:rPr>
-                            <m:t>∗</m:t>
-                          </m:r>
-                        </m:sup>
-                      </m:sSup>
-                      <m:r>
-                        <a:rPr lang="en-US" i="1">
-                          <a:latin typeface="Cambria Math" panose="02040503050406030204" pitchFamily="18" charset="0"/>
-                          <a:ea typeface="Cambria Math" panose="02040503050406030204" pitchFamily="18" charset="0"/>
-                        </a:rPr>
-                        <m:t>=</m:t>
-                      </m:r>
-                      <m:f>
-                        <m:fPr>
-                          <m:ctrlPr>
-                            <a:rPr lang="en-US" i="1">
-                              <a:latin typeface="Cambria Math" panose="02040503050406030204" pitchFamily="18" charset="0"/>
-                              <a:ea typeface="Cambria Math" panose="02040503050406030204" pitchFamily="18" charset="0"/>
-                            </a:rPr>
-                          </m:ctrlPr>
-                        </m:fPr>
-                        <m:num>
-                          <m:r>
-                            <a:rPr lang="en-US" i="1">
-                              <a:latin typeface="Cambria Math" panose="02040503050406030204" pitchFamily="18" charset="0"/>
-                              <a:ea typeface="Cambria Math" panose="02040503050406030204" pitchFamily="18" charset="0"/>
-                            </a:rPr>
-                            <m:t>𝑟</m:t>
-                          </m:r>
-                        </m:num>
-                        <m:den>
-                          <m:r>
-                            <a:rPr lang="en-US" i="1">
-                              <a:latin typeface="Cambria Math" panose="02040503050406030204" pitchFamily="18" charset="0"/>
-                              <a:ea typeface="Cambria Math" panose="02040503050406030204" pitchFamily="18" charset="0"/>
-                            </a:rPr>
-                            <m:t>𝜎</m:t>
-                          </m:r>
-                        </m:den>
-                      </m:f>
-                    </m:oMath>
-                  </m:oMathPara>
-                </a14:m>
-                <a:endParaRPr lang="en-US" dirty="0"/>
-              </a:p>
-              <a:p>
-                <a:pPr algn="ctr"/>
-                <a:endParaRPr lang="en-US" dirty="0"/>
-              </a:p>
-              <a:p>
-                <a:pPr algn="ctr"/>
-                <a14:m>
-                  <m:oMathPara xmlns:m="http://schemas.openxmlformats.org/officeDocument/2006/math">
-                    <m:oMathParaPr>
-                      <m:jc m:val="center"/>
-                    </m:oMathParaPr>
-                    <m:oMath xmlns:m="http://schemas.openxmlformats.org/officeDocument/2006/math">
-                      <m:sSup>
-                        <m:sSupPr>
-                          <m:ctrlPr>
-                            <a:rPr lang="en-US" i="1">
-                              <a:latin typeface="Cambria Math" panose="02040503050406030204" pitchFamily="18" charset="0"/>
-                            </a:rPr>
-                          </m:ctrlPr>
-                        </m:sSupPr>
-                        <m:e>
-                          <m:r>
-                            <a:rPr lang="en-US" i="1">
-                              <a:latin typeface="Cambria Math" panose="02040503050406030204" pitchFamily="18" charset="0"/>
-                            </a:rPr>
-                            <m:t>𝑈</m:t>
-                          </m:r>
-                        </m:e>
-                        <m:sup>
-                          <m:r>
-                            <a:rPr lang="en-US" i="1">
-                              <a:latin typeface="Cambria Math" panose="02040503050406030204" pitchFamily="18" charset="0"/>
-                            </a:rPr>
-                            <m:t>∗</m:t>
-                          </m:r>
-                        </m:sup>
-                      </m:sSup>
-                      <m:d>
-                        <m:dPr>
-                          <m:ctrlPr>
-                            <a:rPr lang="en-US" i="1">
-                              <a:latin typeface="Cambria Math" panose="02040503050406030204" pitchFamily="18" charset="0"/>
-                            </a:rPr>
-                          </m:ctrlPr>
-                        </m:dPr>
-                        <m:e>
-                          <m:sSup>
-                            <m:sSupPr>
-                              <m:ctrlPr>
-                                <a:rPr lang="en-US" i="1">
-                                  <a:latin typeface="Cambria Math" panose="02040503050406030204" pitchFamily="18" charset="0"/>
-                                </a:rPr>
-                              </m:ctrlPr>
-                            </m:sSupPr>
-                            <m:e>
-                              <m:r>
-                                <a:rPr lang="en-US" i="1">
-                                  <a:latin typeface="Cambria Math" panose="02040503050406030204" pitchFamily="18" charset="0"/>
-                                </a:rPr>
-                                <m:t>𝑟</m:t>
-                              </m:r>
-                            </m:e>
-                            <m:sup>
-                              <m:r>
-                                <a:rPr lang="en-US" i="1">
-                                  <a:latin typeface="Cambria Math" panose="02040503050406030204" pitchFamily="18" charset="0"/>
-                                </a:rPr>
-                                <m:t>∗</m:t>
-                              </m:r>
-                            </m:sup>
-                          </m:sSup>
-                        </m:e>
-                      </m:d>
-                      <m:r>
-                        <a:rPr lang="en-US" i="1">
-                          <a:latin typeface="Cambria Math" panose="02040503050406030204" pitchFamily="18" charset="0"/>
-                        </a:rPr>
-                        <m:t>=4 </m:t>
-                      </m:r>
-                      <m:d>
-                        <m:dPr>
-                          <m:begChr m:val="["/>
-                          <m:endChr m:val="]"/>
-                          <m:ctrlPr>
-                            <a:rPr lang="en-US" i="1">
-                              <a:latin typeface="Cambria Math" panose="02040503050406030204" pitchFamily="18" charset="0"/>
-                            </a:rPr>
-                          </m:ctrlPr>
-                        </m:dPr>
-                        <m:e>
-                          <m:sSup>
-                            <m:sSupPr>
-                              <m:ctrlPr>
-                                <a:rPr lang="en-US" i="1">
-                                  <a:latin typeface="Cambria Math" panose="02040503050406030204" pitchFamily="18" charset="0"/>
-                                </a:rPr>
-                              </m:ctrlPr>
-                            </m:sSupPr>
-                            <m:e>
-                              <m:d>
-                                <m:dPr>
-                                  <m:ctrlPr>
-                                    <a:rPr lang="en-US" i="1">
-                                      <a:latin typeface="Cambria Math" panose="02040503050406030204" pitchFamily="18" charset="0"/>
-                                    </a:rPr>
-                                  </m:ctrlPr>
-                                </m:dPr>
-                                <m:e>
-                                  <m:f>
-                                    <m:fPr>
-                                      <m:ctrlPr>
-                                        <a:rPr lang="en-US" i="1">
-                                          <a:latin typeface="Cambria Math" panose="02040503050406030204" pitchFamily="18" charset="0"/>
-                                        </a:rPr>
-                                      </m:ctrlPr>
-                                    </m:fPr>
-                                    <m:num>
-                                      <m:r>
-                                        <a:rPr lang="en-US" i="1">
-                                          <a:latin typeface="Cambria Math" panose="02040503050406030204" pitchFamily="18" charset="0"/>
-                                        </a:rPr>
-                                        <m:t>1</m:t>
-                                      </m:r>
-                                    </m:num>
-                                    <m:den>
-                                      <m:sSup>
-                                        <m:sSupPr>
-                                          <m:ctrlPr>
-                                            <a:rPr lang="en-US" i="1">
-                                              <a:latin typeface="Cambria Math" panose="02040503050406030204" pitchFamily="18" charset="0"/>
-                                            </a:rPr>
-                                          </m:ctrlPr>
-                                        </m:sSupPr>
-                                        <m:e>
-                                          <m:r>
-                                            <a:rPr lang="en-US" i="1">
-                                              <a:latin typeface="Cambria Math" panose="02040503050406030204" pitchFamily="18" charset="0"/>
-                                            </a:rPr>
-                                            <m:t>𝑟</m:t>
-                                          </m:r>
-                                        </m:e>
-                                        <m:sup>
-                                          <m:r>
-                                            <a:rPr lang="en-US" i="1">
-                                              <a:latin typeface="Cambria Math" panose="02040503050406030204" pitchFamily="18" charset="0"/>
-                                            </a:rPr>
-                                            <m:t>∗</m:t>
-                                          </m:r>
-                                        </m:sup>
-                                      </m:sSup>
-                                    </m:den>
-                                  </m:f>
-                                </m:e>
-                              </m:d>
-                            </m:e>
-                            <m:sup>
-                              <m:r>
-                                <a:rPr lang="en-US" i="1">
-                                  <a:latin typeface="Cambria Math" panose="02040503050406030204" pitchFamily="18" charset="0"/>
-                                </a:rPr>
-                                <m:t>12</m:t>
-                              </m:r>
-                            </m:sup>
-                          </m:sSup>
-                          <m:r>
-                            <a:rPr lang="en-US" i="1">
-                              <a:latin typeface="Cambria Math" panose="02040503050406030204" pitchFamily="18" charset="0"/>
-                            </a:rPr>
-                            <m:t>−</m:t>
-                          </m:r>
-                          <m:sSup>
-                            <m:sSupPr>
-                              <m:ctrlPr>
-                                <a:rPr lang="en-US" i="1">
-                                  <a:latin typeface="Cambria Math" panose="02040503050406030204" pitchFamily="18" charset="0"/>
-                                </a:rPr>
-                              </m:ctrlPr>
-                            </m:sSupPr>
-                            <m:e>
-                              <m:d>
-                                <m:dPr>
-                                  <m:ctrlPr>
-                                    <a:rPr lang="en-US" i="1">
-                                      <a:latin typeface="Cambria Math" panose="02040503050406030204" pitchFamily="18" charset="0"/>
-                                    </a:rPr>
-                                  </m:ctrlPr>
-                                </m:dPr>
-                                <m:e>
-                                  <m:f>
-                                    <m:fPr>
-                                      <m:ctrlPr>
-                                        <a:rPr lang="en-US" i="1">
-                                          <a:latin typeface="Cambria Math" panose="02040503050406030204" pitchFamily="18" charset="0"/>
-                                        </a:rPr>
-                                      </m:ctrlPr>
-                                    </m:fPr>
-                                    <m:num>
-                                      <m:r>
-                                        <a:rPr lang="en-US" i="1">
-                                          <a:latin typeface="Cambria Math" panose="02040503050406030204" pitchFamily="18" charset="0"/>
-                                        </a:rPr>
-                                        <m:t>1</m:t>
-                                      </m:r>
-                                    </m:num>
-                                    <m:den>
-                                      <m:sSup>
-                                        <m:sSupPr>
-                                          <m:ctrlPr>
-                                            <a:rPr lang="en-US" i="1">
-                                              <a:latin typeface="Cambria Math" panose="02040503050406030204" pitchFamily="18" charset="0"/>
-                                            </a:rPr>
-                                          </m:ctrlPr>
-                                        </m:sSupPr>
-                                        <m:e>
-                                          <m:r>
-                                            <a:rPr lang="en-US" i="1">
-                                              <a:latin typeface="Cambria Math" panose="02040503050406030204" pitchFamily="18" charset="0"/>
-                                            </a:rPr>
-                                            <m:t>𝑟</m:t>
-                                          </m:r>
-                                        </m:e>
-                                        <m:sup>
-                                          <m:r>
-                                            <a:rPr lang="en-US" i="1">
-                                              <a:latin typeface="Cambria Math" panose="02040503050406030204" pitchFamily="18" charset="0"/>
-                                            </a:rPr>
-                                            <m:t>∗</m:t>
-                                          </m:r>
-                                        </m:sup>
-                                      </m:sSup>
-                                    </m:den>
-                                  </m:f>
-                                </m:e>
-                              </m:d>
-                            </m:e>
-                            <m:sup>
-                              <m:r>
-                                <a:rPr lang="en-US" i="1">
-                                  <a:latin typeface="Cambria Math" panose="02040503050406030204" pitchFamily="18" charset="0"/>
-                                </a:rPr>
-                                <m:t>6</m:t>
-                              </m:r>
-                            </m:sup>
-                          </m:sSup>
-                        </m:e>
-                      </m:d>
-                    </m:oMath>
-                  </m:oMathPara>
-                </a14:m>
-                <a:endParaRPr lang="en-US" dirty="0"/>
-              </a:p>
-              <a:p>
-                <a:pPr algn="ctr"/>
-                <a:endParaRPr lang="en-US" dirty="0"/>
-              </a:p>
-              <a:p>
-                <a:pPr algn="ctr"/>
-                <a:endParaRPr lang="en-US" dirty="0"/>
-              </a:p>
-              <a:p>
-                <a:pPr algn="ctr"/>
-                <a:r>
-                  <a:rPr lang="en-US" dirty="0"/>
-                  <a:t> </a:t>
-                </a:r>
-              </a:p>
-            </p:txBody>
-          </p:sp>
-        </mc:Choice>
-        <mc:Fallback>
-          <p:sp>
-            <p:nvSpPr>
-              <p:cNvPr id="5" name="TextBox 4">
-                <a:extLst>
-                  <a:ext uri="{FF2B5EF4-FFF2-40B4-BE49-F238E27FC236}">
-                    <a16:creationId xmlns:a16="http://schemas.microsoft.com/office/drawing/2014/main" id="{098DA7D0-1C23-AA4B-8A1A-FC3F1C1D6417}"/>
-                  </a:ext>
-                </a:extLst>
-              </p:cNvPr>
-              <p:cNvSpPr txBox="1">
-                <a:spLocks noRot="1" noChangeAspect="1" noMove="1" noResize="1" noEditPoints="1" noAdjustHandles="1" noChangeArrowheads="1" noChangeShapeType="1" noTextEdit="1"/>
-              </p:cNvSpPr>
-              <p:nvPr/>
-            </p:nvSpPr>
-            <p:spPr>
-              <a:xfrm>
-                <a:off x="1981172" y="1418053"/>
-                <a:ext cx="8081186" cy="5072542"/>
-              </a:xfrm>
-              <a:prstGeom prst="rect">
-                <a:avLst/>
-              </a:prstGeom>
-              <a:blipFill>
-                <a:blip r:embed="rId3"/>
-                <a:stretch>
-                  <a:fillRect l="-628" t="-499"/>
-                </a:stretch>
-              </a:blipFill>
-            </p:spPr>
-            <p:txBody>
-              <a:bodyPr/>
-              <a:lstStyle/>
-              <a:p>
-                <a:r>
-                  <a:rPr lang="en-US">
-                    <a:noFill/>
-                  </a:rPr>
-                  <a:t> </a:t>
-                </a:r>
-              </a:p>
-            </p:txBody>
-          </p:sp>
-        </mc:Fallback>
-      </mc:AlternateContent>
-      <mc:AlternateContent xmlns:mc="http://schemas.openxmlformats.org/markup-compatibility/2006">
-        <mc:Choice xmlns:a14="http://schemas.microsoft.com/office/drawing/2010/main" Requires="a14">
-          <p:sp>
-            <p:nvSpPr>
-              <p:cNvPr id="6" name="TextBox 5">
-                <a:extLst>
-                  <a:ext uri="{FF2B5EF4-FFF2-40B4-BE49-F238E27FC236}">
-                    <a16:creationId xmlns:a16="http://schemas.microsoft.com/office/drawing/2014/main" id="{C23FABED-A4B6-4A46-9164-B1433813474E}"/>
-                  </a:ext>
-                </a:extLst>
-              </p:cNvPr>
-              <p:cNvSpPr txBox="1"/>
-              <p:nvPr/>
-            </p:nvSpPr>
-            <p:spPr>
-              <a:xfrm>
-                <a:off x="9658760" y="4800800"/>
-                <a:ext cx="1638794" cy="923330"/>
-              </a:xfrm>
-              <a:prstGeom prst="rect">
-                <a:avLst/>
-              </a:prstGeom>
-              <a:noFill/>
-            </p:spPr>
-            <p:txBody>
-              <a:bodyPr wrap="square" rtlCol="0">
-                <a:spAutoFit/>
-              </a:bodyPr>
-              <a:lstStyle/>
-              <a:p>
-                <a:pPr algn="ctr"/>
-                <a:r>
-                  <a:rPr lang="en-US" b="1" dirty="0">
-                    <a:solidFill>
-                      <a:srgbClr val="C28220"/>
-                    </a:solidFill>
-                    <a:latin typeface="FreightSans Pro Book" panose="02000606030000020004" pitchFamily="2" charset="0"/>
-                  </a:rPr>
-                  <a:t>This will make </a:t>
-                </a:r>
-                <a14:m>
-                  <m:oMath xmlns:m="http://schemas.openxmlformats.org/officeDocument/2006/math">
-                    <m:sSup>
-                      <m:sSupPr>
-                        <m:ctrlPr>
-                          <a:rPr lang="en-US" b="1" i="1">
-                            <a:solidFill>
-                              <a:srgbClr val="C28220"/>
-                            </a:solidFill>
-                            <a:latin typeface="Cambria Math" panose="02040503050406030204" pitchFamily="18" charset="0"/>
-                          </a:rPr>
-                        </m:ctrlPr>
-                      </m:sSupPr>
-                      <m:e>
-                        <m:r>
-                          <a:rPr lang="en-US" b="1" i="1">
-                            <a:solidFill>
-                              <a:srgbClr val="C28220"/>
-                            </a:solidFill>
-                            <a:latin typeface="Cambria Math" panose="02040503050406030204" pitchFamily="18" charset="0"/>
-                          </a:rPr>
-                          <m:t>𝑼</m:t>
-                        </m:r>
-                      </m:e>
-                      <m:sup>
-                        <m:r>
-                          <a:rPr lang="en-US" b="1" i="1">
-                            <a:solidFill>
-                              <a:srgbClr val="C28220"/>
-                            </a:solidFill>
-                            <a:latin typeface="Cambria Math" panose="02040503050406030204" pitchFamily="18" charset="0"/>
-                          </a:rPr>
-                          <m:t>∗</m:t>
-                        </m:r>
-                      </m:sup>
-                    </m:sSup>
-                    <m:d>
-                      <m:dPr>
-                        <m:ctrlPr>
-                          <a:rPr lang="en-US" b="1" i="1">
-                            <a:solidFill>
-                              <a:srgbClr val="C28220"/>
-                            </a:solidFill>
-                            <a:latin typeface="Cambria Math" panose="02040503050406030204" pitchFamily="18" charset="0"/>
-                          </a:rPr>
-                        </m:ctrlPr>
-                      </m:dPr>
-                      <m:e>
-                        <m:sSup>
-                          <m:sSupPr>
-                            <m:ctrlPr>
-                              <a:rPr lang="en-US" b="1" i="1">
-                                <a:solidFill>
-                                  <a:srgbClr val="C28220"/>
-                                </a:solidFill>
-                                <a:latin typeface="Cambria Math" panose="02040503050406030204" pitchFamily="18" charset="0"/>
-                              </a:rPr>
-                            </m:ctrlPr>
-                          </m:sSupPr>
-                          <m:e>
-                            <m:r>
-                              <a:rPr lang="en-US" b="1" i="1">
-                                <a:solidFill>
-                                  <a:srgbClr val="C28220"/>
-                                </a:solidFill>
-                                <a:latin typeface="Cambria Math" panose="02040503050406030204" pitchFamily="18" charset="0"/>
-                              </a:rPr>
-                              <m:t>𝒓</m:t>
-                            </m:r>
-                          </m:e>
-                          <m:sup>
-                            <m:r>
-                              <a:rPr lang="en-US" b="1" i="1">
-                                <a:solidFill>
-                                  <a:srgbClr val="C28220"/>
-                                </a:solidFill>
-                                <a:latin typeface="Cambria Math" panose="02040503050406030204" pitchFamily="18" charset="0"/>
-                              </a:rPr>
-                              <m:t>∗</m:t>
-                            </m:r>
-                          </m:sup>
-                        </m:sSup>
-                      </m:e>
-                    </m:d>
-                  </m:oMath>
-                </a14:m>
-                <a:r>
-                  <a:rPr lang="en-US" b="1" dirty="0">
-                    <a:solidFill>
-                      <a:srgbClr val="C28220"/>
-                    </a:solidFill>
-                    <a:latin typeface="FreightSans Pro Book" panose="02000606030000020004" pitchFamily="2" charset="0"/>
-                  </a:rPr>
-                  <a:t> be on the order of 1.  </a:t>
-                </a:r>
-              </a:p>
-            </p:txBody>
-          </p:sp>
-        </mc:Choice>
-        <mc:Fallback>
-          <p:sp>
-            <p:nvSpPr>
-              <p:cNvPr id="6" name="TextBox 5">
-                <a:extLst>
-                  <a:ext uri="{FF2B5EF4-FFF2-40B4-BE49-F238E27FC236}">
-                    <a16:creationId xmlns:a16="http://schemas.microsoft.com/office/drawing/2014/main" id="{C23FABED-A4B6-4A46-9164-B1433813474E}"/>
-                  </a:ext>
-                </a:extLst>
-              </p:cNvPr>
-              <p:cNvSpPr txBox="1">
-                <a:spLocks noRot="1" noChangeAspect="1" noMove="1" noResize="1" noEditPoints="1" noAdjustHandles="1" noChangeArrowheads="1" noChangeShapeType="1" noTextEdit="1"/>
-              </p:cNvSpPr>
-              <p:nvPr/>
-            </p:nvSpPr>
-            <p:spPr>
-              <a:xfrm>
-                <a:off x="9658760" y="4800800"/>
-                <a:ext cx="1638794" cy="923330"/>
-              </a:xfrm>
-              <a:prstGeom prst="rect">
-                <a:avLst/>
-              </a:prstGeom>
-              <a:blipFill>
-                <a:blip r:embed="rId4"/>
-                <a:stretch>
-                  <a:fillRect t="-4110" r="-6923" b="-8219"/>
-                </a:stretch>
-              </a:blipFill>
-            </p:spPr>
-            <p:txBody>
-              <a:bodyPr/>
-              <a:lstStyle/>
-              <a:p>
-                <a:r>
-                  <a:rPr lang="en-US">
-                    <a:noFill/>
-                  </a:rPr>
-                  <a:t> </a:t>
-                </a:r>
-              </a:p>
-            </p:txBody>
-          </p:sp>
-        </mc:Fallback>
-      </mc:AlternateContent>
-    </p:spTree>
-    <p:extLst>
-      <p:ext uri="{BB962C8B-B14F-4D97-AF65-F5344CB8AC3E}">
-        <p14:creationId xmlns:p14="http://schemas.microsoft.com/office/powerpoint/2010/main" val="1372382884"/>
+        <p14:creationId xmlns:p14="http://schemas.microsoft.com/office/powerpoint/2010/main" val="1438145292"/>
       </p:ext>
     </p:extLst>
   </p:cSld>
